--- a/AHE/MyNotes/Presentations/Class 3 Section 1 - Secondary Storage Devices.pptx
+++ b/AHE/MyNotes/Presentations/Class 3 Section 1 - Secondary Storage Devices.pptx
@@ -5,29 +5,28 @@
     <p:sldMasterId id="2147483648" r:id="rId1"/>
   </p:sldMasterIdLst>
   <p:sldIdLst>
-    <p:sldId id="256" r:id="rId2"/>
-    <p:sldId id="258" r:id="rId3"/>
-    <p:sldId id="259" r:id="rId4"/>
-    <p:sldId id="260" r:id="rId5"/>
-    <p:sldId id="261" r:id="rId6"/>
-    <p:sldId id="262" r:id="rId7"/>
-    <p:sldId id="263" r:id="rId8"/>
-    <p:sldId id="264" r:id="rId9"/>
-    <p:sldId id="266" r:id="rId10"/>
-    <p:sldId id="265" r:id="rId11"/>
-    <p:sldId id="267" r:id="rId12"/>
-    <p:sldId id="268" r:id="rId13"/>
-    <p:sldId id="269" r:id="rId14"/>
-    <p:sldId id="270" r:id="rId15"/>
-    <p:sldId id="272" r:id="rId16"/>
-    <p:sldId id="271" r:id="rId17"/>
-    <p:sldId id="273" r:id="rId18"/>
-    <p:sldId id="274" r:id="rId19"/>
-    <p:sldId id="275" r:id="rId20"/>
-    <p:sldId id="276" r:id="rId21"/>
-    <p:sldId id="277" r:id="rId22"/>
-    <p:sldId id="278" r:id="rId23"/>
-    <p:sldId id="279" r:id="rId24"/>
+    <p:sldId id="258" r:id="rId2"/>
+    <p:sldId id="259" r:id="rId3"/>
+    <p:sldId id="260" r:id="rId4"/>
+    <p:sldId id="261" r:id="rId5"/>
+    <p:sldId id="262" r:id="rId6"/>
+    <p:sldId id="263" r:id="rId7"/>
+    <p:sldId id="264" r:id="rId8"/>
+    <p:sldId id="266" r:id="rId9"/>
+    <p:sldId id="265" r:id="rId10"/>
+    <p:sldId id="267" r:id="rId11"/>
+    <p:sldId id="268" r:id="rId12"/>
+    <p:sldId id="269" r:id="rId13"/>
+    <p:sldId id="270" r:id="rId14"/>
+    <p:sldId id="272" r:id="rId15"/>
+    <p:sldId id="271" r:id="rId16"/>
+    <p:sldId id="273" r:id="rId17"/>
+    <p:sldId id="274" r:id="rId18"/>
+    <p:sldId id="275" r:id="rId19"/>
+    <p:sldId id="276" r:id="rId20"/>
+    <p:sldId id="277" r:id="rId21"/>
+    <p:sldId id="278" r:id="rId22"/>
+    <p:sldId id="279" r:id="rId23"/>
   </p:sldIdLst>
   <p:sldSz cx="12192000" cy="6858000"/>
   <p:notesSz cx="6858000" cy="9144000"/>
@@ -126,6 +125,11 @@
       </a:defRPr>
     </a:lvl9pPr>
   </p:defaultTextStyle>
+  <p:extLst>
+    <p:ext uri="{EFAFB233-063F-42B5-8137-9DF3F51BA10A}">
+      <p15:sldGuideLst xmlns:p15="http://schemas.microsoft.com/office/powerpoint/2012/main"/>
+    </p:ext>
+  </p:extLst>
 </p:presentation>
 </file>
 
@@ -276,7 +280,7 @@
           <a:p>
             <a:fld id="{0C6E8D3B-A2A8-411C-A036-2AA2CC37622C}" type="datetimeFigureOut">
               <a:rPr lang="en-US" smtClean="0"/>
-              <a:t>11/22/2022</a:t>
+              <a:t>12/6/2022</a:t>
             </a:fld>
             <a:endParaRPr lang="en-US"/>
           </a:p>
@@ -474,7 +478,7 @@
           <a:p>
             <a:fld id="{0C6E8D3B-A2A8-411C-A036-2AA2CC37622C}" type="datetimeFigureOut">
               <a:rPr lang="en-US" smtClean="0"/>
-              <a:t>11/22/2022</a:t>
+              <a:t>12/6/2022</a:t>
             </a:fld>
             <a:endParaRPr lang="en-US"/>
           </a:p>
@@ -682,7 +686,7 @@
           <a:p>
             <a:fld id="{0C6E8D3B-A2A8-411C-A036-2AA2CC37622C}" type="datetimeFigureOut">
               <a:rPr lang="en-US" smtClean="0"/>
-              <a:t>11/22/2022</a:t>
+              <a:t>12/6/2022</a:t>
             </a:fld>
             <a:endParaRPr lang="en-US"/>
           </a:p>
@@ -880,7 +884,7 @@
           <a:p>
             <a:fld id="{0C6E8D3B-A2A8-411C-A036-2AA2CC37622C}" type="datetimeFigureOut">
               <a:rPr lang="en-US" smtClean="0"/>
-              <a:t>11/22/2022</a:t>
+              <a:t>12/6/2022</a:t>
             </a:fld>
             <a:endParaRPr lang="en-US"/>
           </a:p>
@@ -1155,7 +1159,7 @@
           <a:p>
             <a:fld id="{0C6E8D3B-A2A8-411C-A036-2AA2CC37622C}" type="datetimeFigureOut">
               <a:rPr lang="en-US" smtClean="0"/>
-              <a:t>11/22/2022</a:t>
+              <a:t>12/6/2022</a:t>
             </a:fld>
             <a:endParaRPr lang="en-US"/>
           </a:p>
@@ -1420,7 +1424,7 @@
           <a:p>
             <a:fld id="{0C6E8D3B-A2A8-411C-A036-2AA2CC37622C}" type="datetimeFigureOut">
               <a:rPr lang="en-US" smtClean="0"/>
-              <a:t>11/22/2022</a:t>
+              <a:t>12/6/2022</a:t>
             </a:fld>
             <a:endParaRPr lang="en-US"/>
           </a:p>
@@ -1832,7 +1836,7 @@
           <a:p>
             <a:fld id="{0C6E8D3B-A2A8-411C-A036-2AA2CC37622C}" type="datetimeFigureOut">
               <a:rPr lang="en-US" smtClean="0"/>
-              <a:t>11/22/2022</a:t>
+              <a:t>12/6/2022</a:t>
             </a:fld>
             <a:endParaRPr lang="en-US"/>
           </a:p>
@@ -1973,7 +1977,7 @@
           <a:p>
             <a:fld id="{0C6E8D3B-A2A8-411C-A036-2AA2CC37622C}" type="datetimeFigureOut">
               <a:rPr lang="en-US" smtClean="0"/>
-              <a:t>11/22/2022</a:t>
+              <a:t>12/6/2022</a:t>
             </a:fld>
             <a:endParaRPr lang="en-US"/>
           </a:p>
@@ -2086,7 +2090,7 @@
           <a:p>
             <a:fld id="{0C6E8D3B-A2A8-411C-A036-2AA2CC37622C}" type="datetimeFigureOut">
               <a:rPr lang="en-US" smtClean="0"/>
-              <a:t>11/22/2022</a:t>
+              <a:t>12/6/2022</a:t>
             </a:fld>
             <a:endParaRPr lang="en-US"/>
           </a:p>
@@ -2397,7 +2401,7 @@
           <a:p>
             <a:fld id="{0C6E8D3B-A2A8-411C-A036-2AA2CC37622C}" type="datetimeFigureOut">
               <a:rPr lang="en-US" smtClean="0"/>
-              <a:t>11/22/2022</a:t>
+              <a:t>12/6/2022</a:t>
             </a:fld>
             <a:endParaRPr lang="en-US"/>
           </a:p>
@@ -2685,7 +2689,7 @@
           <a:p>
             <a:fld id="{0C6E8D3B-A2A8-411C-A036-2AA2CC37622C}" type="datetimeFigureOut">
               <a:rPr lang="en-US" smtClean="0"/>
-              <a:t>11/22/2022</a:t>
+              <a:t>12/6/2022</a:t>
             </a:fld>
             <a:endParaRPr lang="en-US"/>
           </a:p>
@@ -2926,7 +2930,7 @@
           <a:p>
             <a:fld id="{0C6E8D3B-A2A8-411C-A036-2AA2CC37622C}" type="datetimeFigureOut">
               <a:rPr lang="en-US" smtClean="0"/>
-              <a:t>11/22/2022</a:t>
+              <a:t>12/6/2022</a:t>
             </a:fld>
             <a:endParaRPr lang="en-US"/>
           </a:p>
@@ -3348,7 +3352,7 @@
           <p:cNvPr id="2" name="Title 1">
             <a:extLst>
               <a:ext uri="{FF2B5EF4-FFF2-40B4-BE49-F238E27FC236}">
-                <a16:creationId xmlns:a16="http://schemas.microsoft.com/office/drawing/2014/main" id="{653B844D-8153-2C88-CA7F-B7779A46FF97}"/>
+                <a16:creationId xmlns:a16="http://schemas.microsoft.com/office/drawing/2014/main" id="{DB34A9A7-C068-86AD-4DD7-4117D82AC8D3}"/>
               </a:ext>
             </a:extLst>
           </p:cNvPr>
@@ -3356,24 +3360,78 @@
             <a:spLocks noGrp="1"/>
           </p:cNvSpPr>
           <p:nvPr>
-            <p:ph type="ctrTitle"/>
+            <p:ph type="title"/>
           </p:nvPr>
         </p:nvSpPr>
-        <p:spPr/>
-        <p:txBody>
-          <a:bodyPr/>
+        <p:spPr>
+          <a:xfrm>
+            <a:off x="6389915" y="787068"/>
+            <a:ext cx="4213359" cy="1890665"/>
+          </a:xfrm>
+        </p:spPr>
+        <p:txBody>
+          <a:bodyPr anchor="b">
+            <a:normAutofit/>
+          </a:bodyPr>
           <a:lstStyle/>
           <a:p>
-            <a:endParaRPr lang="en-US"/>
-          </a:p>
-        </p:txBody>
-      </p:sp>
-      <p:sp>
-        <p:nvSpPr>
-          <p:cNvPr id="3" name="Subtitle 2">
-            <a:extLst>
-              <a:ext uri="{FF2B5EF4-FFF2-40B4-BE49-F238E27FC236}">
-                <a16:creationId xmlns:a16="http://schemas.microsoft.com/office/drawing/2014/main" id="{BF0DF934-4A64-D5CA-13CF-BD3491BBB913}"/>
+            <a:pPr>
+              <a:lnSpc>
+                <a:spcPct val="90000"/>
+              </a:lnSpc>
+            </a:pPr>
+            <a:r>
+              <a:rPr lang="en-US" sz="3100"/>
+              <a:t>SECTION 1: FUNDAMENTALS OF HARDWARE AND SOFTWARE</a:t>
+            </a:r>
+          </a:p>
+        </p:txBody>
+      </p:sp>
+      <p:pic>
+        <p:nvPicPr>
+          <p:cNvPr id="7" name="Graphic 6" descr="Computer">
+            <a:extLst>
+              <a:ext uri="{FF2B5EF4-FFF2-40B4-BE49-F238E27FC236}">
+                <a16:creationId xmlns:a16="http://schemas.microsoft.com/office/drawing/2014/main" id="{EDD2D88B-680F-5C78-8D0A-F8F825C8CB53}"/>
+              </a:ext>
+            </a:extLst>
+          </p:cNvPr>
+          <p:cNvPicPr>
+            <a:picLocks noChangeAspect="1"/>
+          </p:cNvPicPr>
+          <p:nvPr/>
+        </p:nvPicPr>
+        <p:blipFill>
+          <a:blip r:embed="rId2">
+            <a:extLst>
+              <a:ext uri="{28A0092B-C50C-407E-A947-70E740481C1C}">
+                <a14:useLocalDpi xmlns:a14="http://schemas.microsoft.com/office/drawing/2010/main" val="0"/>
+              </a:ext>
+              <a:ext uri="{96DAC541-7B7A-43D3-8B79-37D633B846F1}">
+                <asvg:svgBlip xmlns:asvg="http://schemas.microsoft.com/office/drawing/2016/SVG/main" r:embed="rId3"/>
+              </a:ext>
+            </a:extLst>
+          </a:blip>
+          <a:stretch>
+            <a:fillRect/>
+          </a:stretch>
+        </p:blipFill>
+        <p:spPr>
+          <a:xfrm>
+            <a:off x="572241" y="851899"/>
+            <a:ext cx="5112709" cy="5112709"/>
+          </a:xfrm>
+          <a:prstGeom prst="rect">
+            <a:avLst/>
+          </a:prstGeom>
+        </p:spPr>
+      </p:pic>
+      <p:sp>
+        <p:nvSpPr>
+          <p:cNvPr id="3" name="Content Placeholder 2">
+            <a:extLst>
+              <a:ext uri="{FF2B5EF4-FFF2-40B4-BE49-F238E27FC236}">
+                <a16:creationId xmlns:a16="http://schemas.microsoft.com/office/drawing/2014/main" id="{490C3C72-E868-036A-A04A-AC44F813D554}"/>
               </a:ext>
             </a:extLst>
           </p:cNvPr>
@@ -3381,22 +3439,65 @@
             <a:spLocks noGrp="1"/>
           </p:cNvSpPr>
           <p:nvPr>
-            <p:ph type="subTitle" idx="1"/>
+            <p:ph idx="1"/>
           </p:nvPr>
         </p:nvSpPr>
-        <p:spPr/>
-        <p:txBody>
-          <a:bodyPr/>
+        <p:spPr>
+          <a:xfrm>
+            <a:off x="6389915" y="3429000"/>
+            <a:ext cx="4213359" cy="2641930"/>
+          </a:xfrm>
+        </p:spPr>
+        <p:txBody>
+          <a:bodyPr>
+            <a:normAutofit/>
+          </a:bodyPr>
           <a:lstStyle/>
           <a:p>
-            <a:endParaRPr lang="en-US"/>
+            <a:r>
+              <a:rPr lang="en-US" sz="2500" b="1" dirty="0"/>
+              <a:t>Objective1.5:</a:t>
+            </a:r>
+          </a:p>
+          <a:p>
+            <a:r>
+              <a:rPr lang="en-US" sz="2500" dirty="0"/>
+              <a:t>Compare the types of secondary storage media: </a:t>
+            </a:r>
+          </a:p>
+          <a:p>
+            <a:pPr lvl="1"/>
+            <a:r>
+              <a:rPr lang="en-US" sz="2300" dirty="0"/>
+              <a:t>Portability</a:t>
+            </a:r>
+          </a:p>
+          <a:p>
+            <a:pPr lvl="1"/>
+            <a:r>
+              <a:rPr lang="en-US" sz="2300" dirty="0"/>
+              <a:t>Speed</a:t>
+            </a:r>
+          </a:p>
+          <a:p>
+            <a:pPr lvl="1"/>
+            <a:r>
+              <a:rPr lang="en-US" sz="2300" dirty="0"/>
+              <a:t>Capacity.</a:t>
+            </a:r>
+          </a:p>
+          <a:p>
+            <a:endParaRPr lang="en-US" sz="2500" dirty="0"/>
+          </a:p>
+          <a:p>
+            <a:endParaRPr lang="en-US" sz="2500" dirty="0"/>
           </a:p>
         </p:txBody>
       </p:sp>
     </p:spTree>
     <p:extLst>
       <p:ext uri="{BB962C8B-B14F-4D97-AF65-F5344CB8AC3E}">
-        <p14:creationId xmlns:p14="http://schemas.microsoft.com/office/powerpoint/2010/main" val="47206834"/>
+        <p14:creationId xmlns:p14="http://schemas.microsoft.com/office/powerpoint/2010/main" val="3490432038"/>
       </p:ext>
     </p:extLst>
   </p:cSld>
@@ -3425,181 +3526,22 @@
       </p:grpSpPr>
       <p:sp>
         <p:nvSpPr>
-          <p:cNvPr id="3" name="Content Placeholder 2">
-            <a:extLst>
-              <a:ext uri="{FF2B5EF4-FFF2-40B4-BE49-F238E27FC236}">
-                <a16:creationId xmlns:a16="http://schemas.microsoft.com/office/drawing/2014/main" id="{C337FF09-4E78-733E-8BD3-C1A3E66F611F}"/>
-              </a:ext>
-            </a:extLst>
-          </p:cNvPr>
-          <p:cNvSpPr>
-            <a:spLocks noGrp="1"/>
-          </p:cNvSpPr>
-          <p:nvPr>
-            <p:ph idx="1"/>
-          </p:nvPr>
+          <p:cNvPr id="6" name="Title 1">
+            <a:extLst>
+              <a:ext uri="{FF2B5EF4-FFF2-40B4-BE49-F238E27FC236}">
+                <a16:creationId xmlns:a16="http://schemas.microsoft.com/office/drawing/2014/main" id="{1FA7BFEA-FEC0-A1BA-43D3-3E9E0F713793}"/>
+              </a:ext>
+            </a:extLst>
+          </p:cNvPr>
+          <p:cNvSpPr txBox="1">
+            <a:spLocks/>
+          </p:cNvSpPr>
+          <p:nvPr/>
         </p:nvSpPr>
         <p:spPr>
           <a:xfrm>
-            <a:off x="525717" y="2796427"/>
-            <a:ext cx="10348609" cy="3702847"/>
-          </a:xfrm>
-        </p:spPr>
-        <p:txBody>
-          <a:bodyPr>
-            <a:noAutofit/>
-          </a:bodyPr>
-          <a:lstStyle/>
-          <a:p>
-            <a:pPr marL="0" marR="0">
-              <a:lnSpc>
-                <a:spcPct val="115000"/>
-              </a:lnSpc>
-              <a:spcBef>
-                <a:spcPts val="0"/>
-              </a:spcBef>
-              <a:spcAft>
-                <a:spcPts val="1000"/>
-              </a:spcAft>
-            </a:pPr>
-            <a:r>
-              <a:rPr lang="en-US" sz="2500" dirty="0">
-                <a:effectLst/>
-                <a:latin typeface="Calibri" panose="020F0502020204030204" pitchFamily="34" charset="0"/>
-                <a:ea typeface="Calibri" panose="020F0502020204030204" pitchFamily="34" charset="0"/>
-                <a:cs typeface="Times New Roman" panose="02020603050405020304" pitchFamily="18" charset="0"/>
-              </a:rPr>
-              <a:t>The </a:t>
-            </a:r>
-            <a:r>
-              <a:rPr lang="en-US" sz="2500" b="1" dirty="0">
-                <a:effectLst/>
-                <a:latin typeface="Calibri" panose="020F0502020204030204" pitchFamily="34" charset="0"/>
-                <a:ea typeface="Calibri" panose="020F0502020204030204" pitchFamily="34" charset="0"/>
-                <a:cs typeface="Times New Roman" panose="02020603050405020304" pitchFamily="18" charset="0"/>
-              </a:rPr>
-              <a:t>access time</a:t>
-            </a:r>
-            <a:r>
-              <a:rPr lang="en-US" sz="2500" dirty="0">
-                <a:effectLst/>
-                <a:latin typeface="Calibri" panose="020F0502020204030204" pitchFamily="34" charset="0"/>
-                <a:ea typeface="Calibri" panose="020F0502020204030204" pitchFamily="34" charset="0"/>
-                <a:cs typeface="Times New Roman" panose="02020603050405020304" pitchFamily="18" charset="0"/>
-              </a:rPr>
-              <a:t> (</a:t>
-            </a:r>
-            <a:r>
-              <a:rPr lang="en-US" sz="2500" u="sng" dirty="0">
-                <a:effectLst/>
-                <a:latin typeface="Calibri" panose="020F0502020204030204" pitchFamily="34" charset="0"/>
-                <a:ea typeface="Calibri" panose="020F0502020204030204" pitchFamily="34" charset="0"/>
-                <a:cs typeface="Times New Roman" panose="02020603050405020304" pitchFamily="18" charset="0"/>
-              </a:rPr>
-              <a:t>time to get data</a:t>
-            </a:r>
-            <a:r>
-              <a:rPr lang="en-US" sz="2500" dirty="0">
-                <a:effectLst/>
-                <a:latin typeface="Calibri" panose="020F0502020204030204" pitchFamily="34" charset="0"/>
-                <a:ea typeface="Calibri" panose="020F0502020204030204" pitchFamily="34" charset="0"/>
-                <a:cs typeface="Times New Roman" panose="02020603050405020304" pitchFamily="18" charset="0"/>
-              </a:rPr>
-              <a:t>) from a spinning disk with one read/write head is a combination of:</a:t>
-            </a:r>
-          </a:p>
-          <a:p>
-            <a:pPr marL="342900" marR="0" lvl="0" indent="-342900">
-              <a:lnSpc>
-                <a:spcPct val="115000"/>
-              </a:lnSpc>
-              <a:spcBef>
-                <a:spcPts val="0"/>
-              </a:spcBef>
-              <a:spcAft>
-                <a:spcPts val="1000"/>
-              </a:spcAft>
-              <a:buFont typeface="Symbol" panose="05050102010706020507" pitchFamily="18" charset="2"/>
-              <a:buChar char=""/>
-            </a:pPr>
-            <a:r>
-              <a:rPr lang="en-US" sz="2500" dirty="0">
-                <a:effectLst/>
-                <a:latin typeface="Calibri" panose="020F0502020204030204" pitchFamily="34" charset="0"/>
-                <a:ea typeface="Calibri" panose="020F0502020204030204" pitchFamily="34" charset="0"/>
-                <a:cs typeface="Times New Roman" panose="02020603050405020304" pitchFamily="18" charset="0"/>
-              </a:rPr>
-              <a:t>Seek time – how long it takes the head to get to the right track;</a:t>
-            </a:r>
-          </a:p>
-          <a:p>
-            <a:pPr marL="342900" marR="0" lvl="0" indent="-342900">
-              <a:lnSpc>
-                <a:spcPct val="115000"/>
-              </a:lnSpc>
-              <a:spcBef>
-                <a:spcPts val="0"/>
-              </a:spcBef>
-              <a:spcAft>
-                <a:spcPts val="1000"/>
-              </a:spcAft>
-              <a:buFont typeface="Symbol" panose="05050102010706020507" pitchFamily="18" charset="2"/>
-              <a:buChar char=""/>
-            </a:pPr>
-            <a:r>
-              <a:rPr lang="en-US" sz="2500" dirty="0">
-                <a:effectLst/>
-                <a:latin typeface="Calibri" panose="020F0502020204030204" pitchFamily="34" charset="0"/>
-                <a:ea typeface="Calibri" panose="020F0502020204030204" pitchFamily="34" charset="0"/>
-                <a:cs typeface="Times New Roman" panose="02020603050405020304" pitchFamily="18" charset="0"/>
-              </a:rPr>
-              <a:t>Rotational delay or latency time – how long it takes for the data to rotate under the head; and</a:t>
-            </a:r>
-          </a:p>
-          <a:p>
-            <a:pPr marL="342900" marR="0" lvl="0" indent="-342900">
-              <a:lnSpc>
-                <a:spcPct val="115000"/>
-              </a:lnSpc>
-              <a:spcBef>
-                <a:spcPts val="0"/>
-              </a:spcBef>
-              <a:spcAft>
-                <a:spcPts val="1000"/>
-              </a:spcAft>
-              <a:buFont typeface="Symbol" panose="05050102010706020507" pitchFamily="18" charset="2"/>
-              <a:buChar char=""/>
-            </a:pPr>
-            <a:r>
-              <a:rPr lang="en-US" sz="2500" dirty="0">
-                <a:effectLst/>
-                <a:latin typeface="Calibri" panose="020F0502020204030204" pitchFamily="34" charset="0"/>
-                <a:ea typeface="Calibri" panose="020F0502020204030204" pitchFamily="34" charset="0"/>
-                <a:cs typeface="Times New Roman" panose="02020603050405020304" pitchFamily="18" charset="0"/>
-              </a:rPr>
-              <a:t>Transmission time – the time taken to read the data and transmit it to the CPU.</a:t>
-            </a:r>
-          </a:p>
-        </p:txBody>
-      </p:sp>
-      <p:sp>
-        <p:nvSpPr>
-          <p:cNvPr id="6" name="Title 1">
-            <a:extLst>
-              <a:ext uri="{FF2B5EF4-FFF2-40B4-BE49-F238E27FC236}">
-                <a16:creationId xmlns:a16="http://schemas.microsoft.com/office/drawing/2014/main" id="{1FA7BFEA-FEC0-A1BA-43D3-3E9E0F713793}"/>
-              </a:ext>
-            </a:extLst>
-          </p:cNvPr>
-          <p:cNvSpPr txBox="1">
-            <a:spLocks/>
-          </p:cNvSpPr>
-          <p:nvPr/>
-        </p:nvSpPr>
-        <p:spPr>
-          <a:xfrm>
-            <a:off x="525718" y="775402"/>
-            <a:ext cx="5512288" cy="1644111"/>
+            <a:off x="525718" y="775403"/>
+            <a:ext cx="2776170" cy="689744"/>
           </a:xfrm>
           <a:prstGeom prst="rect">
             <a:avLst/>
@@ -3643,10 +3585,157 @@
           </a:p>
         </p:txBody>
       </p:sp>
+      <p:sp>
+        <p:nvSpPr>
+          <p:cNvPr id="3" name="Content Placeholder 2">
+            <a:extLst>
+              <a:ext uri="{FF2B5EF4-FFF2-40B4-BE49-F238E27FC236}">
+                <a16:creationId xmlns:a16="http://schemas.microsoft.com/office/drawing/2014/main" id="{C337FF09-4E78-733E-8BD3-C1A3E66F611F}"/>
+              </a:ext>
+            </a:extLst>
+          </p:cNvPr>
+          <p:cNvSpPr>
+            <a:spLocks noGrp="1"/>
+          </p:cNvSpPr>
+          <p:nvPr>
+            <p:ph idx="1"/>
+          </p:nvPr>
+        </p:nvSpPr>
+        <p:spPr>
+          <a:xfrm>
+            <a:off x="5318680" y="1201272"/>
+            <a:ext cx="6903470" cy="5656727"/>
+          </a:xfrm>
+        </p:spPr>
+        <p:txBody>
+          <a:bodyPr vert="horz" lIns="91440" tIns="45720" rIns="91440" bIns="45720" rtlCol="0">
+            <a:noAutofit/>
+          </a:bodyPr>
+          <a:lstStyle/>
+          <a:p>
+            <a:pPr lvl="1">
+              <a:lnSpc>
+                <a:spcPct val="100000"/>
+              </a:lnSpc>
+              <a:spcBef>
+                <a:spcPts val="0"/>
+              </a:spcBef>
+              <a:spcAft>
+                <a:spcPts val="1000"/>
+              </a:spcAft>
+            </a:pPr>
+            <a:r>
+              <a:rPr lang="en-US" sz="2300" dirty="0"/>
+              <a:t>T</a:t>
+            </a:r>
+            <a:r>
+              <a:rPr lang="en-US" sz="2300" dirty="0">
+                <a:effectLst/>
+              </a:rPr>
+              <a:t>he access time for a fixed disk is less than that of a moveable disk, since each track has a read/write head and this eliminates the seek time.  </a:t>
+            </a:r>
+          </a:p>
+          <a:p>
+            <a:pPr lvl="1">
+              <a:lnSpc>
+                <a:spcPct val="100000"/>
+              </a:lnSpc>
+              <a:spcBef>
+                <a:spcPts val="0"/>
+              </a:spcBef>
+              <a:spcAft>
+                <a:spcPts val="1000"/>
+              </a:spcAft>
+            </a:pPr>
+            <a:r>
+              <a:rPr lang="en-US" sz="2300" dirty="0">
+                <a:effectLst/>
+              </a:rPr>
+              <a:t>The external and removeable hard disks are portable hard disks that are connected to the system unit.</a:t>
+            </a:r>
+          </a:p>
+          <a:p>
+            <a:pPr lvl="1">
+              <a:lnSpc>
+                <a:spcPct val="100000"/>
+              </a:lnSpc>
+              <a:spcBef>
+                <a:spcPts val="0"/>
+              </a:spcBef>
+              <a:spcAft>
+                <a:spcPts val="1000"/>
+              </a:spcAft>
+            </a:pPr>
+            <a:r>
+              <a:rPr lang="en-US" sz="2300" dirty="0">
+                <a:effectLst/>
+              </a:rPr>
+              <a:t>External hard disks have very large storage capacities, up to 1.5 TB currently. </a:t>
+            </a:r>
+          </a:p>
+          <a:p>
+            <a:pPr lvl="1">
+              <a:lnSpc>
+                <a:spcPct val="100000"/>
+              </a:lnSpc>
+              <a:spcBef>
+                <a:spcPts val="0"/>
+              </a:spcBef>
+              <a:spcAft>
+                <a:spcPts val="1000"/>
+              </a:spcAft>
+            </a:pPr>
+            <a:r>
+              <a:rPr lang="en-US" sz="2300" dirty="0">
+                <a:effectLst/>
+              </a:rPr>
+              <a:t>They are used mainly by very large computers.</a:t>
+            </a:r>
+          </a:p>
+          <a:p>
+            <a:pPr lvl="1">
+              <a:lnSpc>
+                <a:spcPct val="100000"/>
+              </a:lnSpc>
+              <a:spcBef>
+                <a:spcPts val="0"/>
+              </a:spcBef>
+              <a:spcAft>
+                <a:spcPts val="1000"/>
+              </a:spcAft>
+            </a:pPr>
+            <a:r>
+              <a:rPr lang="en-US" sz="2300" dirty="0">
+                <a:effectLst/>
+              </a:rPr>
+              <a:t>Hard disks are more reliable than floppy disks since its platters are fixed and seal in a unit. </a:t>
+            </a:r>
+          </a:p>
+          <a:p>
+            <a:pPr lvl="1">
+              <a:lnSpc>
+                <a:spcPct val="100000"/>
+              </a:lnSpc>
+              <a:spcBef>
+                <a:spcPts val="0"/>
+              </a:spcBef>
+              <a:spcAft>
+                <a:spcPts val="1000"/>
+              </a:spcAft>
+            </a:pPr>
+            <a:r>
+              <a:rPr lang="en-US" sz="2300" dirty="0">
+                <a:effectLst/>
+              </a:rPr>
+              <a:t>Hard disks can store much more data than floppy disk and optical disks and access and transmission of data is faster. </a:t>
+            </a:r>
+          </a:p>
+        </p:txBody>
+      </p:sp>
     </p:spTree>
     <p:extLst>
       <p:ext uri="{BB962C8B-B14F-4D97-AF65-F5344CB8AC3E}">
-        <p14:creationId xmlns:p14="http://schemas.microsoft.com/office/powerpoint/2010/main" val="2970740834"/>
+        <p14:creationId xmlns:p14="http://schemas.microsoft.com/office/powerpoint/2010/main" val="3463744555"/>
       </p:ext>
     </p:extLst>
   </p:cSld>
@@ -3762,7 +3851,7 @@
           </a:bodyPr>
           <a:lstStyle/>
           <a:p>
-            <a:pPr lvl="1">
+            <a:pPr marR="0" lvl="1">
               <a:lnSpc>
                 <a:spcPct val="100000"/>
               </a:lnSpc>
@@ -3775,17 +3864,11 @@
             </a:pPr>
             <a:r>
               <a:rPr lang="en-US" sz="2300" dirty="0"/>
-              <a:t>T</a:t>
-            </a:r>
-            <a:r>
-              <a:rPr lang="en-US" sz="2300" dirty="0">
-                <a:effectLst/>
-              </a:rPr>
-              <a:t>he access time for a fixed disk is less than that of a moveable disk, since each track has a read/write head and this eliminates the seek time.  </a:t>
-            </a:r>
-          </a:p>
-          <a:p>
-            <a:pPr lvl="1">
+              <a:t>Like floppy disks, a hard disk must also be formatted before any data can be stored on it.</a:t>
+            </a:r>
+          </a:p>
+          <a:p>
+            <a:pPr marR="0" lvl="1">
               <a:lnSpc>
                 <a:spcPct val="100000"/>
               </a:lnSpc>
@@ -3797,14 +3880,12 @@
               </a:spcAft>
             </a:pPr>
             <a:r>
-              <a:rPr lang="en-US" sz="2300" dirty="0">
-                <a:effectLst/>
-              </a:rPr>
-              <a:t>The external and removeable hard disks are portable hard disks that are connected to the system unit.</a:t>
-            </a:r>
-          </a:p>
-          <a:p>
-            <a:pPr lvl="1">
+              <a:rPr lang="en-US" sz="2300" dirty="0"/>
+              <a:t>Formatting sets up the tracks, sectors and cylinders. </a:t>
+            </a:r>
+          </a:p>
+          <a:p>
+            <a:pPr marR="0" lvl="1">
               <a:lnSpc>
                 <a:spcPct val="100000"/>
               </a:lnSpc>
@@ -3816,67 +3897,8 @@
               </a:spcAft>
             </a:pPr>
             <a:r>
-              <a:rPr lang="en-US" sz="2300" dirty="0">
-                <a:effectLst/>
-              </a:rPr>
-              <a:t>External hard disks have very large storage capacities, up to 1.5 TB currently. </a:t>
-            </a:r>
-          </a:p>
-          <a:p>
-            <a:pPr lvl="1">
-              <a:lnSpc>
-                <a:spcPct val="100000"/>
-              </a:lnSpc>
-              <a:spcBef>
-                <a:spcPts val="0"/>
-              </a:spcBef>
-              <a:spcAft>
-                <a:spcPts val="1000"/>
-              </a:spcAft>
-            </a:pPr>
-            <a:r>
-              <a:rPr lang="en-US" sz="2300" dirty="0">
-                <a:effectLst/>
-              </a:rPr>
-              <a:t>They are used mainly by very large computers.</a:t>
-            </a:r>
-          </a:p>
-          <a:p>
-            <a:pPr lvl="1">
-              <a:lnSpc>
-                <a:spcPct val="100000"/>
-              </a:lnSpc>
-              <a:spcBef>
-                <a:spcPts val="0"/>
-              </a:spcBef>
-              <a:spcAft>
-                <a:spcPts val="1000"/>
-              </a:spcAft>
-            </a:pPr>
-            <a:r>
-              <a:rPr lang="en-US" sz="2300" dirty="0">
-                <a:effectLst/>
-              </a:rPr>
-              <a:t>Hard disks are more reliable than floppy disks since its platters are fixed and seal in a unit. </a:t>
-            </a:r>
-          </a:p>
-          <a:p>
-            <a:pPr lvl="1">
-              <a:lnSpc>
-                <a:spcPct val="100000"/>
-              </a:lnSpc>
-              <a:spcBef>
-                <a:spcPts val="0"/>
-              </a:spcBef>
-              <a:spcAft>
-                <a:spcPts val="1000"/>
-              </a:spcAft>
-            </a:pPr>
-            <a:r>
-              <a:rPr lang="en-US" sz="2300" dirty="0">
-                <a:effectLst/>
-              </a:rPr>
-              <a:t>Hard disks can store much more data than floppy disk and optical disks and access and transmission of data is faster. </a:t>
+              <a:rPr lang="en-US" sz="2300" dirty="0"/>
+              <a:t>A cylinder is made up of all the tracks of the same number from all the disks that make up the hard disk.</a:t>
             </a:r>
           </a:p>
         </p:txBody>
@@ -3884,7 +3906,7 @@
     </p:spTree>
     <p:extLst>
       <p:ext uri="{BB962C8B-B14F-4D97-AF65-F5344CB8AC3E}">
-        <p14:creationId xmlns:p14="http://schemas.microsoft.com/office/powerpoint/2010/main" val="3463744555"/>
+        <p14:creationId xmlns:p14="http://schemas.microsoft.com/office/powerpoint/2010/main" val="2580776791"/>
       </p:ext>
     </p:extLst>
   </p:cSld>
@@ -3927,8 +3949,8 @@
         </p:nvSpPr>
         <p:spPr>
           <a:xfrm>
-            <a:off x="525718" y="775403"/>
-            <a:ext cx="2776170" cy="689744"/>
+            <a:off x="165877" y="830821"/>
+            <a:ext cx="11860246" cy="734742"/>
           </a:xfrm>
           <a:prstGeom prst="rect">
             <a:avLst/>
@@ -3958,7 +3980,7 @@
             </a:lvl1pPr>
           </a:lstStyle>
           <a:p>
-            <a:pPr marL="0" marR="0">
+            <a:pPr marL="0" marR="0" algn="ctr">
               <a:spcAft>
                 <a:spcPts val="1000"/>
               </a:spcAft>
@@ -3967,7 +3989,7 @@
               <a:rPr lang="en-US" dirty="0">
                 <a:effectLst/>
               </a:rPr>
-              <a:t>Hard disk</a:t>
+              <a:t>Optical Disk</a:t>
             </a:r>
           </a:p>
         </p:txBody>
@@ -3990,8 +4012,8 @@
         </p:nvSpPr>
         <p:spPr>
           <a:xfrm>
-            <a:off x="5318680" y="1201272"/>
-            <a:ext cx="6903470" cy="5656727"/>
+            <a:off x="525717" y="2741615"/>
+            <a:ext cx="9823627" cy="3439999"/>
           </a:xfrm>
         </p:spPr>
         <p:txBody>
@@ -4000,9 +4022,9 @@
           </a:bodyPr>
           <a:lstStyle/>
           <a:p>
-            <a:pPr marR="0" lvl="1">
-              <a:lnSpc>
-                <a:spcPct val="100000"/>
+            <a:pPr lvl="1">
+              <a:lnSpc>
+                <a:spcPct val="115000"/>
               </a:lnSpc>
               <a:spcBef>
                 <a:spcPts val="0"/>
@@ -4012,14 +4034,19 @@
               </a:spcAft>
             </a:pPr>
             <a:r>
-              <a:rPr lang="en-US" sz="2300" dirty="0"/>
-              <a:t>Like floppy disks, a hard disk must also be formatted before any data can be stored on it.</a:t>
-            </a:r>
-          </a:p>
-          <a:p>
-            <a:pPr marR="0" lvl="1">
-              <a:lnSpc>
-                <a:spcPct val="100000"/>
+              <a:rPr lang="en-US" sz="3000" dirty="0">
+                <a:effectLst/>
+                <a:latin typeface="Calibri" panose="020F0502020204030204" pitchFamily="34" charset="0"/>
+                <a:ea typeface="Calibri" panose="020F0502020204030204" pitchFamily="34" charset="0"/>
+                <a:cs typeface="Times New Roman" panose="02020603050405020304" pitchFamily="18" charset="0"/>
+              </a:rPr>
+              <a:t>Optical disks are disks that are read by laser lights. </a:t>
+            </a:r>
+          </a:p>
+          <a:p>
+            <a:pPr lvl="1">
+              <a:lnSpc>
+                <a:spcPct val="115000"/>
               </a:lnSpc>
               <a:spcBef>
                 <a:spcPts val="0"/>
@@ -4029,14 +4056,19 @@
               </a:spcAft>
             </a:pPr>
             <a:r>
-              <a:rPr lang="en-US" sz="2300" dirty="0"/>
-              <a:t>Formatting sets up the tracks, sectors and cylinders. </a:t>
-            </a:r>
-          </a:p>
-          <a:p>
-            <a:pPr marR="0" lvl="1">
-              <a:lnSpc>
-                <a:spcPct val="100000"/>
+              <a:rPr lang="en-US" sz="3000" dirty="0">
+                <a:effectLst/>
+                <a:latin typeface="Calibri" panose="020F0502020204030204" pitchFamily="34" charset="0"/>
+                <a:ea typeface="Calibri" panose="020F0502020204030204" pitchFamily="34" charset="0"/>
+                <a:cs typeface="Times New Roman" panose="02020603050405020304" pitchFamily="18" charset="0"/>
+              </a:rPr>
+              <a:t>They are made from plastic. </a:t>
+            </a:r>
+          </a:p>
+          <a:p>
+            <a:pPr lvl="1">
+              <a:lnSpc>
+                <a:spcPct val="115000"/>
               </a:lnSpc>
               <a:spcBef>
                 <a:spcPts val="0"/>
@@ -4046,8 +4078,35 @@
               </a:spcAft>
             </a:pPr>
             <a:r>
-              <a:rPr lang="en-US" sz="2300" dirty="0"/>
-              <a:t>A cylinder is made up of all the tracks of the same number from all the disks that make up the hard disk.</a:t>
+              <a:rPr lang="en-US" sz="3000" dirty="0">
+                <a:effectLst/>
+                <a:latin typeface="Calibri" panose="020F0502020204030204" pitchFamily="34" charset="0"/>
+                <a:ea typeface="Calibri" panose="020F0502020204030204" pitchFamily="34" charset="0"/>
+                <a:cs typeface="Times New Roman" panose="02020603050405020304" pitchFamily="18" charset="0"/>
+              </a:rPr>
+              <a:t>The data is stored on layers inside the plastic. </a:t>
+            </a:r>
+          </a:p>
+          <a:p>
+            <a:pPr lvl="1">
+              <a:lnSpc>
+                <a:spcPct val="115000"/>
+              </a:lnSpc>
+              <a:spcBef>
+                <a:spcPts val="0"/>
+              </a:spcBef>
+              <a:spcAft>
+                <a:spcPts val="1000"/>
+              </a:spcAft>
+            </a:pPr>
+            <a:r>
+              <a:rPr lang="en-US" sz="3000" dirty="0">
+                <a:effectLst/>
+                <a:latin typeface="Calibri" panose="020F0502020204030204" pitchFamily="34" charset="0"/>
+                <a:ea typeface="Calibri" panose="020F0502020204030204" pitchFamily="34" charset="0"/>
+                <a:cs typeface="Times New Roman" panose="02020603050405020304" pitchFamily="18" charset="0"/>
+              </a:rPr>
+              <a:t>CDs and DVDs are the two main types of optical disks. </a:t>
             </a:r>
           </a:p>
         </p:txBody>
@@ -4055,7 +4114,7 @@
     </p:spTree>
     <p:extLst>
       <p:ext uri="{BB962C8B-B14F-4D97-AF65-F5344CB8AC3E}">
-        <p14:creationId xmlns:p14="http://schemas.microsoft.com/office/powerpoint/2010/main" val="2580776791"/>
+        <p14:creationId xmlns:p14="http://schemas.microsoft.com/office/powerpoint/2010/main" val="1430240562"/>
       </p:ext>
     </p:extLst>
   </p:cSld>
@@ -4138,7 +4197,7 @@
               <a:rPr lang="en-US" dirty="0">
                 <a:effectLst/>
               </a:rPr>
-              <a:t>Optical Disk</a:t>
+              <a:t>Compact Disk</a:t>
             </a:r>
           </a:p>
         </p:txBody>
@@ -4162,7 +4221,7 @@
         <p:spPr>
           <a:xfrm>
             <a:off x="525717" y="2741615"/>
-            <a:ext cx="9823627" cy="3439999"/>
+            <a:ext cx="10530210" cy="3439999"/>
           </a:xfrm>
         </p:spPr>
         <p:txBody>
@@ -4189,7 +4248,7 @@
                 <a:ea typeface="Calibri" panose="020F0502020204030204" pitchFamily="34" charset="0"/>
                 <a:cs typeface="Times New Roman" panose="02020603050405020304" pitchFamily="18" charset="0"/>
               </a:rPr>
-              <a:t>Optical disks are disks that are read by laser lights. </a:t>
+              <a:t>A Compact Disc (CD) is an optical disc used to store digital data. </a:t>
             </a:r>
           </a:p>
           <a:p>
@@ -4211,7 +4270,7 @@
                 <a:ea typeface="Calibri" panose="020F0502020204030204" pitchFamily="34" charset="0"/>
                 <a:cs typeface="Times New Roman" panose="02020603050405020304" pitchFamily="18" charset="0"/>
               </a:rPr>
-              <a:t>They are made from plastic. </a:t>
+              <a:t>The physical dimension of a CD is 12 cm or occasionally 8 cm in diameter. </a:t>
             </a:r>
           </a:p>
           <a:p>
@@ -4233,29 +4292,7 @@
                 <a:ea typeface="Calibri" panose="020F0502020204030204" pitchFamily="34" charset="0"/>
                 <a:cs typeface="Times New Roman" panose="02020603050405020304" pitchFamily="18" charset="0"/>
               </a:rPr>
-              <a:t>The data is stored on layers inside the plastic. </a:t>
-            </a:r>
-          </a:p>
-          <a:p>
-            <a:pPr lvl="1">
-              <a:lnSpc>
-                <a:spcPct val="115000"/>
-              </a:lnSpc>
-              <a:spcBef>
-                <a:spcPts val="0"/>
-              </a:spcBef>
-              <a:spcAft>
-                <a:spcPts val="1000"/>
-              </a:spcAft>
-            </a:pPr>
-            <a:r>
-              <a:rPr lang="en-US" sz="3000" dirty="0">
-                <a:effectLst/>
-                <a:latin typeface="Calibri" panose="020F0502020204030204" pitchFamily="34" charset="0"/>
-                <a:ea typeface="Calibri" panose="020F0502020204030204" pitchFamily="34" charset="0"/>
-                <a:cs typeface="Times New Roman" panose="02020603050405020304" pitchFamily="18" charset="0"/>
-              </a:rPr>
-              <a:t>CDs and DVDs are the two main types of optical disks. </a:t>
+              <a:t>CDs can hold up to 750 MB. They are three types of CDs: CD-ROM, CD-R and CD-RW.</a:t>
             </a:r>
           </a:p>
         </p:txBody>
@@ -4263,7 +4300,7 @@
     </p:spTree>
     <p:extLst>
       <p:ext uri="{BB962C8B-B14F-4D97-AF65-F5344CB8AC3E}">
-        <p14:creationId xmlns:p14="http://schemas.microsoft.com/office/powerpoint/2010/main" val="1430240562"/>
+        <p14:creationId xmlns:p14="http://schemas.microsoft.com/office/powerpoint/2010/main" val="2178890665"/>
       </p:ext>
     </p:extLst>
   </p:cSld>
@@ -4346,7 +4383,7 @@
               <a:rPr lang="en-US" dirty="0">
                 <a:effectLst/>
               </a:rPr>
-              <a:t>Compact Disk</a:t>
+              <a:t>Compact Disk Variations</a:t>
             </a:r>
           </a:p>
         </p:txBody>
@@ -4397,7 +4434,7 @@
                 <a:ea typeface="Calibri" panose="020F0502020204030204" pitchFamily="34" charset="0"/>
                 <a:cs typeface="Times New Roman" panose="02020603050405020304" pitchFamily="18" charset="0"/>
               </a:rPr>
-              <a:t>A Compact Disc (CD) is an optical disc used to store digital data. </a:t>
+              <a:t>CD-ROM (Read only)</a:t>
             </a:r>
           </a:p>
           <a:p>
@@ -4414,12 +4451,11 @@
             </a:pPr>
             <a:r>
               <a:rPr lang="en-US" sz="3000" dirty="0">
-                <a:effectLst/>
                 <a:latin typeface="Calibri" panose="020F0502020204030204" pitchFamily="34" charset="0"/>
                 <a:ea typeface="Calibri" panose="020F0502020204030204" pitchFamily="34" charset="0"/>
                 <a:cs typeface="Times New Roman" panose="02020603050405020304" pitchFamily="18" charset="0"/>
               </a:rPr>
-              <a:t>The physical dimension of a CD is 12 cm or occasionally 8 cm in diameter. </a:t>
+              <a:t>CD-R (Recordable)</a:t>
             </a:r>
           </a:p>
           <a:p>
@@ -4441,7 +4477,25 @@
                 <a:ea typeface="Calibri" panose="020F0502020204030204" pitchFamily="34" charset="0"/>
                 <a:cs typeface="Times New Roman" panose="02020603050405020304" pitchFamily="18" charset="0"/>
               </a:rPr>
-              <a:t>CDs can hold up to 750 MB. They are three types of CDs: CD-ROM, CD-R and CD-RW.</a:t>
+              <a:t>CD-RW (</a:t>
+            </a:r>
+            <a:r>
+              <a:rPr lang="en-US" sz="3000" dirty="0" err="1">
+                <a:effectLst/>
+                <a:latin typeface="Calibri" panose="020F0502020204030204" pitchFamily="34" charset="0"/>
+                <a:ea typeface="Calibri" panose="020F0502020204030204" pitchFamily="34" charset="0"/>
+                <a:cs typeface="Times New Roman" panose="02020603050405020304" pitchFamily="18" charset="0"/>
+              </a:rPr>
+              <a:t>Rewritetable</a:t>
+            </a:r>
+            <a:r>
+              <a:rPr lang="en-US" sz="3000" dirty="0">
+                <a:effectLst/>
+                <a:latin typeface="Calibri" panose="020F0502020204030204" pitchFamily="34" charset="0"/>
+                <a:ea typeface="Calibri" panose="020F0502020204030204" pitchFamily="34" charset="0"/>
+                <a:cs typeface="Times New Roman" panose="02020603050405020304" pitchFamily="18" charset="0"/>
+              </a:rPr>
+              <a:t>)</a:t>
             </a:r>
           </a:p>
         </p:txBody>
@@ -4449,7 +4503,7 @@
     </p:spTree>
     <p:extLst>
       <p:ext uri="{BB962C8B-B14F-4D97-AF65-F5344CB8AC3E}">
-        <p14:creationId xmlns:p14="http://schemas.microsoft.com/office/powerpoint/2010/main" val="2178890665"/>
+        <p14:creationId xmlns:p14="http://schemas.microsoft.com/office/powerpoint/2010/main" val="4184989174"/>
       </p:ext>
     </p:extLst>
   </p:cSld>
@@ -4524,15 +4578,19 @@
           </a:lstStyle>
           <a:p>
             <a:pPr marL="0" marR="0" algn="ctr">
+              <a:lnSpc>
+                <a:spcPct val="115000"/>
+              </a:lnSpc>
+              <a:spcBef>
+                <a:spcPts val="0"/>
+              </a:spcBef>
               <a:spcAft>
                 <a:spcPts val="1000"/>
               </a:spcAft>
             </a:pPr>
             <a:r>
-              <a:rPr lang="en-US" dirty="0">
-                <a:effectLst/>
-              </a:rPr>
-              <a:t>Compact Disk Variations</a:t>
+              <a:rPr lang="en-US" dirty="0"/>
+              <a:t>CD-ROM (read only) </a:t>
             </a:r>
           </a:p>
         </p:txBody>
@@ -4565,7 +4623,52 @@
           </a:bodyPr>
           <a:lstStyle/>
           <a:p>
-            <a:pPr lvl="1">
+            <a:pPr marL="342900" marR="0" lvl="0" indent="-342900">
+              <a:lnSpc>
+                <a:spcPct val="115000"/>
+              </a:lnSpc>
+              <a:spcBef>
+                <a:spcPts val="0"/>
+              </a:spcBef>
+              <a:spcAft>
+                <a:spcPts val="0"/>
+              </a:spcAft>
+              <a:buFont typeface="Symbol" panose="05050102010706020507" pitchFamily="18" charset="2"/>
+              <a:buChar char=""/>
+            </a:pPr>
+            <a:r>
+              <a:rPr lang="en-US" sz="3000" dirty="0">
+                <a:effectLst/>
+                <a:latin typeface="Calibri" panose="020F0502020204030204" pitchFamily="34" charset="0"/>
+                <a:ea typeface="Calibri" panose="020F0502020204030204" pitchFamily="34" charset="0"/>
+                <a:cs typeface="Times New Roman" panose="02020603050405020304" pitchFamily="18" charset="0"/>
+              </a:rPr>
+              <a:t>Stores multimedia (text, graphics, sound and videos).</a:t>
+            </a:r>
+          </a:p>
+          <a:p>
+            <a:pPr marL="342900" marR="0" lvl="0" indent="-342900">
+              <a:lnSpc>
+                <a:spcPct val="115000"/>
+              </a:lnSpc>
+              <a:spcBef>
+                <a:spcPts val="0"/>
+              </a:spcBef>
+              <a:spcAft>
+                <a:spcPts val="0"/>
+              </a:spcAft>
+              <a:buFont typeface="Symbol" panose="05050102010706020507" pitchFamily="18" charset="2"/>
+              <a:buChar char=""/>
+            </a:pPr>
+            <a:endParaRPr lang="en-US" sz="3000" dirty="0">
+              <a:effectLst/>
+              <a:latin typeface="Calibri" panose="020F0502020204030204" pitchFamily="34" charset="0"/>
+              <a:ea typeface="Calibri" panose="020F0502020204030204" pitchFamily="34" charset="0"/>
+              <a:cs typeface="Times New Roman" panose="02020603050405020304" pitchFamily="18" charset="0"/>
+            </a:endParaRPr>
+          </a:p>
+          <a:p>
+            <a:pPr marL="342900" marR="0" lvl="0" indent="-342900">
               <a:lnSpc>
                 <a:spcPct val="115000"/>
               </a:lnSpc>
@@ -4575,6 +4678,8 @@
               <a:spcAft>
                 <a:spcPts val="1000"/>
               </a:spcAft>
+              <a:buFont typeface="Symbol" panose="05050102010706020507" pitchFamily="18" charset="2"/>
+              <a:buChar char=""/>
             </a:pPr>
             <a:r>
               <a:rPr lang="en-US" sz="3000" dirty="0">
@@ -4583,68 +4688,25 @@
                 <a:ea typeface="Calibri" panose="020F0502020204030204" pitchFamily="34" charset="0"/>
                 <a:cs typeface="Times New Roman" panose="02020603050405020304" pitchFamily="18" charset="0"/>
               </a:rPr>
-              <a:t>CD-ROM (Read only)</a:t>
-            </a:r>
-          </a:p>
-          <a:p>
-            <a:pPr lvl="1">
-              <a:lnSpc>
-                <a:spcPct val="115000"/>
-              </a:lnSpc>
-              <a:spcBef>
-                <a:spcPts val="0"/>
-              </a:spcBef>
-              <a:spcAft>
-                <a:spcPts val="1000"/>
-              </a:spcAft>
-            </a:pPr>
+              <a:t>Stores software packages for sale or distribution </a:t>
+            </a:r>
+            <a:r>
+              <a:rPr lang="en-US" sz="3000" dirty="0" err="1">
+                <a:effectLst/>
+                <a:latin typeface="Calibri" panose="020F0502020204030204" pitchFamily="34" charset="0"/>
+                <a:ea typeface="Calibri" panose="020F0502020204030204" pitchFamily="34" charset="0"/>
+                <a:cs typeface="Times New Roman" panose="02020603050405020304" pitchFamily="18" charset="0"/>
+              </a:rPr>
+              <a:t>e.g</a:t>
+            </a:r>
             <a:r>
               <a:rPr lang="en-US" sz="3000" dirty="0">
+                <a:effectLst/>
                 <a:latin typeface="Calibri" panose="020F0502020204030204" pitchFamily="34" charset="0"/>
                 <a:ea typeface="Calibri" panose="020F0502020204030204" pitchFamily="34" charset="0"/>
                 <a:cs typeface="Times New Roman" panose="02020603050405020304" pitchFamily="18" charset="0"/>
               </a:rPr>
-              <a:t>CD-R (Recordable)</a:t>
-            </a:r>
-          </a:p>
-          <a:p>
-            <a:pPr lvl="1">
-              <a:lnSpc>
-                <a:spcPct val="115000"/>
-              </a:lnSpc>
-              <a:spcBef>
-                <a:spcPts val="0"/>
-              </a:spcBef>
-              <a:spcAft>
-                <a:spcPts val="1000"/>
-              </a:spcAft>
-            </a:pPr>
-            <a:r>
-              <a:rPr lang="en-US" sz="3000" dirty="0">
-                <a:effectLst/>
-                <a:latin typeface="Calibri" panose="020F0502020204030204" pitchFamily="34" charset="0"/>
-                <a:ea typeface="Calibri" panose="020F0502020204030204" pitchFamily="34" charset="0"/>
-                <a:cs typeface="Times New Roman" panose="02020603050405020304" pitchFamily="18" charset="0"/>
-              </a:rPr>
-              <a:t>CD-RW (</a:t>
-            </a:r>
-            <a:r>
-              <a:rPr lang="en-US" sz="3000" dirty="0" err="1">
-                <a:effectLst/>
-                <a:latin typeface="Calibri" panose="020F0502020204030204" pitchFamily="34" charset="0"/>
-                <a:ea typeface="Calibri" panose="020F0502020204030204" pitchFamily="34" charset="0"/>
-                <a:cs typeface="Times New Roman" panose="02020603050405020304" pitchFamily="18" charset="0"/>
-              </a:rPr>
-              <a:t>Rewritetable</a:t>
-            </a:r>
-            <a:r>
-              <a:rPr lang="en-US" sz="3000" dirty="0">
-                <a:effectLst/>
-                <a:latin typeface="Calibri" panose="020F0502020204030204" pitchFamily="34" charset="0"/>
-                <a:ea typeface="Calibri" panose="020F0502020204030204" pitchFamily="34" charset="0"/>
-                <a:cs typeface="Times New Roman" panose="02020603050405020304" pitchFamily="18" charset="0"/>
-              </a:rPr>
-              <a:t>)</a:t>
+              <a:t> application software packages such as encyclopedias, word processors, training programs, games and graphics packages.</a:t>
             </a:r>
           </a:p>
         </p:txBody>
@@ -4652,7 +4714,7 @@
     </p:spTree>
     <p:extLst>
       <p:ext uri="{BB962C8B-B14F-4D97-AF65-F5344CB8AC3E}">
-        <p14:creationId xmlns:p14="http://schemas.microsoft.com/office/powerpoint/2010/main" val="4184989174"/>
+        <p14:creationId xmlns:p14="http://schemas.microsoft.com/office/powerpoint/2010/main" val="3052729276"/>
       </p:ext>
     </p:extLst>
   </p:cSld>
@@ -4739,7 +4801,7 @@
             </a:pPr>
             <a:r>
               <a:rPr lang="en-US" dirty="0"/>
-              <a:t>CD-ROM (read only) </a:t>
+              <a:t>CD-R (Recordable) </a:t>
             </a:r>
           </a:p>
         </p:txBody>
@@ -4763,7 +4825,7 @@
         <p:spPr>
           <a:xfrm>
             <a:off x="525717" y="2741615"/>
-            <a:ext cx="10530210" cy="3439999"/>
+            <a:ext cx="10530210" cy="569621"/>
           </a:xfrm>
         </p:spPr>
         <p:txBody>
@@ -4771,51 +4833,6 @@
             <a:noAutofit/>
           </a:bodyPr>
           <a:lstStyle/>
-          <a:p>
-            <a:pPr marL="342900" marR="0" lvl="0" indent="-342900">
-              <a:lnSpc>
-                <a:spcPct val="115000"/>
-              </a:lnSpc>
-              <a:spcBef>
-                <a:spcPts val="0"/>
-              </a:spcBef>
-              <a:spcAft>
-                <a:spcPts val="0"/>
-              </a:spcAft>
-              <a:buFont typeface="Symbol" panose="05050102010706020507" pitchFamily="18" charset="2"/>
-              <a:buChar char=""/>
-            </a:pPr>
-            <a:r>
-              <a:rPr lang="en-US" sz="3000" dirty="0">
-                <a:effectLst/>
-                <a:latin typeface="Calibri" panose="020F0502020204030204" pitchFamily="34" charset="0"/>
-                <a:ea typeface="Calibri" panose="020F0502020204030204" pitchFamily="34" charset="0"/>
-                <a:cs typeface="Times New Roman" panose="02020603050405020304" pitchFamily="18" charset="0"/>
-              </a:rPr>
-              <a:t>Stores multimedia (text, graphics, sound and videos).</a:t>
-            </a:r>
-          </a:p>
-          <a:p>
-            <a:pPr marL="342900" marR="0" lvl="0" indent="-342900">
-              <a:lnSpc>
-                <a:spcPct val="115000"/>
-              </a:lnSpc>
-              <a:spcBef>
-                <a:spcPts val="0"/>
-              </a:spcBef>
-              <a:spcAft>
-                <a:spcPts val="0"/>
-              </a:spcAft>
-              <a:buFont typeface="Symbol" panose="05050102010706020507" pitchFamily="18" charset="2"/>
-              <a:buChar char=""/>
-            </a:pPr>
-            <a:endParaRPr lang="en-US" sz="3000" dirty="0">
-              <a:effectLst/>
-              <a:latin typeface="Calibri" panose="020F0502020204030204" pitchFamily="34" charset="0"/>
-              <a:ea typeface="Calibri" panose="020F0502020204030204" pitchFamily="34" charset="0"/>
-              <a:cs typeface="Times New Roman" panose="02020603050405020304" pitchFamily="18" charset="0"/>
-            </a:endParaRPr>
-          </a:p>
           <a:p>
             <a:pPr marL="342900" marR="0" lvl="0" indent="-342900">
               <a:lnSpc>
@@ -4831,16 +4848,16 @@
               <a:buChar char=""/>
             </a:pPr>
             <a:r>
-              <a:rPr lang="en-US" sz="3000" dirty="0">
+              <a:rPr lang="en-US" sz="2500" dirty="0">
                 <a:effectLst/>
                 <a:latin typeface="Calibri" panose="020F0502020204030204" pitchFamily="34" charset="0"/>
                 <a:ea typeface="Calibri" panose="020F0502020204030204" pitchFamily="34" charset="0"/>
                 <a:cs typeface="Times New Roman" panose="02020603050405020304" pitchFamily="18" charset="0"/>
               </a:rPr>
-              <a:t>Stores software packages for sale or distribution </a:t>
-            </a:r>
-            <a:r>
-              <a:rPr lang="en-US" sz="3000" dirty="0" err="1">
+              <a:t>Stores large volumes of data that does not need to change </a:t>
+            </a:r>
+            <a:r>
+              <a:rPr lang="en-US" sz="2500" dirty="0" err="1">
                 <a:effectLst/>
                 <a:latin typeface="Calibri" panose="020F0502020204030204" pitchFamily="34" charset="0"/>
                 <a:ea typeface="Calibri" panose="020F0502020204030204" pitchFamily="34" charset="0"/>
@@ -4849,13 +4866,310 @@
               <a:t>e.g</a:t>
             </a:r>
             <a:r>
-              <a:rPr lang="en-US" sz="3000" dirty="0">
+              <a:rPr lang="en-US" sz="2500" dirty="0">
                 <a:effectLst/>
                 <a:latin typeface="Calibri" panose="020F0502020204030204" pitchFamily="34" charset="0"/>
                 <a:ea typeface="Calibri" panose="020F0502020204030204" pitchFamily="34" charset="0"/>
                 <a:cs typeface="Times New Roman" panose="02020603050405020304" pitchFamily="18" charset="0"/>
               </a:rPr>
-              <a:t> application software packages such as encyclopedias, word processors, training programs, games and graphics packages.</a:t>
+              <a:t> music CDs.</a:t>
+            </a:r>
+          </a:p>
+        </p:txBody>
+      </p:sp>
+      <p:sp>
+        <p:nvSpPr>
+          <p:cNvPr id="2" name="Title 1">
+            <a:extLst>
+              <a:ext uri="{FF2B5EF4-FFF2-40B4-BE49-F238E27FC236}">
+                <a16:creationId xmlns:a16="http://schemas.microsoft.com/office/drawing/2014/main" id="{644833F0-8F82-9E05-9A00-F9ED8ECD8D8C}"/>
+              </a:ext>
+            </a:extLst>
+          </p:cNvPr>
+          <p:cNvSpPr txBox="1">
+            <a:spLocks/>
+          </p:cNvSpPr>
+          <p:nvPr/>
+        </p:nvSpPr>
+        <p:spPr>
+          <a:xfrm>
+            <a:off x="165877" y="3429000"/>
+            <a:ext cx="11860246" cy="734742"/>
+          </a:xfrm>
+          <a:prstGeom prst="rect">
+            <a:avLst/>
+          </a:prstGeom>
+        </p:spPr>
+        <p:txBody>
+          <a:bodyPr vert="horz" lIns="91440" tIns="45720" rIns="91440" bIns="45720" rtlCol="0" anchor="t">
+            <a:normAutofit/>
+          </a:bodyPr>
+          <a:lstStyle>
+            <a:lvl1pPr algn="l" defTabSz="914400" rtl="0" eaLnBrk="1" latinLnBrk="0" hangingPunct="1">
+              <a:lnSpc>
+                <a:spcPct val="100000"/>
+              </a:lnSpc>
+              <a:spcBef>
+                <a:spcPct val="0"/>
+              </a:spcBef>
+              <a:buNone/>
+              <a:defRPr sz="3600" i="1" kern="1200">
+                <a:solidFill>
+                  <a:schemeClr val="tx1"/>
+                </a:solidFill>
+                <a:latin typeface="+mj-lt"/>
+                <a:ea typeface="+mj-ea"/>
+                <a:cs typeface="+mj-cs"/>
+              </a:defRPr>
+            </a:lvl1pPr>
+          </a:lstStyle>
+          <a:p>
+            <a:pPr marL="0" marR="0" algn="ctr">
+              <a:lnSpc>
+                <a:spcPct val="115000"/>
+              </a:lnSpc>
+              <a:spcBef>
+                <a:spcPts val="0"/>
+              </a:spcBef>
+              <a:spcAft>
+                <a:spcPts val="1000"/>
+              </a:spcAft>
+            </a:pPr>
+            <a:r>
+              <a:rPr lang="en-US" dirty="0"/>
+              <a:t>CD-RW (Re-Writeable) </a:t>
+            </a:r>
+          </a:p>
+        </p:txBody>
+      </p:sp>
+      <p:sp>
+        <p:nvSpPr>
+          <p:cNvPr id="4" name="Content Placeholder 2">
+            <a:extLst>
+              <a:ext uri="{FF2B5EF4-FFF2-40B4-BE49-F238E27FC236}">
+                <a16:creationId xmlns:a16="http://schemas.microsoft.com/office/drawing/2014/main" id="{7683A283-2137-E742-27A2-46347462924A}"/>
+              </a:ext>
+            </a:extLst>
+          </p:cNvPr>
+          <p:cNvSpPr txBox="1">
+            <a:spLocks/>
+          </p:cNvSpPr>
+          <p:nvPr/>
+        </p:nvSpPr>
+        <p:spPr>
+          <a:xfrm>
+            <a:off x="525717" y="4329997"/>
+            <a:ext cx="10530210" cy="569621"/>
+          </a:xfrm>
+          <a:prstGeom prst="rect">
+            <a:avLst/>
+          </a:prstGeom>
+        </p:spPr>
+        <p:txBody>
+          <a:bodyPr vert="horz" lIns="91440" tIns="45720" rIns="91440" bIns="45720" rtlCol="0">
+            <a:noAutofit/>
+          </a:bodyPr>
+          <a:lstStyle>
+            <a:lvl1pPr marL="0" indent="0" algn="l" defTabSz="914400" rtl="0" eaLnBrk="1" latinLnBrk="0" hangingPunct="1">
+              <a:lnSpc>
+                <a:spcPct val="110000"/>
+              </a:lnSpc>
+              <a:spcBef>
+                <a:spcPts val="1000"/>
+              </a:spcBef>
+              <a:buFont typeface="Arial" panose="020B0604020202020204" pitchFamily="34" charset="0"/>
+              <a:buNone/>
+              <a:defRPr sz="2000" kern="1200">
+                <a:solidFill>
+                  <a:schemeClr val="tx1"/>
+                </a:solidFill>
+                <a:latin typeface="+mn-lt"/>
+                <a:ea typeface="+mn-ea"/>
+                <a:cs typeface="+mn-cs"/>
+              </a:defRPr>
+            </a:lvl1pPr>
+            <a:lvl2pPr marL="0" indent="-228600" algn="l" defTabSz="914400" rtl="0" eaLnBrk="1" latinLnBrk="0" hangingPunct="1">
+              <a:lnSpc>
+                <a:spcPct val="110000"/>
+              </a:lnSpc>
+              <a:spcBef>
+                <a:spcPts val="500"/>
+              </a:spcBef>
+              <a:buFont typeface="Arial" panose="020B0604020202020204" pitchFamily="34" charset="0"/>
+              <a:buChar char="•"/>
+              <a:defRPr sz="1800" kern="1200">
+                <a:solidFill>
+                  <a:schemeClr val="tx1"/>
+                </a:solidFill>
+                <a:latin typeface="+mn-lt"/>
+                <a:ea typeface="+mn-ea"/>
+                <a:cs typeface="+mn-cs"/>
+              </a:defRPr>
+            </a:lvl2pPr>
+            <a:lvl3pPr marL="457200" indent="0" algn="l" defTabSz="914400" rtl="0" eaLnBrk="1" latinLnBrk="0" hangingPunct="1">
+              <a:lnSpc>
+                <a:spcPct val="110000"/>
+              </a:lnSpc>
+              <a:spcBef>
+                <a:spcPts val="500"/>
+              </a:spcBef>
+              <a:buFont typeface="Arial" panose="020B0604020202020204" pitchFamily="34" charset="0"/>
+              <a:buNone/>
+              <a:defRPr sz="1600" kern="1200">
+                <a:solidFill>
+                  <a:schemeClr val="tx1"/>
+                </a:solidFill>
+                <a:latin typeface="+mn-lt"/>
+                <a:ea typeface="+mn-ea"/>
+                <a:cs typeface="+mn-cs"/>
+              </a:defRPr>
+            </a:lvl3pPr>
+            <a:lvl4pPr marL="685800" indent="-228600" algn="l" defTabSz="914400" rtl="0" eaLnBrk="1" latinLnBrk="0" hangingPunct="1">
+              <a:lnSpc>
+                <a:spcPct val="110000"/>
+              </a:lnSpc>
+              <a:spcBef>
+                <a:spcPts val="500"/>
+              </a:spcBef>
+              <a:buFont typeface="Arial" panose="020B0604020202020204" pitchFamily="34" charset="0"/>
+              <a:buChar char="•"/>
+              <a:defRPr sz="1400" kern="1200">
+                <a:solidFill>
+                  <a:schemeClr val="tx1"/>
+                </a:solidFill>
+                <a:latin typeface="+mn-lt"/>
+                <a:ea typeface="+mn-ea"/>
+                <a:cs typeface="+mn-cs"/>
+              </a:defRPr>
+            </a:lvl4pPr>
+            <a:lvl5pPr marL="914400" indent="0" algn="l" defTabSz="914400" rtl="0" eaLnBrk="1" latinLnBrk="0" hangingPunct="1">
+              <a:lnSpc>
+                <a:spcPct val="110000"/>
+              </a:lnSpc>
+              <a:spcBef>
+                <a:spcPts val="500"/>
+              </a:spcBef>
+              <a:buFont typeface="Arial" panose="020B0604020202020204" pitchFamily="34" charset="0"/>
+              <a:buNone/>
+              <a:defRPr sz="1400" kern="1200">
+                <a:solidFill>
+                  <a:schemeClr val="tx1"/>
+                </a:solidFill>
+                <a:latin typeface="+mn-lt"/>
+                <a:ea typeface="+mn-ea"/>
+                <a:cs typeface="+mn-cs"/>
+              </a:defRPr>
+            </a:lvl5pPr>
+            <a:lvl6pPr marL="2514600" indent="-228600" algn="l" defTabSz="914400" rtl="0" eaLnBrk="1" latinLnBrk="0" hangingPunct="1">
+              <a:lnSpc>
+                <a:spcPct val="90000"/>
+              </a:lnSpc>
+              <a:spcBef>
+                <a:spcPts val="500"/>
+              </a:spcBef>
+              <a:buFont typeface="Arial" panose="020B0604020202020204" pitchFamily="34" charset="0"/>
+              <a:buChar char="•"/>
+              <a:defRPr sz="1800" kern="1200">
+                <a:solidFill>
+                  <a:schemeClr val="tx1"/>
+                </a:solidFill>
+                <a:latin typeface="+mn-lt"/>
+                <a:ea typeface="+mn-ea"/>
+                <a:cs typeface="+mn-cs"/>
+              </a:defRPr>
+            </a:lvl6pPr>
+            <a:lvl7pPr marL="2971800" indent="-228600" algn="l" defTabSz="914400" rtl="0" eaLnBrk="1" latinLnBrk="0" hangingPunct="1">
+              <a:lnSpc>
+                <a:spcPct val="90000"/>
+              </a:lnSpc>
+              <a:spcBef>
+                <a:spcPts val="500"/>
+              </a:spcBef>
+              <a:buFont typeface="Arial" panose="020B0604020202020204" pitchFamily="34" charset="0"/>
+              <a:buChar char="•"/>
+              <a:defRPr sz="1800" kern="1200">
+                <a:solidFill>
+                  <a:schemeClr val="tx1"/>
+                </a:solidFill>
+                <a:latin typeface="+mn-lt"/>
+                <a:ea typeface="+mn-ea"/>
+                <a:cs typeface="+mn-cs"/>
+              </a:defRPr>
+            </a:lvl7pPr>
+            <a:lvl8pPr marL="3429000" indent="-228600" algn="l" defTabSz="914400" rtl="0" eaLnBrk="1" latinLnBrk="0" hangingPunct="1">
+              <a:lnSpc>
+                <a:spcPct val="90000"/>
+              </a:lnSpc>
+              <a:spcBef>
+                <a:spcPts val="500"/>
+              </a:spcBef>
+              <a:buFont typeface="Arial" panose="020B0604020202020204" pitchFamily="34" charset="0"/>
+              <a:buChar char="•"/>
+              <a:defRPr sz="1800" kern="1200">
+                <a:solidFill>
+                  <a:schemeClr val="tx1"/>
+                </a:solidFill>
+                <a:latin typeface="+mn-lt"/>
+                <a:ea typeface="+mn-ea"/>
+                <a:cs typeface="+mn-cs"/>
+              </a:defRPr>
+            </a:lvl8pPr>
+            <a:lvl9pPr marL="3886200" indent="-228600" algn="l" defTabSz="914400" rtl="0" eaLnBrk="1" latinLnBrk="0" hangingPunct="1">
+              <a:lnSpc>
+                <a:spcPct val="90000"/>
+              </a:lnSpc>
+              <a:spcBef>
+                <a:spcPts val="500"/>
+              </a:spcBef>
+              <a:buFont typeface="Arial" panose="020B0604020202020204" pitchFamily="34" charset="0"/>
+              <a:buChar char="•"/>
+              <a:defRPr sz="1800" kern="1200">
+                <a:solidFill>
+                  <a:schemeClr val="tx1"/>
+                </a:solidFill>
+                <a:latin typeface="+mn-lt"/>
+                <a:ea typeface="+mn-ea"/>
+                <a:cs typeface="+mn-cs"/>
+              </a:defRPr>
+            </a:lvl9pPr>
+          </a:lstStyle>
+          <a:p>
+            <a:pPr marL="342900" marR="0" lvl="0" indent="-342900">
+              <a:lnSpc>
+                <a:spcPct val="115000"/>
+              </a:lnSpc>
+              <a:spcBef>
+                <a:spcPts val="0"/>
+              </a:spcBef>
+              <a:spcAft>
+                <a:spcPts val="1000"/>
+              </a:spcAft>
+              <a:buFont typeface="Symbol" panose="05050102010706020507" pitchFamily="18" charset="2"/>
+              <a:buChar char=""/>
+            </a:pPr>
+            <a:r>
+              <a:rPr lang="en-US" sz="2500" dirty="0">
+                <a:latin typeface="Calibri" panose="020F0502020204030204" pitchFamily="34" charset="0"/>
+                <a:ea typeface="Calibri" panose="020F0502020204030204" pitchFamily="34" charset="0"/>
+                <a:cs typeface="Times New Roman" panose="02020603050405020304" pitchFamily="18" charset="0"/>
+              </a:rPr>
+              <a:t>Storing large volumes of data that change frequently </a:t>
+            </a:r>
+            <a:r>
+              <a:rPr lang="en-US" sz="2500" dirty="0" err="1">
+                <a:latin typeface="Calibri" panose="020F0502020204030204" pitchFamily="34" charset="0"/>
+                <a:ea typeface="Calibri" panose="020F0502020204030204" pitchFamily="34" charset="0"/>
+                <a:cs typeface="Times New Roman" panose="02020603050405020304" pitchFamily="18" charset="0"/>
+              </a:rPr>
+              <a:t>e.g</a:t>
+            </a:r>
+            <a:r>
+              <a:rPr lang="en-US" sz="2500" dirty="0">
+                <a:latin typeface="Calibri" panose="020F0502020204030204" pitchFamily="34" charset="0"/>
+                <a:ea typeface="Calibri" panose="020F0502020204030204" pitchFamily="34" charset="0"/>
+                <a:cs typeface="Times New Roman" panose="02020603050405020304" pitchFamily="18" charset="0"/>
+              </a:rPr>
+              <a:t> backups copies</a:t>
             </a:r>
           </a:p>
         </p:txBody>
@@ -4863,7 +5177,7 @@
     </p:spTree>
     <p:extLst>
       <p:ext uri="{BB962C8B-B14F-4D97-AF65-F5344CB8AC3E}">
-        <p14:creationId xmlns:p14="http://schemas.microsoft.com/office/powerpoint/2010/main" val="3052729276"/>
+        <p14:creationId xmlns:p14="http://schemas.microsoft.com/office/powerpoint/2010/main" val="1547932226"/>
       </p:ext>
     </p:extLst>
   </p:cSld>
@@ -4938,19 +5252,15 @@
           </a:lstStyle>
           <a:p>
             <a:pPr marL="0" marR="0" algn="ctr">
-              <a:lnSpc>
-                <a:spcPct val="115000"/>
-              </a:lnSpc>
-              <a:spcBef>
-                <a:spcPts val="0"/>
-              </a:spcBef>
               <a:spcAft>
                 <a:spcPts val="1000"/>
               </a:spcAft>
             </a:pPr>
             <a:r>
-              <a:rPr lang="en-US" dirty="0"/>
-              <a:t>CD-R (Recordable) </a:t>
+              <a:rPr lang="en-US" dirty="0">
+                <a:effectLst/>
+              </a:rPr>
+              <a:t>DVD</a:t>
             </a:r>
           </a:p>
         </p:txBody>
@@ -4973,8 +5283,8 @@
         </p:nvSpPr>
         <p:spPr>
           <a:xfrm>
-            <a:off x="525717" y="2741615"/>
-            <a:ext cx="10530210" cy="569621"/>
+            <a:off x="387171" y="2341418"/>
+            <a:ext cx="10530210" cy="4655128"/>
           </a:xfrm>
         </p:spPr>
         <p:txBody>
@@ -4983,7 +5293,7 @@
           </a:bodyPr>
           <a:lstStyle/>
           <a:p>
-            <a:pPr marL="342900" marR="0" lvl="0" indent="-342900">
+            <a:pPr lvl="1">
               <a:lnSpc>
                 <a:spcPct val="115000"/>
               </a:lnSpc>
@@ -4993,8 +5303,6 @@
               <a:spcAft>
                 <a:spcPts val="1000"/>
               </a:spcAft>
-              <a:buFont typeface="Symbol" panose="05050102010706020507" pitchFamily="18" charset="2"/>
-              <a:buChar char=""/>
             </a:pPr>
             <a:r>
               <a:rPr lang="en-US" sz="2500" dirty="0">
@@ -5003,77 +5311,11 @@
                 <a:ea typeface="Calibri" panose="020F0502020204030204" pitchFamily="34" charset="0"/>
                 <a:cs typeface="Times New Roman" panose="02020603050405020304" pitchFamily="18" charset="0"/>
               </a:rPr>
-              <a:t>Stores large volumes of data that does not need to change </a:t>
-            </a:r>
-            <a:r>
-              <a:rPr lang="en-US" sz="2500" dirty="0" err="1">
-                <a:effectLst/>
-                <a:latin typeface="Calibri" panose="020F0502020204030204" pitchFamily="34" charset="0"/>
-                <a:ea typeface="Calibri" panose="020F0502020204030204" pitchFamily="34" charset="0"/>
-                <a:cs typeface="Times New Roman" panose="02020603050405020304" pitchFamily="18" charset="0"/>
-              </a:rPr>
-              <a:t>e.g</a:t>
-            </a:r>
-            <a:r>
-              <a:rPr lang="en-US" sz="2500" dirty="0">
-                <a:effectLst/>
-                <a:latin typeface="Calibri" panose="020F0502020204030204" pitchFamily="34" charset="0"/>
-                <a:ea typeface="Calibri" panose="020F0502020204030204" pitchFamily="34" charset="0"/>
-                <a:cs typeface="Times New Roman" panose="02020603050405020304" pitchFamily="18" charset="0"/>
-              </a:rPr>
-              <a:t> music CDs.</a:t>
-            </a:r>
-          </a:p>
-        </p:txBody>
-      </p:sp>
-      <p:sp>
-        <p:nvSpPr>
-          <p:cNvPr id="2" name="Title 1">
-            <a:extLst>
-              <a:ext uri="{FF2B5EF4-FFF2-40B4-BE49-F238E27FC236}">
-                <a16:creationId xmlns:a16="http://schemas.microsoft.com/office/drawing/2014/main" id="{644833F0-8F82-9E05-9A00-F9ED8ECD8D8C}"/>
-              </a:ext>
-            </a:extLst>
-          </p:cNvPr>
-          <p:cNvSpPr txBox="1">
-            <a:spLocks/>
-          </p:cNvSpPr>
-          <p:nvPr/>
-        </p:nvSpPr>
-        <p:spPr>
-          <a:xfrm>
-            <a:off x="165877" y="3429000"/>
-            <a:ext cx="11860246" cy="734742"/>
-          </a:xfrm>
-          <a:prstGeom prst="rect">
-            <a:avLst/>
-          </a:prstGeom>
-        </p:spPr>
-        <p:txBody>
-          <a:bodyPr vert="horz" lIns="91440" tIns="45720" rIns="91440" bIns="45720" rtlCol="0" anchor="t">
-            <a:normAutofit/>
-          </a:bodyPr>
-          <a:lstStyle>
-            <a:lvl1pPr algn="l" defTabSz="914400" rtl="0" eaLnBrk="1" latinLnBrk="0" hangingPunct="1">
-              <a:lnSpc>
-                <a:spcPct val="100000"/>
-              </a:lnSpc>
-              <a:spcBef>
-                <a:spcPct val="0"/>
-              </a:spcBef>
-              <a:buNone/>
-              <a:defRPr sz="3600" i="1" kern="1200">
-                <a:solidFill>
-                  <a:schemeClr val="tx1"/>
-                </a:solidFill>
-                <a:latin typeface="+mj-lt"/>
-                <a:ea typeface="+mj-ea"/>
-                <a:cs typeface="+mj-cs"/>
-              </a:defRPr>
-            </a:lvl1pPr>
-          </a:lstStyle>
-          <a:p>
-            <a:pPr marL="0" marR="0" algn="ctr">
+              <a:t>Digital Versatile Disc" commonly called “DVD” is an optical disc storage media that can be used for storing movies with high video and sound quality. </a:t>
+            </a:r>
+          </a:p>
+          <a:p>
+            <a:pPr lvl="1">
               <a:lnSpc>
                 <a:spcPct val="115000"/>
               </a:lnSpc>
@@ -5085,205 +5327,17 @@
               </a:spcAft>
             </a:pPr>
             <a:r>
-              <a:rPr lang="en-US" dirty="0"/>
-              <a:t>CD-RW (Re-Writeable) </a:t>
-            </a:r>
-          </a:p>
-        </p:txBody>
-      </p:sp>
-      <p:sp>
-        <p:nvSpPr>
-          <p:cNvPr id="4" name="Content Placeholder 2">
-            <a:extLst>
-              <a:ext uri="{FF2B5EF4-FFF2-40B4-BE49-F238E27FC236}">
-                <a16:creationId xmlns:a16="http://schemas.microsoft.com/office/drawing/2014/main" id="{7683A283-2137-E742-27A2-46347462924A}"/>
-              </a:ext>
-            </a:extLst>
-          </p:cNvPr>
-          <p:cNvSpPr txBox="1">
-            <a:spLocks/>
-          </p:cNvSpPr>
-          <p:nvPr/>
-        </p:nvSpPr>
-        <p:spPr>
-          <a:xfrm>
-            <a:off x="525717" y="4329997"/>
-            <a:ext cx="10530210" cy="569621"/>
-          </a:xfrm>
-          <a:prstGeom prst="rect">
-            <a:avLst/>
-          </a:prstGeom>
-        </p:spPr>
-        <p:txBody>
-          <a:bodyPr vert="horz" lIns="91440" tIns="45720" rIns="91440" bIns="45720" rtlCol="0">
-            <a:noAutofit/>
-          </a:bodyPr>
-          <a:lstStyle>
-            <a:lvl1pPr marL="0" indent="0" algn="l" defTabSz="914400" rtl="0" eaLnBrk="1" latinLnBrk="0" hangingPunct="1">
-              <a:lnSpc>
-                <a:spcPct val="110000"/>
-              </a:lnSpc>
-              <a:spcBef>
-                <a:spcPts val="1000"/>
-              </a:spcBef>
-              <a:buFont typeface="Arial" panose="020B0604020202020204" pitchFamily="34" charset="0"/>
-              <a:buNone/>
-              <a:defRPr sz="2000" kern="1200">
-                <a:solidFill>
-                  <a:schemeClr val="tx1"/>
-                </a:solidFill>
-                <a:latin typeface="+mn-lt"/>
-                <a:ea typeface="+mn-ea"/>
-                <a:cs typeface="+mn-cs"/>
-              </a:defRPr>
-            </a:lvl1pPr>
-            <a:lvl2pPr marL="0" indent="-228600" algn="l" defTabSz="914400" rtl="0" eaLnBrk="1" latinLnBrk="0" hangingPunct="1">
-              <a:lnSpc>
-                <a:spcPct val="110000"/>
-              </a:lnSpc>
-              <a:spcBef>
-                <a:spcPts val="500"/>
-              </a:spcBef>
-              <a:buFont typeface="Arial" panose="020B0604020202020204" pitchFamily="34" charset="0"/>
-              <a:buChar char="•"/>
-              <a:defRPr sz="1800" kern="1200">
-                <a:solidFill>
-                  <a:schemeClr val="tx1"/>
-                </a:solidFill>
-                <a:latin typeface="+mn-lt"/>
-                <a:ea typeface="+mn-ea"/>
-                <a:cs typeface="+mn-cs"/>
-              </a:defRPr>
-            </a:lvl2pPr>
-            <a:lvl3pPr marL="457200" indent="0" algn="l" defTabSz="914400" rtl="0" eaLnBrk="1" latinLnBrk="0" hangingPunct="1">
-              <a:lnSpc>
-                <a:spcPct val="110000"/>
-              </a:lnSpc>
-              <a:spcBef>
-                <a:spcPts val="500"/>
-              </a:spcBef>
-              <a:buFont typeface="Arial" panose="020B0604020202020204" pitchFamily="34" charset="0"/>
-              <a:buNone/>
-              <a:defRPr sz="1600" kern="1200">
-                <a:solidFill>
-                  <a:schemeClr val="tx1"/>
-                </a:solidFill>
-                <a:latin typeface="+mn-lt"/>
-                <a:ea typeface="+mn-ea"/>
-                <a:cs typeface="+mn-cs"/>
-              </a:defRPr>
-            </a:lvl3pPr>
-            <a:lvl4pPr marL="685800" indent="-228600" algn="l" defTabSz="914400" rtl="0" eaLnBrk="1" latinLnBrk="0" hangingPunct="1">
-              <a:lnSpc>
-                <a:spcPct val="110000"/>
-              </a:lnSpc>
-              <a:spcBef>
-                <a:spcPts val="500"/>
-              </a:spcBef>
-              <a:buFont typeface="Arial" panose="020B0604020202020204" pitchFamily="34" charset="0"/>
-              <a:buChar char="•"/>
-              <a:defRPr sz="1400" kern="1200">
-                <a:solidFill>
-                  <a:schemeClr val="tx1"/>
-                </a:solidFill>
-                <a:latin typeface="+mn-lt"/>
-                <a:ea typeface="+mn-ea"/>
-                <a:cs typeface="+mn-cs"/>
-              </a:defRPr>
-            </a:lvl4pPr>
-            <a:lvl5pPr marL="914400" indent="0" algn="l" defTabSz="914400" rtl="0" eaLnBrk="1" latinLnBrk="0" hangingPunct="1">
-              <a:lnSpc>
-                <a:spcPct val="110000"/>
-              </a:lnSpc>
-              <a:spcBef>
-                <a:spcPts val="500"/>
-              </a:spcBef>
-              <a:buFont typeface="Arial" panose="020B0604020202020204" pitchFamily="34" charset="0"/>
-              <a:buNone/>
-              <a:defRPr sz="1400" kern="1200">
-                <a:solidFill>
-                  <a:schemeClr val="tx1"/>
-                </a:solidFill>
-                <a:latin typeface="+mn-lt"/>
-                <a:ea typeface="+mn-ea"/>
-                <a:cs typeface="+mn-cs"/>
-              </a:defRPr>
-            </a:lvl5pPr>
-            <a:lvl6pPr marL="2514600" indent="-228600" algn="l" defTabSz="914400" rtl="0" eaLnBrk="1" latinLnBrk="0" hangingPunct="1">
-              <a:lnSpc>
-                <a:spcPct val="90000"/>
-              </a:lnSpc>
-              <a:spcBef>
-                <a:spcPts val="500"/>
-              </a:spcBef>
-              <a:buFont typeface="Arial" panose="020B0604020202020204" pitchFamily="34" charset="0"/>
-              <a:buChar char="•"/>
-              <a:defRPr sz="1800" kern="1200">
-                <a:solidFill>
-                  <a:schemeClr val="tx1"/>
-                </a:solidFill>
-                <a:latin typeface="+mn-lt"/>
-                <a:ea typeface="+mn-ea"/>
-                <a:cs typeface="+mn-cs"/>
-              </a:defRPr>
-            </a:lvl6pPr>
-            <a:lvl7pPr marL="2971800" indent="-228600" algn="l" defTabSz="914400" rtl="0" eaLnBrk="1" latinLnBrk="0" hangingPunct="1">
-              <a:lnSpc>
-                <a:spcPct val="90000"/>
-              </a:lnSpc>
-              <a:spcBef>
-                <a:spcPts val="500"/>
-              </a:spcBef>
-              <a:buFont typeface="Arial" panose="020B0604020202020204" pitchFamily="34" charset="0"/>
-              <a:buChar char="•"/>
-              <a:defRPr sz="1800" kern="1200">
-                <a:solidFill>
-                  <a:schemeClr val="tx1"/>
-                </a:solidFill>
-                <a:latin typeface="+mn-lt"/>
-                <a:ea typeface="+mn-ea"/>
-                <a:cs typeface="+mn-cs"/>
-              </a:defRPr>
-            </a:lvl7pPr>
-            <a:lvl8pPr marL="3429000" indent="-228600" algn="l" defTabSz="914400" rtl="0" eaLnBrk="1" latinLnBrk="0" hangingPunct="1">
-              <a:lnSpc>
-                <a:spcPct val="90000"/>
-              </a:lnSpc>
-              <a:spcBef>
-                <a:spcPts val="500"/>
-              </a:spcBef>
-              <a:buFont typeface="Arial" panose="020B0604020202020204" pitchFamily="34" charset="0"/>
-              <a:buChar char="•"/>
-              <a:defRPr sz="1800" kern="1200">
-                <a:solidFill>
-                  <a:schemeClr val="tx1"/>
-                </a:solidFill>
-                <a:latin typeface="+mn-lt"/>
-                <a:ea typeface="+mn-ea"/>
-                <a:cs typeface="+mn-cs"/>
-              </a:defRPr>
-            </a:lvl8pPr>
-            <a:lvl9pPr marL="3886200" indent="-228600" algn="l" defTabSz="914400" rtl="0" eaLnBrk="1" latinLnBrk="0" hangingPunct="1">
-              <a:lnSpc>
-                <a:spcPct val="90000"/>
-              </a:lnSpc>
-              <a:spcBef>
-                <a:spcPts val="500"/>
-              </a:spcBef>
-              <a:buFont typeface="Arial" panose="020B0604020202020204" pitchFamily="34" charset="0"/>
-              <a:buChar char="•"/>
-              <a:defRPr sz="1800" kern="1200">
-                <a:solidFill>
-                  <a:schemeClr val="tx1"/>
-                </a:solidFill>
-                <a:latin typeface="+mn-lt"/>
-                <a:ea typeface="+mn-ea"/>
-                <a:cs typeface="+mn-cs"/>
-              </a:defRPr>
-            </a:lvl9pPr>
-          </a:lstStyle>
-          <a:p>
-            <a:pPr marL="342900" marR="0" lvl="0" indent="-342900">
+              <a:rPr lang="en-US" sz="2500" dirty="0">
+                <a:effectLst/>
+                <a:latin typeface="Calibri" panose="020F0502020204030204" pitchFamily="34" charset="0"/>
+                <a:ea typeface="Calibri" panose="020F0502020204030204" pitchFamily="34" charset="0"/>
+                <a:cs typeface="Times New Roman" panose="02020603050405020304" pitchFamily="18" charset="0"/>
+              </a:rPr>
+              <a:t>DVDs look like compact discs; their physical dimensions are the same (12 cm or occasionally 8 cm in diameter). </a:t>
+            </a:r>
+          </a:p>
+          <a:p>
+            <a:pPr lvl="1">
               <a:lnSpc>
                 <a:spcPct val="115000"/>
               </a:lnSpc>
@@ -5293,32 +5347,59 @@
               <a:spcAft>
                 <a:spcPts val="1000"/>
               </a:spcAft>
-              <a:buFont typeface="Symbol" panose="05050102010706020507" pitchFamily="18" charset="2"/>
-              <a:buChar char=""/>
             </a:pPr>
             <a:r>
               <a:rPr lang="en-US" sz="2500" dirty="0">
+                <a:effectLst/>
                 <a:latin typeface="Calibri" panose="020F0502020204030204" pitchFamily="34" charset="0"/>
                 <a:ea typeface="Calibri" panose="020F0502020204030204" pitchFamily="34" charset="0"/>
                 <a:cs typeface="Times New Roman" panose="02020603050405020304" pitchFamily="18" charset="0"/>
               </a:rPr>
-              <a:t>Storing large volumes of data that change frequently </a:t>
-            </a:r>
-            <a:r>
-              <a:rPr lang="en-US" sz="2500" dirty="0" err="1">
+              <a:t>DVDs are encoded in a different format to CDs, and they have a much higher density (more data is stored per unit area). </a:t>
+            </a:r>
+          </a:p>
+          <a:p>
+            <a:pPr lvl="1">
+              <a:lnSpc>
+                <a:spcPct val="115000"/>
+              </a:lnSpc>
+              <a:spcBef>
+                <a:spcPts val="0"/>
+              </a:spcBef>
+              <a:spcAft>
+                <a:spcPts val="1000"/>
+              </a:spcAft>
+            </a:pPr>
+            <a:r>
+              <a:rPr lang="en-US" sz="2500" dirty="0">
+                <a:effectLst/>
                 <a:latin typeface="Calibri" panose="020F0502020204030204" pitchFamily="34" charset="0"/>
                 <a:ea typeface="Calibri" panose="020F0502020204030204" pitchFamily="34" charset="0"/>
                 <a:cs typeface="Times New Roman" panose="02020603050405020304" pitchFamily="18" charset="0"/>
               </a:rPr>
-              <a:t>e.g</a:t>
-            </a:r>
+              <a:t>Some DVDs are double sided i.e., they can hold data on both sides. </a:t>
+            </a:r>
+          </a:p>
+          <a:p>
+            <a:pPr lvl="1">
+              <a:lnSpc>
+                <a:spcPct val="115000"/>
+              </a:lnSpc>
+              <a:spcBef>
+                <a:spcPts val="0"/>
+              </a:spcBef>
+              <a:spcAft>
+                <a:spcPts val="1000"/>
+              </a:spcAft>
+            </a:pPr>
             <a:r>
               <a:rPr lang="en-US" sz="2500" dirty="0">
+                <a:effectLst/>
                 <a:latin typeface="Calibri" panose="020F0502020204030204" pitchFamily="34" charset="0"/>
                 <a:ea typeface="Calibri" panose="020F0502020204030204" pitchFamily="34" charset="0"/>
                 <a:cs typeface="Times New Roman" panose="02020603050405020304" pitchFamily="18" charset="0"/>
               </a:rPr>
-              <a:t> backups copies</a:t>
+              <a:t>DVDs can hold between 4.7 GB and 17 GB of data. Three types of DVDs are the   DVD-ROM (read only), DVD-R (recordable) and DVD-RW (rewritable).</a:t>
             </a:r>
           </a:p>
         </p:txBody>
@@ -5326,7 +5407,7 @@
     </p:spTree>
     <p:extLst>
       <p:ext uri="{BB962C8B-B14F-4D97-AF65-F5344CB8AC3E}">
-        <p14:creationId xmlns:p14="http://schemas.microsoft.com/office/powerpoint/2010/main" val="1547932226"/>
+        <p14:creationId xmlns:p14="http://schemas.microsoft.com/office/powerpoint/2010/main" val="920904108"/>
       </p:ext>
     </p:extLst>
   </p:cSld>
@@ -5369,7 +5450,7 @@
         </p:nvSpPr>
         <p:spPr>
           <a:xfrm>
-            <a:off x="165877" y="830821"/>
+            <a:off x="165877" y="747693"/>
             <a:ext cx="11860246" cy="734742"/>
           </a:xfrm>
           <a:prstGeom prst="rect">
@@ -5401,15 +5482,19 @@
           </a:lstStyle>
           <a:p>
             <a:pPr marL="0" marR="0" algn="ctr">
+              <a:lnSpc>
+                <a:spcPct val="115000"/>
+              </a:lnSpc>
+              <a:spcBef>
+                <a:spcPts val="0"/>
+              </a:spcBef>
               <a:spcAft>
                 <a:spcPts val="1000"/>
               </a:spcAft>
             </a:pPr>
             <a:r>
-              <a:rPr lang="en-US" dirty="0">
-                <a:effectLst/>
-              </a:rPr>
-              <a:t>DVD</a:t>
+              <a:rPr lang="en-US" dirty="0"/>
+              <a:t>USB Flash drive</a:t>
             </a:r>
           </a:p>
         </p:txBody>
@@ -5432,7 +5517,7 @@
         </p:nvSpPr>
         <p:spPr>
           <a:xfrm>
-            <a:off x="387171" y="2341418"/>
+            <a:off x="415259" y="2369128"/>
             <a:ext cx="10530210" cy="4655128"/>
           </a:xfrm>
         </p:spPr>
@@ -5444,7 +5529,7 @@
           <a:p>
             <a:pPr lvl="1">
               <a:lnSpc>
-                <a:spcPct val="115000"/>
+                <a:spcPct val="150000"/>
               </a:lnSpc>
               <a:spcBef>
                 <a:spcPts val="0"/>
@@ -5460,13 +5545,13 @@
                 <a:ea typeface="Calibri" panose="020F0502020204030204" pitchFamily="34" charset="0"/>
                 <a:cs typeface="Times New Roman" panose="02020603050405020304" pitchFamily="18" charset="0"/>
               </a:rPr>
-              <a:t>Digital Versatile Disc" commonly called “DVD” is an optical disc storage media that can be used for storing movies with high video and sound quality. </a:t>
+              <a:t>USB Flash drives are storage devices which consist of a small circuit board encased in a plastic or metal casing built with a USB interface. </a:t>
             </a:r>
           </a:p>
           <a:p>
             <a:pPr lvl="1">
               <a:lnSpc>
-                <a:spcPct val="115000"/>
+                <a:spcPct val="150000"/>
               </a:lnSpc>
               <a:spcBef>
                 <a:spcPts val="0"/>
@@ -5482,13 +5567,13 @@
                 <a:ea typeface="Calibri" panose="020F0502020204030204" pitchFamily="34" charset="0"/>
                 <a:cs typeface="Times New Roman" panose="02020603050405020304" pitchFamily="18" charset="0"/>
               </a:rPr>
-              <a:t>DVDs look like compact discs; their physical dimensions are the same (12 cm or occasionally 8 cm in diameter). </a:t>
+              <a:t>They are typically small, lightweight, removable and rewritable. </a:t>
             </a:r>
           </a:p>
           <a:p>
             <a:pPr lvl="1">
               <a:lnSpc>
-                <a:spcPct val="115000"/>
+                <a:spcPct val="150000"/>
               </a:lnSpc>
               <a:spcBef>
                 <a:spcPts val="0"/>
@@ -5504,13 +5589,13 @@
                 <a:ea typeface="Calibri" panose="020F0502020204030204" pitchFamily="34" charset="0"/>
                 <a:cs typeface="Times New Roman" panose="02020603050405020304" pitchFamily="18" charset="0"/>
               </a:rPr>
-              <a:t>DVDs are encoded in a different format to CDs, and they have a much higher density (more data is stored per unit area). </a:t>
+              <a:t>As of November 2006, to present, memory capacities for USB Flash drives range from 32 MB up to 64 GB. </a:t>
             </a:r>
           </a:p>
           <a:p>
             <a:pPr lvl="1">
               <a:lnSpc>
-                <a:spcPct val="115000"/>
+                <a:spcPct val="150000"/>
               </a:lnSpc>
               <a:spcBef>
                 <a:spcPts val="0"/>
@@ -5526,29 +5611,7 @@
                 <a:ea typeface="Calibri" panose="020F0502020204030204" pitchFamily="34" charset="0"/>
                 <a:cs typeface="Times New Roman" panose="02020603050405020304" pitchFamily="18" charset="0"/>
               </a:rPr>
-              <a:t>Some DVDs are double sided i.e., they can hold data on both sides. </a:t>
-            </a:r>
-          </a:p>
-          <a:p>
-            <a:pPr lvl="1">
-              <a:lnSpc>
-                <a:spcPct val="115000"/>
-              </a:lnSpc>
-              <a:spcBef>
-                <a:spcPts val="0"/>
-              </a:spcBef>
-              <a:spcAft>
-                <a:spcPts val="1000"/>
-              </a:spcAft>
-            </a:pPr>
-            <a:r>
-              <a:rPr lang="en-US" sz="2500" dirty="0">
-                <a:effectLst/>
-                <a:latin typeface="Calibri" panose="020F0502020204030204" pitchFamily="34" charset="0"/>
-                <a:ea typeface="Calibri" panose="020F0502020204030204" pitchFamily="34" charset="0"/>
-                <a:cs typeface="Times New Roman" panose="02020603050405020304" pitchFamily="18" charset="0"/>
-              </a:rPr>
-              <a:t>DVDs can hold between 4.7 GB and 17 GB of data. Three types of DVDs are the   DVD-ROM (read only), DVD-R (recordable) and DVD-RW (rewritable).</a:t>
+              <a:t>Flash drives are more compact, generally faster, hold more data and may be more reliable (due to their lack of moving parts) than floppy disks. </a:t>
             </a:r>
           </a:p>
         </p:txBody>
@@ -5556,7 +5619,7 @@
     </p:spTree>
     <p:extLst>
       <p:ext uri="{BB962C8B-B14F-4D97-AF65-F5344CB8AC3E}">
-        <p14:creationId xmlns:p14="http://schemas.microsoft.com/office/powerpoint/2010/main" val="920904108"/>
+        <p14:creationId xmlns:p14="http://schemas.microsoft.com/office/powerpoint/2010/main" val="1875764502"/>
       </p:ext>
     </p:extLst>
   </p:cSld>
@@ -5643,7 +5706,7 @@
             </a:pPr>
             <a:r>
               <a:rPr lang="en-US" dirty="0"/>
-              <a:t>USB Flash drive</a:t>
+              <a:t>Uses of Flash Drives</a:t>
             </a:r>
           </a:p>
         </p:txBody>
@@ -5666,7 +5729,7 @@
         </p:nvSpPr>
         <p:spPr>
           <a:xfrm>
-            <a:off x="415259" y="2369128"/>
+            <a:off x="165877" y="2410692"/>
             <a:ext cx="10530210" cy="4655128"/>
           </a:xfrm>
         </p:spPr>
@@ -5676,7 +5739,101 @@
           </a:bodyPr>
           <a:lstStyle/>
           <a:p>
-            <a:pPr lvl="1">
+            <a:pPr marL="342900" marR="0" lvl="0" indent="-342900">
+              <a:lnSpc>
+                <a:spcPct val="150000"/>
+              </a:lnSpc>
+              <a:spcBef>
+                <a:spcPts val="0"/>
+              </a:spcBef>
+              <a:spcAft>
+                <a:spcPts val="0"/>
+              </a:spcAft>
+              <a:buFont typeface="+mj-lt"/>
+              <a:buAutoNum type="arabicPeriod"/>
+              <a:tabLst>
+                <a:tab pos="457200" algn="l"/>
+              </a:tabLst>
+            </a:pPr>
+            <a:r>
+              <a:rPr lang="en-US" sz="1800" b="1" dirty="0">
+                <a:solidFill>
+                  <a:srgbClr val="000000"/>
+                </a:solidFill>
+                <a:effectLst/>
+                <a:latin typeface="Calibri" panose="020F0502020204030204" pitchFamily="34" charset="0"/>
+                <a:ea typeface="Calibri" panose="020F0502020204030204" pitchFamily="34" charset="0"/>
+                <a:cs typeface="Times New Roman" panose="02020603050405020304" pitchFamily="18" charset="0"/>
+              </a:rPr>
+              <a:t>Personal data transport </a:t>
+            </a:r>
+            <a:endParaRPr lang="en-US" sz="1800" dirty="0">
+              <a:effectLst/>
+              <a:latin typeface="Calibri" panose="020F0502020204030204" pitchFamily="34" charset="0"/>
+              <a:ea typeface="Calibri" panose="020F0502020204030204" pitchFamily="34" charset="0"/>
+              <a:cs typeface="Times New Roman" panose="02020603050405020304" pitchFamily="18" charset="0"/>
+            </a:endParaRPr>
+          </a:p>
+          <a:p>
+            <a:pPr marL="228600" marR="0">
+              <a:lnSpc>
+                <a:spcPct val="150000"/>
+              </a:lnSpc>
+              <a:spcBef>
+                <a:spcPts val="0"/>
+              </a:spcBef>
+              <a:spcAft>
+                <a:spcPts val="600"/>
+              </a:spcAft>
+            </a:pPr>
+            <a:r>
+              <a:rPr lang="en-US" sz="1800" dirty="0">
+                <a:effectLst/>
+                <a:latin typeface="Calibri" panose="020F0502020204030204" pitchFamily="34" charset="0"/>
+                <a:ea typeface="Calibri" panose="020F0502020204030204" pitchFamily="34" charset="0"/>
+                <a:cs typeface="Times New Roman" panose="02020603050405020304" pitchFamily="18" charset="0"/>
+              </a:rPr>
+              <a:t>The most common use of flash drives is by individuals to transport and store personal files such as documents, pictures and video. </a:t>
+            </a:r>
+          </a:p>
+          <a:p>
+            <a:pPr marL="342900" marR="0" lvl="0" indent="-342900">
+              <a:lnSpc>
+                <a:spcPct val="150000"/>
+              </a:lnSpc>
+              <a:spcBef>
+                <a:spcPts val="0"/>
+              </a:spcBef>
+              <a:spcAft>
+                <a:spcPts val="0"/>
+              </a:spcAft>
+              <a:buFont typeface="+mj-lt"/>
+              <a:buAutoNum type="arabicPeriod"/>
+              <a:tabLst>
+                <a:tab pos="457200" algn="l"/>
+              </a:tabLst>
+            </a:pPr>
+            <a:r>
+              <a:rPr lang="en-US" sz="1800" b="1" dirty="0">
+                <a:solidFill>
+                  <a:srgbClr val="000000"/>
+                </a:solidFill>
+                <a:effectLst/>
+                <a:latin typeface="Calibri" panose="020F0502020204030204" pitchFamily="34" charset="0"/>
+                <a:ea typeface="Calibri" panose="020F0502020204030204" pitchFamily="34" charset="0"/>
+                <a:cs typeface="Times New Roman" panose="02020603050405020304" pitchFamily="18" charset="0"/>
+              </a:rPr>
+              <a:t>Computer repair </a:t>
+            </a:r>
+            <a:endParaRPr lang="en-US" sz="1800" dirty="0">
+              <a:effectLst/>
+              <a:latin typeface="Calibri" panose="020F0502020204030204" pitchFamily="34" charset="0"/>
+              <a:ea typeface="Calibri" panose="020F0502020204030204" pitchFamily="34" charset="0"/>
+              <a:cs typeface="Times New Roman" panose="02020603050405020304" pitchFamily="18" charset="0"/>
+            </a:endParaRPr>
+          </a:p>
+          <a:p>
+            <a:pPr marL="457200" marR="0">
               <a:lnSpc>
                 <a:spcPct val="150000"/>
               </a:lnSpc>
@@ -5688,17 +5845,26 @@
               </a:spcAft>
             </a:pPr>
             <a:r>
-              <a:rPr lang="en-US" sz="2500" dirty="0">
+              <a:rPr lang="en-US" sz="1800" dirty="0">
+                <a:solidFill>
+                  <a:srgbClr val="000000"/>
+                </a:solidFill>
                 <a:effectLst/>
                 <a:latin typeface="Calibri" panose="020F0502020204030204" pitchFamily="34" charset="0"/>
                 <a:ea typeface="Calibri" panose="020F0502020204030204" pitchFamily="34" charset="0"/>
                 <a:cs typeface="Times New Roman" panose="02020603050405020304" pitchFamily="18" charset="0"/>
               </a:rPr>
-              <a:t>USB Flash drives are storage devices which consist of a small circuit board encased in a plastic or metal casing built with a USB interface. </a:t>
-            </a:r>
-          </a:p>
-          <a:p>
-            <a:pPr lvl="1">
+              <a:t>Flash drives are used to transfer recovery and antivirus software to infected PCs.</a:t>
+            </a:r>
+            <a:endParaRPr lang="en-US" sz="1800" dirty="0">
+              <a:effectLst/>
+              <a:latin typeface="Calibri" panose="020F0502020204030204" pitchFamily="34" charset="0"/>
+              <a:ea typeface="Calibri" panose="020F0502020204030204" pitchFamily="34" charset="0"/>
+              <a:cs typeface="Times New Roman" panose="02020603050405020304" pitchFamily="18" charset="0"/>
+            </a:endParaRPr>
+          </a:p>
+          <a:p>
+            <a:pPr marL="342900" marR="0" lvl="0" indent="-342900">
               <a:lnSpc>
                 <a:spcPct val="150000"/>
               </a:lnSpc>
@@ -5706,21 +5872,35 @@
                 <a:spcPts val="0"/>
               </a:spcBef>
               <a:spcAft>
-                <a:spcPts val="1000"/>
+                <a:spcPts val="0"/>
               </a:spcAft>
-            </a:pPr>
-            <a:r>
-              <a:rPr lang="en-US" sz="2500" dirty="0">
+              <a:buFont typeface="+mj-lt"/>
+              <a:buAutoNum type="arabicPeriod"/>
+              <a:tabLst>
+                <a:tab pos="457200" algn="l"/>
+              </a:tabLst>
+            </a:pPr>
+            <a:r>
+              <a:rPr lang="en-US" sz="1800" b="1" dirty="0">
+                <a:solidFill>
+                  <a:srgbClr val="000000"/>
+                </a:solidFill>
                 <a:effectLst/>
                 <a:latin typeface="Calibri" panose="020F0502020204030204" pitchFamily="34" charset="0"/>
                 <a:ea typeface="Calibri" panose="020F0502020204030204" pitchFamily="34" charset="0"/>
                 <a:cs typeface="Times New Roman" panose="02020603050405020304" pitchFamily="18" charset="0"/>
               </a:rPr>
-              <a:t>They are typically small, lightweight, removable and rewritable. </a:t>
-            </a:r>
-          </a:p>
-          <a:p>
-            <a:pPr lvl="1">
+              <a:t>System administration </a:t>
+            </a:r>
+            <a:endParaRPr lang="en-US" sz="1800" dirty="0">
+              <a:effectLst/>
+              <a:latin typeface="Calibri" panose="020F0502020204030204" pitchFamily="34" charset="0"/>
+              <a:ea typeface="Calibri" panose="020F0502020204030204" pitchFamily="34" charset="0"/>
+              <a:cs typeface="Times New Roman" panose="02020603050405020304" pitchFamily="18" charset="0"/>
+            </a:endParaRPr>
+          </a:p>
+          <a:p>
+            <a:pPr marL="457200" marR="0">
               <a:lnSpc>
                 <a:spcPct val="150000"/>
               </a:lnSpc>
@@ -5728,21 +5908,21 @@
                 <a:spcPts val="0"/>
               </a:spcBef>
               <a:spcAft>
-                <a:spcPts val="1000"/>
+                <a:spcPts val="600"/>
               </a:spcAft>
             </a:pPr>
             <a:r>
-              <a:rPr lang="en-US" sz="2500" dirty="0">
+              <a:rPr lang="en-US" sz="1800" dirty="0">
                 <a:effectLst/>
                 <a:latin typeface="Calibri" panose="020F0502020204030204" pitchFamily="34" charset="0"/>
                 <a:ea typeface="Calibri" panose="020F0502020204030204" pitchFamily="34" charset="0"/>
                 <a:cs typeface="Times New Roman" panose="02020603050405020304" pitchFamily="18" charset="0"/>
               </a:rPr>
-              <a:t>As of November 2006, to present, memory capacities for USB Flash drives range from 32 MB up to 64 GB. </a:t>
-            </a:r>
-          </a:p>
-          <a:p>
-            <a:pPr lvl="1">
+              <a:t>Flash drives are used by system and network administrators, who load them with configuration information and software used for system maintenance, troubleshooting, and recovery. </a:t>
+            </a:r>
+          </a:p>
+          <a:p>
+            <a:pPr marL="342900" marR="0" lvl="0" indent="-342900">
               <a:lnSpc>
                 <a:spcPct val="150000"/>
               </a:lnSpc>
@@ -5750,17 +5930,53 @@
                 <a:spcPts val="0"/>
               </a:spcBef>
               <a:spcAft>
-                <a:spcPts val="1000"/>
+                <a:spcPts val="0"/>
               </a:spcAft>
-            </a:pPr>
-            <a:r>
-              <a:rPr lang="en-US" sz="2500" dirty="0">
+              <a:buFont typeface="+mj-lt"/>
+              <a:buAutoNum type="arabicPeriod"/>
+              <a:tabLst>
+                <a:tab pos="457200" algn="l"/>
+              </a:tabLst>
+            </a:pPr>
+            <a:r>
+              <a:rPr lang="en-US" sz="1800" b="1" dirty="0">
+                <a:solidFill>
+                  <a:srgbClr val="000000"/>
+                </a:solidFill>
                 <a:effectLst/>
                 <a:latin typeface="Calibri" panose="020F0502020204030204" pitchFamily="34" charset="0"/>
                 <a:ea typeface="Calibri" panose="020F0502020204030204" pitchFamily="34" charset="0"/>
                 <a:cs typeface="Times New Roman" panose="02020603050405020304" pitchFamily="18" charset="0"/>
               </a:rPr>
-              <a:t>Flash drives are more compact, generally faster, hold more data and may be more reliable (due to their lack of moving parts) than floppy disks. </a:t>
+              <a:t>Application carriers </a:t>
+            </a:r>
+            <a:endParaRPr lang="en-US" sz="1800" dirty="0">
+              <a:effectLst/>
+              <a:latin typeface="Calibri" panose="020F0502020204030204" pitchFamily="34" charset="0"/>
+              <a:ea typeface="Calibri" panose="020F0502020204030204" pitchFamily="34" charset="0"/>
+              <a:cs typeface="Times New Roman" panose="02020603050405020304" pitchFamily="18" charset="0"/>
+            </a:endParaRPr>
+          </a:p>
+          <a:p>
+            <a:pPr marL="457200" marR="0">
+              <a:lnSpc>
+                <a:spcPct val="150000"/>
+              </a:lnSpc>
+              <a:spcBef>
+                <a:spcPts val="0"/>
+              </a:spcBef>
+              <a:spcAft>
+                <a:spcPts val="600"/>
+              </a:spcAft>
+            </a:pPr>
+            <a:r>
+              <a:rPr lang="en-US" sz="1800" dirty="0">
+                <a:effectLst/>
+                <a:latin typeface="Calibri" panose="020F0502020204030204" pitchFamily="34" charset="0"/>
+                <a:ea typeface="Calibri" panose="020F0502020204030204" pitchFamily="34" charset="0"/>
+                <a:cs typeface="Times New Roman" panose="02020603050405020304" pitchFamily="18" charset="0"/>
+              </a:rPr>
+              <a:t>Flash drives are used to carry applications that run on the server computer without requiring installation. </a:t>
             </a:r>
           </a:p>
         </p:txBody>
@@ -5768,7 +5984,7 @@
     </p:spTree>
     <p:extLst>
       <p:ext uri="{BB962C8B-B14F-4D97-AF65-F5344CB8AC3E}">
-        <p14:creationId xmlns:p14="http://schemas.microsoft.com/office/powerpoint/2010/main" val="1875764502"/>
+        <p14:creationId xmlns:p14="http://schemas.microsoft.com/office/powerpoint/2010/main" val="621136117"/>
       </p:ext>
     </p:extLst>
   </p:cSld>
@@ -5800,7 +6016,7 @@
           <p:cNvPr id="2" name="Title 1">
             <a:extLst>
               <a:ext uri="{FF2B5EF4-FFF2-40B4-BE49-F238E27FC236}">
-                <a16:creationId xmlns:a16="http://schemas.microsoft.com/office/drawing/2014/main" id="{DB34A9A7-C068-86AD-4DD7-4117D82AC8D3}"/>
+                <a16:creationId xmlns:a16="http://schemas.microsoft.com/office/drawing/2014/main" id="{9870F5FF-81BF-CBCF-E676-A56AD2ED3CE9}"/>
               </a:ext>
             </a:extLst>
           </p:cNvPr>
@@ -5808,144 +6024,166 @@
             <a:spLocks noGrp="1"/>
           </p:cNvSpPr>
           <p:nvPr>
-            <p:ph type="title"/>
+            <p:ph type="ctrTitle"/>
           </p:nvPr>
         </p:nvSpPr>
         <p:spPr>
           <a:xfrm>
-            <a:off x="6389915" y="787068"/>
-            <a:ext cx="4213359" cy="1890665"/>
+            <a:off x="525718" y="775402"/>
+            <a:ext cx="5512288" cy="3926561"/>
           </a:xfrm>
         </p:spPr>
         <p:txBody>
-          <a:bodyPr anchor="b">
+          <a:bodyPr vert="horz" lIns="91440" tIns="45720" rIns="91440" bIns="45720" rtlCol="0" anchor="t">
             <a:normAutofit/>
           </a:bodyPr>
           <a:lstStyle/>
           <a:p>
-            <a:pPr>
-              <a:lnSpc>
-                <a:spcPct val="90000"/>
-              </a:lnSpc>
-            </a:pPr>
-            <a:r>
-              <a:rPr lang="en-US" sz="3100"/>
-              <a:t>SECTION 1: FUNDAMENTALS OF HARDWARE AND SOFTWARE</a:t>
-            </a:r>
-          </a:p>
-        </p:txBody>
-      </p:sp>
-      <p:pic>
-        <p:nvPicPr>
-          <p:cNvPr id="7" name="Graphic 6" descr="Computer">
-            <a:extLst>
-              <a:ext uri="{FF2B5EF4-FFF2-40B4-BE49-F238E27FC236}">
-                <a16:creationId xmlns:a16="http://schemas.microsoft.com/office/drawing/2014/main" id="{EDD2D88B-680F-5C78-8D0A-F8F825C8CB53}"/>
-              </a:ext>
-            </a:extLst>
-          </p:cNvPr>
-          <p:cNvPicPr>
-            <a:picLocks noChangeAspect="1"/>
-          </p:cNvPicPr>
-          <p:nvPr/>
-        </p:nvPicPr>
-        <p:blipFill>
-          <a:blip r:embed="rId2">
-            <a:extLst>
-              <a:ext uri="{28A0092B-C50C-407E-A947-70E740481C1C}">
-                <a14:useLocalDpi xmlns:a14="http://schemas.microsoft.com/office/drawing/2010/main" val="0"/>
-              </a:ext>
-              <a:ext uri="{96DAC541-7B7A-43D3-8B79-37D633B846F1}">
-                <asvg:svgBlip xmlns:asvg="http://schemas.microsoft.com/office/drawing/2016/SVG/main" r:embed="rId3"/>
-              </a:ext>
-            </a:extLst>
-          </a:blip>
-          <a:stretch>
-            <a:fillRect/>
-          </a:stretch>
-        </p:blipFill>
+            <a:r>
+              <a:rPr lang="en-US" sz="3600"/>
+              <a:t>Secondary Storage Devices are chosen based on</a:t>
+            </a:r>
+          </a:p>
+        </p:txBody>
+      </p:sp>
+      <p:sp>
+        <p:nvSpPr>
+          <p:cNvPr id="3" name="Subtitle 2">
+            <a:extLst>
+              <a:ext uri="{FF2B5EF4-FFF2-40B4-BE49-F238E27FC236}">
+                <a16:creationId xmlns:a16="http://schemas.microsoft.com/office/drawing/2014/main" id="{06B18F83-A1B8-760C-B8D0-FAF5B07F91A1}"/>
+              </a:ext>
+            </a:extLst>
+          </p:cNvPr>
+          <p:cNvSpPr>
+            <a:spLocks noGrp="1"/>
+          </p:cNvSpPr>
+          <p:nvPr>
+            <p:ph type="subTitle" idx="1"/>
+          </p:nvPr>
+        </p:nvSpPr>
         <p:spPr>
           <a:xfrm>
-            <a:off x="572241" y="851899"/>
-            <a:ext cx="5112709" cy="5112709"/>
-          </a:xfrm>
-          <a:prstGeom prst="rect">
-            <a:avLst/>
-          </a:prstGeom>
-        </p:spPr>
-      </p:pic>
-      <p:sp>
-        <p:nvSpPr>
-          <p:cNvPr id="3" name="Content Placeholder 2">
-            <a:extLst>
-              <a:ext uri="{FF2B5EF4-FFF2-40B4-BE49-F238E27FC236}">
-                <a16:creationId xmlns:a16="http://schemas.microsoft.com/office/drawing/2014/main" id="{490C3C72-E868-036A-A04A-AC44F813D554}"/>
-              </a:ext>
-            </a:extLst>
-          </p:cNvPr>
-          <p:cNvSpPr>
-            <a:spLocks noGrp="1"/>
-          </p:cNvSpPr>
-          <p:nvPr>
-            <p:ph idx="1"/>
-          </p:nvPr>
-        </p:nvSpPr>
-        <p:spPr>
-          <a:xfrm>
-            <a:off x="6389915" y="3429000"/>
-            <a:ext cx="4213359" cy="2641930"/>
+            <a:off x="6444040" y="1114690"/>
+            <a:ext cx="4159233" cy="3498273"/>
           </a:xfrm>
         </p:spPr>
         <p:txBody>
-          <a:bodyPr>
-            <a:normAutofit/>
+          <a:bodyPr vert="horz" lIns="91440" tIns="45720" rIns="91440" bIns="45720" rtlCol="0">
+            <a:normAutofit fontScale="92500" lnSpcReduction="10000"/>
           </a:bodyPr>
           <a:lstStyle/>
           <a:p>
-            <a:r>
-              <a:rPr lang="en-US" sz="2500" b="1" dirty="0"/>
-              <a:t>Objective1.5:</a:t>
-            </a:r>
-          </a:p>
-          <a:p>
-            <a:r>
-              <a:rPr lang="en-US" sz="2500" dirty="0"/>
-              <a:t>Compare the types of secondary storage media: </a:t>
-            </a:r>
-          </a:p>
-          <a:p>
-            <a:pPr lvl="1"/>
-            <a:r>
-              <a:rPr lang="en-US" sz="2300" dirty="0"/>
-              <a:t>Portability</a:t>
-            </a:r>
-          </a:p>
-          <a:p>
-            <a:pPr lvl="1"/>
-            <a:r>
-              <a:rPr lang="en-US" sz="2300" dirty="0"/>
-              <a:t>Speed</a:t>
-            </a:r>
-          </a:p>
-          <a:p>
-            <a:pPr lvl="1"/>
-            <a:r>
-              <a:rPr lang="en-US" sz="2300" dirty="0"/>
-              <a:t>Capacity.</a:t>
-            </a:r>
-          </a:p>
-          <a:p>
-            <a:endParaRPr lang="en-US" sz="2500" dirty="0"/>
-          </a:p>
-          <a:p>
-            <a:endParaRPr lang="en-US" sz="2500" dirty="0"/>
+            <a:pPr marL="342900" marR="0" lvl="0" indent="-342900">
+              <a:lnSpc>
+                <a:spcPct val="100000"/>
+              </a:lnSpc>
+              <a:spcBef>
+                <a:spcPts val="0"/>
+              </a:spcBef>
+              <a:spcAft>
+                <a:spcPts val="0"/>
+              </a:spcAft>
+              <a:buFont typeface="Arial" panose="020B0604020202020204" pitchFamily="34" charset="0"/>
+              <a:buChar char=""/>
+            </a:pPr>
+            <a:r>
+              <a:rPr lang="en-US">
+                <a:effectLst/>
+              </a:rPr>
+              <a:t>Storage capacity (how much data the device can store)</a:t>
+            </a:r>
+          </a:p>
+          <a:p>
+            <a:pPr marL="342900" marR="0" lvl="0" indent="-342900">
+              <a:lnSpc>
+                <a:spcPct val="100000"/>
+              </a:lnSpc>
+              <a:spcBef>
+                <a:spcPts val="0"/>
+              </a:spcBef>
+              <a:spcAft>
+                <a:spcPts val="0"/>
+              </a:spcAft>
+              <a:buFont typeface="Arial" panose="020B0604020202020204" pitchFamily="34" charset="0"/>
+              <a:buChar char=""/>
+            </a:pPr>
+            <a:r>
+              <a:rPr lang="en-US">
+                <a:effectLst/>
+              </a:rPr>
+              <a:t>Access speed ( the time needed to locate the data and transmit it to the CPU)</a:t>
+            </a:r>
+          </a:p>
+          <a:p>
+            <a:pPr marL="342900" marR="0" lvl="0" indent="-342900">
+              <a:lnSpc>
+                <a:spcPct val="100000"/>
+              </a:lnSpc>
+              <a:spcBef>
+                <a:spcPts val="0"/>
+              </a:spcBef>
+              <a:spcAft>
+                <a:spcPts val="0"/>
+              </a:spcAft>
+              <a:buFont typeface="Arial" panose="020B0604020202020204" pitchFamily="34" charset="0"/>
+              <a:buChar char=""/>
+            </a:pPr>
+            <a:r>
+              <a:rPr lang="en-US">
+                <a:effectLst/>
+              </a:rPr>
+              <a:t>Portability ( ability to be easily removed and used on another system)</a:t>
+            </a:r>
+          </a:p>
+          <a:p>
+            <a:pPr marL="342900" marR="0" lvl="0" indent="-342900">
+              <a:lnSpc>
+                <a:spcPct val="100000"/>
+              </a:lnSpc>
+              <a:spcBef>
+                <a:spcPts val="0"/>
+              </a:spcBef>
+              <a:spcAft>
+                <a:spcPts val="0"/>
+              </a:spcAft>
+              <a:buFont typeface="Arial" panose="020B0604020202020204" pitchFamily="34" charset="0"/>
+              <a:buChar char=""/>
+            </a:pPr>
+            <a:r>
+              <a:rPr lang="en-US">
+                <a:effectLst/>
+              </a:rPr>
+              <a:t>Cost</a:t>
+            </a:r>
+          </a:p>
+          <a:p>
+            <a:pPr marL="342900" marR="0" lvl="0" indent="-342900">
+              <a:lnSpc>
+                <a:spcPct val="100000"/>
+              </a:lnSpc>
+              <a:spcBef>
+                <a:spcPts val="0"/>
+              </a:spcBef>
+              <a:spcAft>
+                <a:spcPts val="1000"/>
+              </a:spcAft>
+              <a:buFont typeface="Arial" panose="020B0604020202020204" pitchFamily="34" charset="0"/>
+              <a:buChar char=""/>
+            </a:pPr>
+            <a:r>
+              <a:rPr lang="en-US">
+                <a:effectLst/>
+              </a:rPr>
+              <a:t>Size (necessary for storage on shelves or portability)</a:t>
+            </a:r>
           </a:p>
         </p:txBody>
       </p:sp>
     </p:spTree>
     <p:extLst>
       <p:ext uri="{BB962C8B-B14F-4D97-AF65-F5344CB8AC3E}">
-        <p14:creationId xmlns:p14="http://schemas.microsoft.com/office/powerpoint/2010/main" val="3490432038"/>
+        <p14:creationId xmlns:p14="http://schemas.microsoft.com/office/powerpoint/2010/main" val="1010698141"/>
       </p:ext>
     </p:extLst>
   </p:cSld>
@@ -5997,371 +6235,6 @@
         </p:spPr>
         <p:txBody>
           <a:bodyPr vert="horz" lIns="91440" tIns="45720" rIns="91440" bIns="45720" rtlCol="0" anchor="t">
-            <a:normAutofit/>
-          </a:bodyPr>
-          <a:lstStyle>
-            <a:lvl1pPr algn="l" defTabSz="914400" rtl="0" eaLnBrk="1" latinLnBrk="0" hangingPunct="1">
-              <a:lnSpc>
-                <a:spcPct val="100000"/>
-              </a:lnSpc>
-              <a:spcBef>
-                <a:spcPct val="0"/>
-              </a:spcBef>
-              <a:buNone/>
-              <a:defRPr sz="3600" i="1" kern="1200">
-                <a:solidFill>
-                  <a:schemeClr val="tx1"/>
-                </a:solidFill>
-                <a:latin typeface="+mj-lt"/>
-                <a:ea typeface="+mj-ea"/>
-                <a:cs typeface="+mj-cs"/>
-              </a:defRPr>
-            </a:lvl1pPr>
-          </a:lstStyle>
-          <a:p>
-            <a:pPr marL="0" marR="0" algn="ctr">
-              <a:lnSpc>
-                <a:spcPct val="115000"/>
-              </a:lnSpc>
-              <a:spcBef>
-                <a:spcPts val="0"/>
-              </a:spcBef>
-              <a:spcAft>
-                <a:spcPts val="1000"/>
-              </a:spcAft>
-            </a:pPr>
-            <a:r>
-              <a:rPr lang="en-US" dirty="0"/>
-              <a:t>Uses of Flash Drives</a:t>
-            </a:r>
-          </a:p>
-        </p:txBody>
-      </p:sp>
-      <p:sp>
-        <p:nvSpPr>
-          <p:cNvPr id="3" name="Content Placeholder 2">
-            <a:extLst>
-              <a:ext uri="{FF2B5EF4-FFF2-40B4-BE49-F238E27FC236}">
-                <a16:creationId xmlns:a16="http://schemas.microsoft.com/office/drawing/2014/main" id="{C337FF09-4E78-733E-8BD3-C1A3E66F611F}"/>
-              </a:ext>
-            </a:extLst>
-          </p:cNvPr>
-          <p:cNvSpPr>
-            <a:spLocks noGrp="1"/>
-          </p:cNvSpPr>
-          <p:nvPr>
-            <p:ph idx="1"/>
-          </p:nvPr>
-        </p:nvSpPr>
-        <p:spPr>
-          <a:xfrm>
-            <a:off x="165877" y="2410692"/>
-            <a:ext cx="10530210" cy="4655128"/>
-          </a:xfrm>
-        </p:spPr>
-        <p:txBody>
-          <a:bodyPr vert="horz" lIns="91440" tIns="45720" rIns="91440" bIns="45720" rtlCol="0">
-            <a:noAutofit/>
-          </a:bodyPr>
-          <a:lstStyle/>
-          <a:p>
-            <a:pPr marL="342900" marR="0" lvl="0" indent="-342900">
-              <a:lnSpc>
-                <a:spcPct val="150000"/>
-              </a:lnSpc>
-              <a:spcBef>
-                <a:spcPts val="0"/>
-              </a:spcBef>
-              <a:spcAft>
-                <a:spcPts val="0"/>
-              </a:spcAft>
-              <a:buFont typeface="+mj-lt"/>
-              <a:buAutoNum type="arabicPeriod"/>
-              <a:tabLst>
-                <a:tab pos="457200" algn="l"/>
-              </a:tabLst>
-            </a:pPr>
-            <a:r>
-              <a:rPr lang="en-US" sz="1800" b="1" dirty="0">
-                <a:solidFill>
-                  <a:srgbClr val="000000"/>
-                </a:solidFill>
-                <a:effectLst/>
-                <a:latin typeface="Calibri" panose="020F0502020204030204" pitchFamily="34" charset="0"/>
-                <a:ea typeface="Calibri" panose="020F0502020204030204" pitchFamily="34" charset="0"/>
-                <a:cs typeface="Times New Roman" panose="02020603050405020304" pitchFamily="18" charset="0"/>
-              </a:rPr>
-              <a:t>Personal data transport </a:t>
-            </a:r>
-            <a:endParaRPr lang="en-US" sz="1800" dirty="0">
-              <a:effectLst/>
-              <a:latin typeface="Calibri" panose="020F0502020204030204" pitchFamily="34" charset="0"/>
-              <a:ea typeface="Calibri" panose="020F0502020204030204" pitchFamily="34" charset="0"/>
-              <a:cs typeface="Times New Roman" panose="02020603050405020304" pitchFamily="18" charset="0"/>
-            </a:endParaRPr>
-          </a:p>
-          <a:p>
-            <a:pPr marL="228600" marR="0">
-              <a:lnSpc>
-                <a:spcPct val="150000"/>
-              </a:lnSpc>
-              <a:spcBef>
-                <a:spcPts val="0"/>
-              </a:spcBef>
-              <a:spcAft>
-                <a:spcPts val="600"/>
-              </a:spcAft>
-            </a:pPr>
-            <a:r>
-              <a:rPr lang="en-US" sz="1800" dirty="0">
-                <a:effectLst/>
-                <a:latin typeface="Calibri" panose="020F0502020204030204" pitchFamily="34" charset="0"/>
-                <a:ea typeface="Calibri" panose="020F0502020204030204" pitchFamily="34" charset="0"/>
-                <a:cs typeface="Times New Roman" panose="02020603050405020304" pitchFamily="18" charset="0"/>
-              </a:rPr>
-              <a:t>The most common use of flash drives is by individuals to transport and store personal files such as documents, pictures and video. </a:t>
-            </a:r>
-          </a:p>
-          <a:p>
-            <a:pPr marL="342900" marR="0" lvl="0" indent="-342900">
-              <a:lnSpc>
-                <a:spcPct val="150000"/>
-              </a:lnSpc>
-              <a:spcBef>
-                <a:spcPts val="0"/>
-              </a:spcBef>
-              <a:spcAft>
-                <a:spcPts val="0"/>
-              </a:spcAft>
-              <a:buFont typeface="+mj-lt"/>
-              <a:buAutoNum type="arabicPeriod"/>
-              <a:tabLst>
-                <a:tab pos="457200" algn="l"/>
-              </a:tabLst>
-            </a:pPr>
-            <a:r>
-              <a:rPr lang="en-US" sz="1800" b="1" dirty="0">
-                <a:solidFill>
-                  <a:srgbClr val="000000"/>
-                </a:solidFill>
-                <a:effectLst/>
-                <a:latin typeface="Calibri" panose="020F0502020204030204" pitchFamily="34" charset="0"/>
-                <a:ea typeface="Calibri" panose="020F0502020204030204" pitchFamily="34" charset="0"/>
-                <a:cs typeface="Times New Roman" panose="02020603050405020304" pitchFamily="18" charset="0"/>
-              </a:rPr>
-              <a:t>Computer repair </a:t>
-            </a:r>
-            <a:endParaRPr lang="en-US" sz="1800" dirty="0">
-              <a:effectLst/>
-              <a:latin typeface="Calibri" panose="020F0502020204030204" pitchFamily="34" charset="0"/>
-              <a:ea typeface="Calibri" panose="020F0502020204030204" pitchFamily="34" charset="0"/>
-              <a:cs typeface="Times New Roman" panose="02020603050405020304" pitchFamily="18" charset="0"/>
-            </a:endParaRPr>
-          </a:p>
-          <a:p>
-            <a:pPr marL="457200" marR="0">
-              <a:lnSpc>
-                <a:spcPct val="150000"/>
-              </a:lnSpc>
-              <a:spcBef>
-                <a:spcPts val="0"/>
-              </a:spcBef>
-              <a:spcAft>
-                <a:spcPts val="1000"/>
-              </a:spcAft>
-            </a:pPr>
-            <a:r>
-              <a:rPr lang="en-US" sz="1800" dirty="0">
-                <a:solidFill>
-                  <a:srgbClr val="000000"/>
-                </a:solidFill>
-                <a:effectLst/>
-                <a:latin typeface="Calibri" panose="020F0502020204030204" pitchFamily="34" charset="0"/>
-                <a:ea typeface="Calibri" panose="020F0502020204030204" pitchFamily="34" charset="0"/>
-                <a:cs typeface="Times New Roman" panose="02020603050405020304" pitchFamily="18" charset="0"/>
-              </a:rPr>
-              <a:t>Flash drives are used to transfer recovery and antivirus software to infected PCs.</a:t>
-            </a:r>
-            <a:endParaRPr lang="en-US" sz="1800" dirty="0">
-              <a:effectLst/>
-              <a:latin typeface="Calibri" panose="020F0502020204030204" pitchFamily="34" charset="0"/>
-              <a:ea typeface="Calibri" panose="020F0502020204030204" pitchFamily="34" charset="0"/>
-              <a:cs typeface="Times New Roman" panose="02020603050405020304" pitchFamily="18" charset="0"/>
-            </a:endParaRPr>
-          </a:p>
-          <a:p>
-            <a:pPr marL="342900" marR="0" lvl="0" indent="-342900">
-              <a:lnSpc>
-                <a:spcPct val="150000"/>
-              </a:lnSpc>
-              <a:spcBef>
-                <a:spcPts val="0"/>
-              </a:spcBef>
-              <a:spcAft>
-                <a:spcPts val="0"/>
-              </a:spcAft>
-              <a:buFont typeface="+mj-lt"/>
-              <a:buAutoNum type="arabicPeriod"/>
-              <a:tabLst>
-                <a:tab pos="457200" algn="l"/>
-              </a:tabLst>
-            </a:pPr>
-            <a:r>
-              <a:rPr lang="en-US" sz="1800" b="1" dirty="0">
-                <a:solidFill>
-                  <a:srgbClr val="000000"/>
-                </a:solidFill>
-                <a:effectLst/>
-                <a:latin typeface="Calibri" panose="020F0502020204030204" pitchFamily="34" charset="0"/>
-                <a:ea typeface="Calibri" panose="020F0502020204030204" pitchFamily="34" charset="0"/>
-                <a:cs typeface="Times New Roman" panose="02020603050405020304" pitchFamily="18" charset="0"/>
-              </a:rPr>
-              <a:t>System administration </a:t>
-            </a:r>
-            <a:endParaRPr lang="en-US" sz="1800" dirty="0">
-              <a:effectLst/>
-              <a:latin typeface="Calibri" panose="020F0502020204030204" pitchFamily="34" charset="0"/>
-              <a:ea typeface="Calibri" panose="020F0502020204030204" pitchFamily="34" charset="0"/>
-              <a:cs typeface="Times New Roman" panose="02020603050405020304" pitchFamily="18" charset="0"/>
-            </a:endParaRPr>
-          </a:p>
-          <a:p>
-            <a:pPr marL="457200" marR="0">
-              <a:lnSpc>
-                <a:spcPct val="150000"/>
-              </a:lnSpc>
-              <a:spcBef>
-                <a:spcPts val="0"/>
-              </a:spcBef>
-              <a:spcAft>
-                <a:spcPts val="600"/>
-              </a:spcAft>
-            </a:pPr>
-            <a:r>
-              <a:rPr lang="en-US" sz="1800" dirty="0">
-                <a:effectLst/>
-                <a:latin typeface="Calibri" panose="020F0502020204030204" pitchFamily="34" charset="0"/>
-                <a:ea typeface="Calibri" panose="020F0502020204030204" pitchFamily="34" charset="0"/>
-                <a:cs typeface="Times New Roman" panose="02020603050405020304" pitchFamily="18" charset="0"/>
-              </a:rPr>
-              <a:t>Flash drives are used by system and network administrators, who load them with configuration information and software used for system maintenance, troubleshooting, and recovery. </a:t>
-            </a:r>
-          </a:p>
-          <a:p>
-            <a:pPr marL="342900" marR="0" lvl="0" indent="-342900">
-              <a:lnSpc>
-                <a:spcPct val="150000"/>
-              </a:lnSpc>
-              <a:spcBef>
-                <a:spcPts val="0"/>
-              </a:spcBef>
-              <a:spcAft>
-                <a:spcPts val="0"/>
-              </a:spcAft>
-              <a:buFont typeface="+mj-lt"/>
-              <a:buAutoNum type="arabicPeriod"/>
-              <a:tabLst>
-                <a:tab pos="457200" algn="l"/>
-              </a:tabLst>
-            </a:pPr>
-            <a:r>
-              <a:rPr lang="en-US" sz="1800" b="1" dirty="0">
-                <a:solidFill>
-                  <a:srgbClr val="000000"/>
-                </a:solidFill>
-                <a:effectLst/>
-                <a:latin typeface="Calibri" panose="020F0502020204030204" pitchFamily="34" charset="0"/>
-                <a:ea typeface="Calibri" panose="020F0502020204030204" pitchFamily="34" charset="0"/>
-                <a:cs typeface="Times New Roman" panose="02020603050405020304" pitchFamily="18" charset="0"/>
-              </a:rPr>
-              <a:t>Application carriers </a:t>
-            </a:r>
-            <a:endParaRPr lang="en-US" sz="1800" dirty="0">
-              <a:effectLst/>
-              <a:latin typeface="Calibri" panose="020F0502020204030204" pitchFamily="34" charset="0"/>
-              <a:ea typeface="Calibri" panose="020F0502020204030204" pitchFamily="34" charset="0"/>
-              <a:cs typeface="Times New Roman" panose="02020603050405020304" pitchFamily="18" charset="0"/>
-            </a:endParaRPr>
-          </a:p>
-          <a:p>
-            <a:pPr marL="457200" marR="0">
-              <a:lnSpc>
-                <a:spcPct val="150000"/>
-              </a:lnSpc>
-              <a:spcBef>
-                <a:spcPts val="0"/>
-              </a:spcBef>
-              <a:spcAft>
-                <a:spcPts val="600"/>
-              </a:spcAft>
-            </a:pPr>
-            <a:r>
-              <a:rPr lang="en-US" sz="1800" dirty="0">
-                <a:effectLst/>
-                <a:latin typeface="Calibri" panose="020F0502020204030204" pitchFamily="34" charset="0"/>
-                <a:ea typeface="Calibri" panose="020F0502020204030204" pitchFamily="34" charset="0"/>
-                <a:cs typeface="Times New Roman" panose="02020603050405020304" pitchFamily="18" charset="0"/>
-              </a:rPr>
-              <a:t>Flash drives are used to carry applications that run on the server computer without requiring installation. </a:t>
-            </a:r>
-          </a:p>
-        </p:txBody>
-      </p:sp>
-    </p:spTree>
-    <p:extLst>
-      <p:ext uri="{BB962C8B-B14F-4D97-AF65-F5344CB8AC3E}">
-        <p14:creationId xmlns:p14="http://schemas.microsoft.com/office/powerpoint/2010/main" val="621136117"/>
-      </p:ext>
-    </p:extLst>
-  </p:cSld>
-  <p:clrMapOvr>
-    <a:masterClrMapping/>
-  </p:clrMapOvr>
-</p:sld>
-</file>
-
-<file path=ppt/slides/slide21.xml><?xml version="1.0" encoding="utf-8"?>
-<p:sld xmlns:a="http://schemas.openxmlformats.org/drawingml/2006/main" xmlns:r="http://schemas.openxmlformats.org/officeDocument/2006/relationships" xmlns:p="http://schemas.openxmlformats.org/presentationml/2006/main">
-  <p:cSld>
-    <p:spTree>
-      <p:nvGrpSpPr>
-        <p:cNvPr id="1" name=""/>
-        <p:cNvGrpSpPr/>
-        <p:nvPr/>
-      </p:nvGrpSpPr>
-      <p:grpSpPr>
-        <a:xfrm>
-          <a:off x="0" y="0"/>
-          <a:ext cx="0" cy="0"/>
-          <a:chOff x="0" y="0"/>
-          <a:chExt cx="0" cy="0"/>
-        </a:xfrm>
-      </p:grpSpPr>
-      <p:sp>
-        <p:nvSpPr>
-          <p:cNvPr id="6" name="Title 1">
-            <a:extLst>
-              <a:ext uri="{FF2B5EF4-FFF2-40B4-BE49-F238E27FC236}">
-                <a16:creationId xmlns:a16="http://schemas.microsoft.com/office/drawing/2014/main" id="{1FA7BFEA-FEC0-A1BA-43D3-3E9E0F713793}"/>
-              </a:ext>
-            </a:extLst>
-          </p:cNvPr>
-          <p:cNvSpPr txBox="1">
-            <a:spLocks/>
-          </p:cNvSpPr>
-          <p:nvPr/>
-        </p:nvSpPr>
-        <p:spPr>
-          <a:xfrm>
-            <a:off x="165877" y="747693"/>
-            <a:ext cx="11860246" cy="734742"/>
-          </a:xfrm>
-          <a:prstGeom prst="rect">
-            <a:avLst/>
-          </a:prstGeom>
-        </p:spPr>
-        <p:txBody>
-          <a:bodyPr vert="horz" lIns="91440" tIns="45720" rIns="91440" bIns="45720" rtlCol="0" anchor="t">
             <a:normAutofit fontScale="92500" lnSpcReduction="10000"/>
           </a:bodyPr>
           <a:lstStyle>
@@ -6664,7 +6537,7 @@
 </p:sld>
 </file>
 
-<file path=ppt/slides/slide22.xml><?xml version="1.0" encoding="utf-8"?>
+<file path=ppt/slides/slide21.xml><?xml version="1.0" encoding="utf-8"?>
 <p:sld xmlns:a="http://schemas.openxmlformats.org/drawingml/2006/main" xmlns:r="http://schemas.openxmlformats.org/officeDocument/2006/relationships" xmlns:p="http://schemas.openxmlformats.org/presentationml/2006/main">
   <p:cSld>
     <p:spTree>
@@ -6908,7 +6781,7 @@
 </p:sld>
 </file>
 
-<file path=ppt/slides/slide23.xml><?xml version="1.0" encoding="utf-8"?>
+<file path=ppt/slides/slide22.xml><?xml version="1.0" encoding="utf-8"?>
 <p:sld xmlns:a="http://schemas.openxmlformats.org/drawingml/2006/main" xmlns:r="http://schemas.openxmlformats.org/officeDocument/2006/relationships" xmlns:p="http://schemas.openxmlformats.org/presentationml/2006/main">
   <p:cSld>
     <p:spTree>
@@ -7274,7 +7147,7 @@
           <p:cNvPr id="2" name="Title 1">
             <a:extLst>
               <a:ext uri="{FF2B5EF4-FFF2-40B4-BE49-F238E27FC236}">
-                <a16:creationId xmlns:a16="http://schemas.microsoft.com/office/drawing/2014/main" id="{9870F5FF-81BF-CBCF-E676-A56AD2ED3CE9}"/>
+                <a16:creationId xmlns:a16="http://schemas.microsoft.com/office/drawing/2014/main" id="{315F2A5F-8FF9-8CC3-71C8-27706E1586F9}"/>
               </a:ext>
             </a:extLst>
           </p:cNvPr>
@@ -7282,34 +7155,35 @@
             <a:spLocks noGrp="1"/>
           </p:cNvSpPr>
           <p:nvPr>
-            <p:ph type="ctrTitle"/>
+            <p:ph type="title"/>
           </p:nvPr>
         </p:nvSpPr>
         <p:spPr>
           <a:xfrm>
-            <a:off x="525718" y="775402"/>
-            <a:ext cx="5512288" cy="3926561"/>
+            <a:off x="525717" y="787068"/>
+            <a:ext cx="10077557" cy="1325563"/>
           </a:xfrm>
         </p:spPr>
         <p:txBody>
-          <a:bodyPr vert="horz" lIns="91440" tIns="45720" rIns="91440" bIns="45720" rtlCol="0" anchor="t">
+          <a:bodyPr>
             <a:normAutofit/>
           </a:bodyPr>
           <a:lstStyle/>
           <a:p>
-            <a:r>
-              <a:rPr lang="en-US" sz="3600"/>
-              <a:t>Secondary Storage Devices are chosen based on</a:t>
-            </a:r>
-          </a:p>
-        </p:txBody>
-      </p:sp>
-      <p:sp>
-        <p:nvSpPr>
-          <p:cNvPr id="3" name="Subtitle 2">
-            <a:extLst>
-              <a:ext uri="{FF2B5EF4-FFF2-40B4-BE49-F238E27FC236}">
-                <a16:creationId xmlns:a16="http://schemas.microsoft.com/office/drawing/2014/main" id="{06B18F83-A1B8-760C-B8D0-FAF5B07F91A1}"/>
+            <a:pPr algn="ctr"/>
+            <a:r>
+              <a:rPr lang="en-US" dirty="0"/>
+              <a:t>Magnetic Tape</a:t>
+            </a:r>
+          </a:p>
+        </p:txBody>
+      </p:sp>
+      <p:sp>
+        <p:nvSpPr>
+          <p:cNvPr id="4" name="Content Placeholder 3">
+            <a:extLst>
+              <a:ext uri="{FF2B5EF4-FFF2-40B4-BE49-F238E27FC236}">
+                <a16:creationId xmlns:a16="http://schemas.microsoft.com/office/drawing/2014/main" id="{56A71D69-FAE8-73F6-F819-AE0645E1CD4D}"/>
               </a:ext>
             </a:extLst>
           </p:cNvPr>
@@ -7317,131 +7191,141 @@
             <a:spLocks noGrp="1"/>
           </p:cNvSpPr>
           <p:nvPr>
-            <p:ph type="subTitle" idx="1"/>
+            <p:ph idx="1"/>
           </p:nvPr>
         </p:nvSpPr>
-        <p:spPr>
-          <a:xfrm>
-            <a:off x="6444040" y="1114690"/>
-            <a:ext cx="4159233" cy="3498273"/>
-          </a:xfrm>
-        </p:spPr>
-        <p:txBody>
-          <a:bodyPr vert="horz" lIns="91440" tIns="45720" rIns="91440" bIns="45720" rtlCol="0">
-            <a:normAutofit fontScale="92500" lnSpcReduction="10000"/>
-          </a:bodyPr>
+        <p:spPr/>
+        <p:txBody>
+          <a:bodyPr/>
           <a:lstStyle/>
           <a:p>
-            <a:pPr marL="342900" marR="0" lvl="0" indent="-342900">
-              <a:lnSpc>
-                <a:spcPct val="100000"/>
-              </a:lnSpc>
-              <a:spcBef>
-                <a:spcPts val="0"/>
-              </a:spcBef>
-              <a:spcAft>
-                <a:spcPts val="0"/>
-              </a:spcAft>
-              <a:buFont typeface="Arial" panose="020B0604020202020204" pitchFamily="34" charset="0"/>
-              <a:buChar char=""/>
-            </a:pPr>
-            <a:r>
-              <a:rPr lang="en-US">
-                <a:effectLst/>
-              </a:rPr>
-              <a:t>Storage capacity (how much data the device can store)</a:t>
-            </a:r>
-          </a:p>
-          <a:p>
-            <a:pPr marL="342900" marR="0" lvl="0" indent="-342900">
-              <a:lnSpc>
-                <a:spcPct val="100000"/>
-              </a:lnSpc>
-              <a:spcBef>
-                <a:spcPts val="0"/>
-              </a:spcBef>
-              <a:spcAft>
-                <a:spcPts val="0"/>
-              </a:spcAft>
-              <a:buFont typeface="Arial" panose="020B0604020202020204" pitchFamily="34" charset="0"/>
-              <a:buChar char=""/>
-            </a:pPr>
-            <a:r>
-              <a:rPr lang="en-US">
-                <a:effectLst/>
-              </a:rPr>
-              <a:t>Access speed ( the time needed to locate the data and transmit it to the CPU)</a:t>
-            </a:r>
-          </a:p>
-          <a:p>
-            <a:pPr marL="342900" marR="0" lvl="0" indent="-342900">
-              <a:lnSpc>
-                <a:spcPct val="100000"/>
-              </a:lnSpc>
-              <a:spcBef>
-                <a:spcPts val="0"/>
-              </a:spcBef>
-              <a:spcAft>
-                <a:spcPts val="0"/>
-              </a:spcAft>
-              <a:buFont typeface="Arial" panose="020B0604020202020204" pitchFamily="34" charset="0"/>
-              <a:buChar char=""/>
-            </a:pPr>
-            <a:r>
-              <a:rPr lang="en-US">
-                <a:effectLst/>
-              </a:rPr>
-              <a:t>Portability ( ability to be easily removed and used on another system)</a:t>
-            </a:r>
-          </a:p>
-          <a:p>
-            <a:pPr marL="342900" marR="0" lvl="0" indent="-342900">
-              <a:lnSpc>
-                <a:spcPct val="100000"/>
-              </a:lnSpc>
-              <a:spcBef>
-                <a:spcPts val="0"/>
-              </a:spcBef>
-              <a:spcAft>
-                <a:spcPts val="0"/>
-              </a:spcAft>
-              <a:buFont typeface="Arial" panose="020B0604020202020204" pitchFamily="34" charset="0"/>
-              <a:buChar char=""/>
-            </a:pPr>
-            <a:r>
-              <a:rPr lang="en-US">
-                <a:effectLst/>
-              </a:rPr>
-              <a:t>Cost</a:t>
-            </a:r>
-          </a:p>
-          <a:p>
-            <a:pPr marL="342900" marR="0" lvl="0" indent="-342900">
-              <a:lnSpc>
-                <a:spcPct val="100000"/>
-              </a:lnSpc>
-              <a:spcBef>
-                <a:spcPts val="0"/>
-              </a:spcBef>
-              <a:spcAft>
-                <a:spcPts val="1000"/>
-              </a:spcAft>
-              <a:buFont typeface="Arial" panose="020B0604020202020204" pitchFamily="34" charset="0"/>
-              <a:buChar char=""/>
-            </a:pPr>
-            <a:r>
-              <a:rPr lang="en-US">
-                <a:effectLst/>
-              </a:rPr>
-              <a:t>Size (necessary for storage on shelves or portability)</a:t>
-            </a:r>
+            <a:r>
+              <a:rPr lang="en-US" sz="1800" dirty="0">
+                <a:effectLst/>
+                <a:latin typeface="Calibri" panose="020F0502020204030204" pitchFamily="34" charset="0"/>
+                <a:ea typeface="Calibri" panose="020F0502020204030204" pitchFamily="34" charset="0"/>
+                <a:cs typeface="Times New Roman" panose="02020603050405020304" pitchFamily="18" charset="0"/>
+              </a:rPr>
+              <a:t>A magnetic tape looks like an audiocassette tape. </a:t>
+            </a:r>
+          </a:p>
+          <a:p>
+            <a:r>
+              <a:rPr lang="en-US" sz="1800" dirty="0">
+                <a:effectLst/>
+                <a:latin typeface="Calibri" panose="020F0502020204030204" pitchFamily="34" charset="0"/>
+                <a:ea typeface="Calibri" panose="020F0502020204030204" pitchFamily="34" charset="0"/>
+                <a:cs typeface="Times New Roman" panose="02020603050405020304" pitchFamily="18" charset="0"/>
+              </a:rPr>
+              <a:t>Tapes may come in different sizes. </a:t>
+            </a:r>
+          </a:p>
+          <a:p>
+            <a:r>
+              <a:rPr lang="en-US" sz="1800" dirty="0">
+                <a:effectLst/>
+                <a:latin typeface="Calibri" panose="020F0502020204030204" pitchFamily="34" charset="0"/>
+                <a:ea typeface="Calibri" panose="020F0502020204030204" pitchFamily="34" charset="0"/>
+                <a:cs typeface="Times New Roman" panose="02020603050405020304" pitchFamily="18" charset="0"/>
+              </a:rPr>
+              <a:t>It is used mainly to backup hard disks because it can store large amounts of data at a low cost.</a:t>
+            </a:r>
+          </a:p>
+          <a:p>
+            <a:r>
+              <a:rPr lang="en-US" sz="1800" dirty="0">
+                <a:effectLst/>
+                <a:latin typeface="Calibri" panose="020F0502020204030204" pitchFamily="34" charset="0"/>
+                <a:ea typeface="Calibri" panose="020F0502020204030204" pitchFamily="34" charset="0"/>
+                <a:cs typeface="Times New Roman" panose="02020603050405020304" pitchFamily="18" charset="0"/>
+              </a:rPr>
+              <a:t>Accessing data on a tape is very slow since data is stored sequentially. </a:t>
+            </a:r>
+          </a:p>
+          <a:p>
+            <a:r>
+              <a:rPr lang="en-US" sz="1800" u="sng" dirty="0">
+                <a:effectLst/>
+                <a:latin typeface="Calibri" panose="020F0502020204030204" pitchFamily="34" charset="0"/>
+                <a:ea typeface="Calibri" panose="020F0502020204030204" pitchFamily="34" charset="0"/>
+                <a:cs typeface="Times New Roman" panose="02020603050405020304" pitchFamily="18" charset="0"/>
+              </a:rPr>
+              <a:t>Sequentially</a:t>
+            </a:r>
+            <a:r>
+              <a:rPr lang="en-US" sz="1800" dirty="0">
+                <a:effectLst/>
+                <a:latin typeface="Calibri" panose="020F0502020204030204" pitchFamily="34" charset="0"/>
+                <a:ea typeface="Calibri" panose="020F0502020204030204" pitchFamily="34" charset="0"/>
+                <a:cs typeface="Times New Roman" panose="02020603050405020304" pitchFamily="18" charset="0"/>
+              </a:rPr>
+              <a:t> means that data is retrieved in the order which it was stored. </a:t>
+            </a:r>
+          </a:p>
+          <a:p>
+            <a:r>
+              <a:rPr lang="en-US" sz="1800" dirty="0">
+                <a:effectLst/>
+                <a:latin typeface="Calibri" panose="020F0502020204030204" pitchFamily="34" charset="0"/>
+                <a:ea typeface="Calibri" panose="020F0502020204030204" pitchFamily="34" charset="0"/>
+                <a:cs typeface="Times New Roman" panose="02020603050405020304" pitchFamily="18" charset="0"/>
+              </a:rPr>
+              <a:t>As of 2008, the highest capacity tape cartridges can store 1 </a:t>
+            </a:r>
+            <a:r>
+              <a:rPr lang="en-US" sz="1800" u="none" strike="noStrike" dirty="0">
+                <a:solidFill>
+                  <a:srgbClr val="0563C1"/>
+                </a:solidFill>
+                <a:effectLst/>
+                <a:latin typeface="Calibri" panose="020F0502020204030204" pitchFamily="34" charset="0"/>
+                <a:ea typeface="Calibri" panose="020F0502020204030204" pitchFamily="34" charset="0"/>
+                <a:cs typeface="Times New Roman" panose="02020603050405020304" pitchFamily="18" charset="0"/>
+                <a:hlinkClick r:id="rId2" tooltip="Terabyte"/>
+              </a:rPr>
+              <a:t>TB</a:t>
+            </a:r>
+            <a:r>
+              <a:rPr lang="en-US" sz="1800" dirty="0">
+                <a:effectLst/>
+                <a:latin typeface="Calibri" panose="020F0502020204030204" pitchFamily="34" charset="0"/>
+                <a:ea typeface="Calibri" panose="020F0502020204030204" pitchFamily="34" charset="0"/>
+                <a:cs typeface="Times New Roman" panose="02020603050405020304" pitchFamily="18" charset="0"/>
+              </a:rPr>
+              <a:t> of data. </a:t>
+            </a:r>
+          </a:p>
+          <a:p>
+            <a:r>
+              <a:rPr lang="en-US" sz="1800" dirty="0">
+                <a:effectLst/>
+                <a:latin typeface="Calibri" panose="020F0502020204030204" pitchFamily="34" charset="0"/>
+                <a:ea typeface="Calibri" panose="020F0502020204030204" pitchFamily="34" charset="0"/>
+                <a:cs typeface="Times New Roman" panose="02020603050405020304" pitchFamily="18" charset="0"/>
+              </a:rPr>
+              <a:t>A tape drive is used to read data from and write data to the tape. </a:t>
+            </a:r>
+          </a:p>
+          <a:p>
+            <a:r>
+              <a:rPr lang="en-US" sz="1800" dirty="0">
+                <a:effectLst/>
+                <a:latin typeface="Calibri" panose="020F0502020204030204" pitchFamily="34" charset="0"/>
+                <a:ea typeface="Calibri" panose="020F0502020204030204" pitchFamily="34" charset="0"/>
+                <a:cs typeface="Times New Roman" panose="02020603050405020304" pitchFamily="18" charset="0"/>
+              </a:rPr>
+              <a:t>The tape drive may be external or built into the system unit.</a:t>
+            </a:r>
+          </a:p>
+          <a:p>
+            <a:endParaRPr lang="en-US" dirty="0"/>
           </a:p>
         </p:txBody>
       </p:sp>
     </p:spTree>
     <p:extLst>
       <p:ext uri="{BB962C8B-B14F-4D97-AF65-F5344CB8AC3E}">
-        <p14:creationId xmlns:p14="http://schemas.microsoft.com/office/powerpoint/2010/main" val="1010698141"/>
+        <p14:creationId xmlns:p14="http://schemas.microsoft.com/office/powerpoint/2010/main" val="3176249927"/>
       </p:ext>
     </p:extLst>
   </p:cSld>
@@ -7473,7 +7357,7 @@
           <p:cNvPr id="2" name="Title 1">
             <a:extLst>
               <a:ext uri="{FF2B5EF4-FFF2-40B4-BE49-F238E27FC236}">
-                <a16:creationId xmlns:a16="http://schemas.microsoft.com/office/drawing/2014/main" id="{315F2A5F-8FF9-8CC3-71C8-27706E1586F9}"/>
+                <a16:creationId xmlns:a16="http://schemas.microsoft.com/office/drawing/2014/main" id="{EFFFDA9A-F5DF-EA5E-AD36-0F0F8B7D6CE2}"/>
               </a:ext>
             </a:extLst>
           </p:cNvPr>
@@ -7486,172 +7370,123 @@
         </p:nvSpPr>
         <p:spPr>
           <a:xfrm>
-            <a:off x="525717" y="787068"/>
-            <a:ext cx="10077557" cy="1325563"/>
+            <a:off x="525718" y="775402"/>
+            <a:ext cx="5512288" cy="3926561"/>
           </a:xfrm>
         </p:spPr>
         <p:txBody>
-          <a:bodyPr>
+          <a:bodyPr vert="horz" lIns="91440" tIns="45720" rIns="91440" bIns="45720" rtlCol="0" anchor="t">
             <a:normAutofit/>
           </a:bodyPr>
           <a:lstStyle/>
           <a:p>
-            <a:pPr algn="ctr"/>
-            <a:r>
-              <a:rPr lang="en-US" dirty="0"/>
-              <a:t>Magnetic Tape</a:t>
-            </a:r>
-          </a:p>
-        </p:txBody>
-      </p:sp>
-      <p:sp>
-        <p:nvSpPr>
-          <p:cNvPr id="4" name="Content Placeholder 3">
-            <a:extLst>
-              <a:ext uri="{FF2B5EF4-FFF2-40B4-BE49-F238E27FC236}">
-                <a16:creationId xmlns:a16="http://schemas.microsoft.com/office/drawing/2014/main" id="{56A71D69-FAE8-73F6-F819-AE0645E1CD4D}"/>
-              </a:ext>
-            </a:extLst>
-          </p:cNvPr>
-          <p:cNvSpPr>
-            <a:spLocks noGrp="1"/>
-          </p:cNvSpPr>
-          <p:nvPr>
-            <p:ph idx="1"/>
-          </p:nvPr>
-        </p:nvSpPr>
-        <p:spPr/>
-        <p:txBody>
-          <a:bodyPr/>
-          <a:lstStyle/>
-          <a:p>
-            <a:r>
-              <a:rPr lang="en-US" sz="1800" dirty="0">
-                <a:effectLst/>
-                <a:latin typeface="Calibri" panose="020F0502020204030204" pitchFamily="34" charset="0"/>
-                <a:ea typeface="Calibri" panose="020F0502020204030204" pitchFamily="34" charset="0"/>
-                <a:cs typeface="Times New Roman" panose="02020603050405020304" pitchFamily="18" charset="0"/>
-              </a:rPr>
-              <a:t>A magnetic tape looks like an audiocassette tape. </a:t>
-            </a:r>
-          </a:p>
-          <a:p>
-            <a:r>
-              <a:rPr lang="en-US" sz="1800" dirty="0">
-                <a:effectLst/>
-                <a:latin typeface="Calibri" panose="020F0502020204030204" pitchFamily="34" charset="0"/>
-                <a:ea typeface="Calibri" panose="020F0502020204030204" pitchFamily="34" charset="0"/>
-                <a:cs typeface="Times New Roman" panose="02020603050405020304" pitchFamily="18" charset="0"/>
-              </a:rPr>
-              <a:t>Tapes may come in different sizes. </a:t>
-            </a:r>
-          </a:p>
-          <a:p>
-            <a:r>
-              <a:rPr lang="en-US" sz="1800" dirty="0">
-                <a:effectLst/>
-                <a:latin typeface="Calibri" panose="020F0502020204030204" pitchFamily="34" charset="0"/>
-                <a:ea typeface="Calibri" panose="020F0502020204030204" pitchFamily="34" charset="0"/>
-                <a:cs typeface="Times New Roman" panose="02020603050405020304" pitchFamily="18" charset="0"/>
-              </a:rPr>
-              <a:t>It is used mainly to backup hard disks because it can store large amounts of data at a low cost.</a:t>
-            </a:r>
-          </a:p>
-          <a:p>
-            <a:r>
-              <a:rPr lang="en-US" sz="1800" dirty="0">
-                <a:effectLst/>
-                <a:latin typeface="Calibri" panose="020F0502020204030204" pitchFamily="34" charset="0"/>
-                <a:ea typeface="Calibri" panose="020F0502020204030204" pitchFamily="34" charset="0"/>
-                <a:cs typeface="Times New Roman" panose="02020603050405020304" pitchFamily="18" charset="0"/>
-              </a:rPr>
-              <a:t>Accessing data on a tape is very slow since data is stored sequentially. </a:t>
-            </a:r>
-          </a:p>
-          <a:p>
-            <a:r>
-              <a:rPr lang="en-US" sz="1800" u="sng" dirty="0">
-                <a:effectLst/>
-                <a:latin typeface="Calibri" panose="020F0502020204030204" pitchFamily="34" charset="0"/>
-                <a:ea typeface="Calibri" panose="020F0502020204030204" pitchFamily="34" charset="0"/>
-                <a:cs typeface="Times New Roman" panose="02020603050405020304" pitchFamily="18" charset="0"/>
-              </a:rPr>
-              <a:t>Sequentially</a:t>
-            </a:r>
-            <a:r>
-              <a:rPr lang="en-US" sz="1800" dirty="0">
-                <a:effectLst/>
-                <a:latin typeface="Calibri" panose="020F0502020204030204" pitchFamily="34" charset="0"/>
-                <a:ea typeface="Calibri" panose="020F0502020204030204" pitchFamily="34" charset="0"/>
-                <a:cs typeface="Times New Roman" panose="02020603050405020304" pitchFamily="18" charset="0"/>
-              </a:rPr>
-              <a:t> means that data is retrieved in the order which it was stored. </a:t>
-            </a:r>
-          </a:p>
-          <a:p>
-            <a:r>
-              <a:rPr lang="en-US" sz="1800" dirty="0">
-                <a:effectLst/>
-                <a:latin typeface="Calibri" panose="020F0502020204030204" pitchFamily="34" charset="0"/>
-                <a:ea typeface="Calibri" panose="020F0502020204030204" pitchFamily="34" charset="0"/>
-                <a:cs typeface="Times New Roman" panose="02020603050405020304" pitchFamily="18" charset="0"/>
-              </a:rPr>
-              <a:t>As of 2008, the highest capacity tape cartridges can store 1 </a:t>
-            </a:r>
-            <a:r>
-              <a:rPr lang="en-US" sz="1800" u="none" strike="noStrike" dirty="0">
+            <a:pPr marL="0" marR="0">
+              <a:spcAft>
+                <a:spcPts val="1000"/>
+              </a:spcAft>
+            </a:pPr>
+            <a:r>
+              <a:rPr lang="en-US">
+                <a:effectLst/>
+              </a:rPr>
+              <a:t>Magnetic disks (Floppy disk, Hard disk)</a:t>
+            </a:r>
+          </a:p>
+        </p:txBody>
+      </p:sp>
+      <p:sp>
+        <p:nvSpPr>
+          <p:cNvPr id="5" name="Title 1">
+            <a:extLst>
+              <a:ext uri="{FF2B5EF4-FFF2-40B4-BE49-F238E27FC236}">
+                <a16:creationId xmlns:a16="http://schemas.microsoft.com/office/drawing/2014/main" id="{6C90DEC8-B5B4-F81B-93C2-35491BAD813F}"/>
+              </a:ext>
+            </a:extLst>
+          </p:cNvPr>
+          <p:cNvSpPr txBox="1">
+            <a:spLocks/>
+          </p:cNvSpPr>
+          <p:nvPr/>
+        </p:nvSpPr>
+        <p:spPr>
+          <a:xfrm>
+            <a:off x="6444040" y="1114690"/>
+            <a:ext cx="4159233" cy="3498273"/>
+          </a:xfrm>
+          <a:prstGeom prst="rect">
+            <a:avLst/>
+          </a:prstGeom>
+        </p:spPr>
+        <p:txBody>
+          <a:bodyPr vert="horz" lIns="91440" tIns="45720" rIns="91440" bIns="45720" rtlCol="0">
+            <a:normAutofit/>
+          </a:bodyPr>
+          <a:lstStyle>
+            <a:lvl1pPr algn="l" defTabSz="914400" rtl="0" eaLnBrk="1" latinLnBrk="0" hangingPunct="1">
+              <a:lnSpc>
+                <a:spcPct val="100000"/>
+              </a:lnSpc>
+              <a:spcBef>
+                <a:spcPct val="0"/>
+              </a:spcBef>
+              <a:buNone/>
+              <a:defRPr sz="3600" i="1" kern="1200">
                 <a:solidFill>
-                  <a:srgbClr val="0563C1"/>
+                  <a:schemeClr val="tx1"/>
                 </a:solidFill>
-                <a:effectLst/>
-                <a:latin typeface="Calibri" panose="020F0502020204030204" pitchFamily="34" charset="0"/>
-                <a:ea typeface="Calibri" panose="020F0502020204030204" pitchFamily="34" charset="0"/>
-                <a:cs typeface="Times New Roman" panose="02020603050405020304" pitchFamily="18" charset="0"/>
-                <a:hlinkClick r:id="rId2" tooltip="Terabyte"/>
-              </a:rPr>
-              <a:t>TB</a:t>
-            </a:r>
-            <a:r>
-              <a:rPr lang="en-US" sz="1800" dirty="0">
-                <a:effectLst/>
-                <a:latin typeface="Calibri" panose="020F0502020204030204" pitchFamily="34" charset="0"/>
-                <a:ea typeface="Calibri" panose="020F0502020204030204" pitchFamily="34" charset="0"/>
-                <a:cs typeface="Times New Roman" panose="02020603050405020304" pitchFamily="18" charset="0"/>
-              </a:rPr>
-              <a:t> of data. </a:t>
-            </a:r>
-          </a:p>
-          <a:p>
-            <a:r>
-              <a:rPr lang="en-US" sz="1800" dirty="0">
-                <a:effectLst/>
-                <a:latin typeface="Calibri" panose="020F0502020204030204" pitchFamily="34" charset="0"/>
-                <a:ea typeface="Calibri" panose="020F0502020204030204" pitchFamily="34" charset="0"/>
-                <a:cs typeface="Times New Roman" panose="02020603050405020304" pitchFamily="18" charset="0"/>
-              </a:rPr>
-              <a:t>A tape drive is used to read data from and write data to the tape. </a:t>
-            </a:r>
-          </a:p>
-          <a:p>
-            <a:r>
-              <a:rPr lang="en-US" sz="1800" dirty="0">
-                <a:effectLst/>
-                <a:latin typeface="Calibri" panose="020F0502020204030204" pitchFamily="34" charset="0"/>
-                <a:ea typeface="Calibri" panose="020F0502020204030204" pitchFamily="34" charset="0"/>
-                <a:cs typeface="Times New Roman" panose="02020603050405020304" pitchFamily="18" charset="0"/>
-              </a:rPr>
-              <a:t>The tape drive may be external or built into the system unit.</a:t>
-            </a:r>
-          </a:p>
-          <a:p>
-            <a:endParaRPr lang="en-US" dirty="0"/>
+                <a:latin typeface="+mj-lt"/>
+                <a:ea typeface="+mj-ea"/>
+                <a:cs typeface="+mj-cs"/>
+              </a:defRPr>
+            </a:lvl1pPr>
+          </a:lstStyle>
+          <a:p>
+            <a:pPr marL="0" marR="0">
+              <a:lnSpc>
+                <a:spcPct val="110000"/>
+              </a:lnSpc>
+              <a:spcBef>
+                <a:spcPts val="0"/>
+              </a:spcBef>
+              <a:spcAft>
+                <a:spcPts val="1000"/>
+              </a:spcAft>
+              <a:buFont typeface="Arial" panose="020B0604020202020204" pitchFamily="34" charset="0"/>
+            </a:pPr>
+            <a:r>
+              <a:rPr lang="en-US" sz="2000">
+                <a:effectLst/>
+                <a:latin typeface="+mn-lt"/>
+                <a:ea typeface="+mn-ea"/>
+                <a:cs typeface="+mn-cs"/>
+              </a:rPr>
+              <a:t>All magnetic disks provide </a:t>
+            </a:r>
+            <a:r>
+              <a:rPr lang="en-US" sz="2000" u="sng">
+                <a:effectLst/>
+                <a:latin typeface="+mn-lt"/>
+                <a:ea typeface="+mn-ea"/>
+                <a:cs typeface="+mn-cs"/>
+              </a:rPr>
+              <a:t>direct access</a:t>
+            </a:r>
+            <a:r>
+              <a:rPr lang="en-US" sz="2000">
+                <a:effectLst/>
+                <a:latin typeface="+mn-lt"/>
+                <a:ea typeface="+mn-ea"/>
+                <a:cs typeface="+mn-cs"/>
+              </a:rPr>
+              <a:t> to stored data. This means that you can go directly to specific piece of data without having to access any other either before or after the data you want. </a:t>
+            </a:r>
           </a:p>
         </p:txBody>
       </p:sp>
     </p:spTree>
     <p:extLst>
       <p:ext uri="{BB962C8B-B14F-4D97-AF65-F5344CB8AC3E}">
-        <p14:creationId xmlns:p14="http://schemas.microsoft.com/office/powerpoint/2010/main" val="3176249927"/>
+        <p14:creationId xmlns:p14="http://schemas.microsoft.com/office/powerpoint/2010/main" val="2322203670"/>
       </p:ext>
     </p:extLst>
   </p:cSld>
@@ -7680,167 +7515,6 @@
       </p:grpSpPr>
       <p:sp>
         <p:nvSpPr>
-          <p:cNvPr id="2" name="Title 1">
-            <a:extLst>
-              <a:ext uri="{FF2B5EF4-FFF2-40B4-BE49-F238E27FC236}">
-                <a16:creationId xmlns:a16="http://schemas.microsoft.com/office/drawing/2014/main" id="{EFFFDA9A-F5DF-EA5E-AD36-0F0F8B7D6CE2}"/>
-              </a:ext>
-            </a:extLst>
-          </p:cNvPr>
-          <p:cNvSpPr>
-            <a:spLocks noGrp="1"/>
-          </p:cNvSpPr>
-          <p:nvPr>
-            <p:ph type="title"/>
-          </p:nvPr>
-        </p:nvSpPr>
-        <p:spPr>
-          <a:xfrm>
-            <a:off x="525718" y="775402"/>
-            <a:ext cx="5512288" cy="3926561"/>
-          </a:xfrm>
-        </p:spPr>
-        <p:txBody>
-          <a:bodyPr vert="horz" lIns="91440" tIns="45720" rIns="91440" bIns="45720" rtlCol="0" anchor="t">
-            <a:normAutofit/>
-          </a:bodyPr>
-          <a:lstStyle/>
-          <a:p>
-            <a:pPr marL="0" marR="0">
-              <a:spcAft>
-                <a:spcPts val="1000"/>
-              </a:spcAft>
-            </a:pPr>
-            <a:r>
-              <a:rPr lang="en-US">
-                <a:effectLst/>
-              </a:rPr>
-              <a:t>Magnetic disks (Floppy disk, Hard disk)</a:t>
-            </a:r>
-          </a:p>
-        </p:txBody>
-      </p:sp>
-      <p:sp>
-        <p:nvSpPr>
-          <p:cNvPr id="5" name="Title 1">
-            <a:extLst>
-              <a:ext uri="{FF2B5EF4-FFF2-40B4-BE49-F238E27FC236}">
-                <a16:creationId xmlns:a16="http://schemas.microsoft.com/office/drawing/2014/main" id="{6C90DEC8-B5B4-F81B-93C2-35491BAD813F}"/>
-              </a:ext>
-            </a:extLst>
-          </p:cNvPr>
-          <p:cNvSpPr txBox="1">
-            <a:spLocks/>
-          </p:cNvSpPr>
-          <p:nvPr/>
-        </p:nvSpPr>
-        <p:spPr>
-          <a:xfrm>
-            <a:off x="6444040" y="1114690"/>
-            <a:ext cx="4159233" cy="3498273"/>
-          </a:xfrm>
-          <a:prstGeom prst="rect">
-            <a:avLst/>
-          </a:prstGeom>
-        </p:spPr>
-        <p:txBody>
-          <a:bodyPr vert="horz" lIns="91440" tIns="45720" rIns="91440" bIns="45720" rtlCol="0">
-            <a:normAutofit/>
-          </a:bodyPr>
-          <a:lstStyle>
-            <a:lvl1pPr algn="l" defTabSz="914400" rtl="0" eaLnBrk="1" latinLnBrk="0" hangingPunct="1">
-              <a:lnSpc>
-                <a:spcPct val="100000"/>
-              </a:lnSpc>
-              <a:spcBef>
-                <a:spcPct val="0"/>
-              </a:spcBef>
-              <a:buNone/>
-              <a:defRPr sz="3600" i="1" kern="1200">
-                <a:solidFill>
-                  <a:schemeClr val="tx1"/>
-                </a:solidFill>
-                <a:latin typeface="+mj-lt"/>
-                <a:ea typeface="+mj-ea"/>
-                <a:cs typeface="+mj-cs"/>
-              </a:defRPr>
-            </a:lvl1pPr>
-          </a:lstStyle>
-          <a:p>
-            <a:pPr marL="0" marR="0">
-              <a:lnSpc>
-                <a:spcPct val="110000"/>
-              </a:lnSpc>
-              <a:spcBef>
-                <a:spcPts val="0"/>
-              </a:spcBef>
-              <a:spcAft>
-                <a:spcPts val="1000"/>
-              </a:spcAft>
-              <a:buFont typeface="Arial" panose="020B0604020202020204" pitchFamily="34" charset="0"/>
-            </a:pPr>
-            <a:r>
-              <a:rPr lang="en-US" sz="2000">
-                <a:effectLst/>
-                <a:latin typeface="+mn-lt"/>
-                <a:ea typeface="+mn-ea"/>
-                <a:cs typeface="+mn-cs"/>
-              </a:rPr>
-              <a:t>All magnetic disks provide </a:t>
-            </a:r>
-            <a:r>
-              <a:rPr lang="en-US" sz="2000" u="sng">
-                <a:effectLst/>
-                <a:latin typeface="+mn-lt"/>
-                <a:ea typeface="+mn-ea"/>
-                <a:cs typeface="+mn-cs"/>
-              </a:rPr>
-              <a:t>direct access</a:t>
-            </a:r>
-            <a:r>
-              <a:rPr lang="en-US" sz="2000">
-                <a:effectLst/>
-                <a:latin typeface="+mn-lt"/>
-                <a:ea typeface="+mn-ea"/>
-                <a:cs typeface="+mn-cs"/>
-              </a:rPr>
-              <a:t> to stored data. This means that you can go directly to specific piece of data without having to access any other either before or after the data you want. </a:t>
-            </a:r>
-          </a:p>
-        </p:txBody>
-      </p:sp>
-    </p:spTree>
-    <p:extLst>
-      <p:ext uri="{BB962C8B-B14F-4D97-AF65-F5344CB8AC3E}">
-        <p14:creationId xmlns:p14="http://schemas.microsoft.com/office/powerpoint/2010/main" val="2322203670"/>
-      </p:ext>
-    </p:extLst>
-  </p:cSld>
-  <p:clrMapOvr>
-    <a:masterClrMapping/>
-  </p:clrMapOvr>
-</p:sld>
-</file>
-
-<file path=ppt/slides/slide6.xml><?xml version="1.0" encoding="utf-8"?>
-<p:sld xmlns:a="http://schemas.openxmlformats.org/drawingml/2006/main" xmlns:r="http://schemas.openxmlformats.org/officeDocument/2006/relationships" xmlns:p="http://schemas.openxmlformats.org/presentationml/2006/main">
-  <p:cSld>
-    <p:spTree>
-      <p:nvGrpSpPr>
-        <p:cNvPr id="1" name=""/>
-        <p:cNvGrpSpPr/>
-        <p:nvPr/>
-      </p:nvGrpSpPr>
-      <p:grpSpPr>
-        <a:xfrm>
-          <a:off x="0" y="0"/>
-          <a:ext cx="0" cy="0"/>
-          <a:chOff x="0" y="0"/>
-          <a:chExt cx="0" cy="0"/>
-        </a:xfrm>
-      </p:grpSpPr>
-      <p:sp>
-        <p:nvSpPr>
           <p:cNvPr id="4" name="Title 1">
             <a:extLst>
               <a:ext uri="{FF2B5EF4-FFF2-40B4-BE49-F238E27FC236}">
@@ -8220,7 +7894,7 @@
 </p:sld>
 </file>
 
-<file path=ppt/slides/slide7.xml><?xml version="1.0" encoding="utf-8"?>
+<file path=ppt/slides/slide6.xml><?xml version="1.0" encoding="utf-8"?>
 <p:sld xmlns:a="http://schemas.openxmlformats.org/drawingml/2006/main" xmlns:r="http://schemas.openxmlformats.org/officeDocument/2006/relationships" xmlns:p="http://schemas.openxmlformats.org/presentationml/2006/main">
   <p:cSld>
     <p:spTree>
@@ -9408,6 +9082,223 @@
 </p:sld>
 </file>
 
+<file path=ppt/slides/slide7.xml><?xml version="1.0" encoding="utf-8"?>
+<p:sld xmlns:a="http://schemas.openxmlformats.org/drawingml/2006/main" xmlns:r="http://schemas.openxmlformats.org/officeDocument/2006/relationships" xmlns:p="http://schemas.openxmlformats.org/presentationml/2006/main">
+  <p:cSld>
+    <p:spTree>
+      <p:nvGrpSpPr>
+        <p:cNvPr id="1" name=""/>
+        <p:cNvGrpSpPr/>
+        <p:nvPr/>
+      </p:nvGrpSpPr>
+      <p:grpSpPr>
+        <a:xfrm>
+          <a:off x="0" y="0"/>
+          <a:ext cx="0" cy="0"/>
+          <a:chOff x="0" y="0"/>
+          <a:chExt cx="0" cy="0"/>
+        </a:xfrm>
+      </p:grpSpPr>
+      <p:sp>
+        <p:nvSpPr>
+          <p:cNvPr id="3" name="Content Placeholder 2">
+            <a:extLst>
+              <a:ext uri="{FF2B5EF4-FFF2-40B4-BE49-F238E27FC236}">
+                <a16:creationId xmlns:a16="http://schemas.microsoft.com/office/drawing/2014/main" id="{C337FF09-4E78-733E-8BD3-C1A3E66F611F}"/>
+              </a:ext>
+            </a:extLst>
+          </p:cNvPr>
+          <p:cNvSpPr>
+            <a:spLocks noGrp="1"/>
+          </p:cNvSpPr>
+          <p:nvPr>
+            <p:ph idx="1"/>
+          </p:nvPr>
+        </p:nvSpPr>
+        <p:spPr>
+          <a:xfrm>
+            <a:off x="525717" y="2796427"/>
+            <a:ext cx="7288247" cy="3274503"/>
+          </a:xfrm>
+        </p:spPr>
+        <p:txBody>
+          <a:bodyPr>
+            <a:noAutofit/>
+          </a:bodyPr>
+          <a:lstStyle/>
+          <a:p>
+            <a:pPr marL="0" marR="0">
+              <a:lnSpc>
+                <a:spcPct val="115000"/>
+              </a:lnSpc>
+              <a:spcBef>
+                <a:spcPts val="0"/>
+              </a:spcBef>
+              <a:spcAft>
+                <a:spcPts val="1000"/>
+              </a:spcAft>
+            </a:pPr>
+            <a:r>
+              <a:rPr lang="en-US" dirty="0">
+                <a:effectLst/>
+                <a:latin typeface="Calibri" panose="020F0502020204030204" pitchFamily="34" charset="0"/>
+                <a:ea typeface="Calibri" panose="020F0502020204030204" pitchFamily="34" charset="0"/>
+                <a:cs typeface="Times New Roman" panose="02020603050405020304" pitchFamily="18" charset="0"/>
+              </a:rPr>
+              <a:t>Before data is stored on a floppy disk, it needs to be formatted. </a:t>
+            </a:r>
+          </a:p>
+          <a:p>
+            <a:pPr marL="0" marR="0">
+              <a:lnSpc>
+                <a:spcPct val="115000"/>
+              </a:lnSpc>
+              <a:spcBef>
+                <a:spcPts val="0"/>
+              </a:spcBef>
+              <a:spcAft>
+                <a:spcPts val="1000"/>
+              </a:spcAft>
+            </a:pPr>
+            <a:r>
+              <a:rPr lang="en-US" u="sng" dirty="0">
+                <a:effectLst/>
+                <a:latin typeface="Calibri" panose="020F0502020204030204" pitchFamily="34" charset="0"/>
+                <a:ea typeface="Calibri" panose="020F0502020204030204" pitchFamily="34" charset="0"/>
+                <a:cs typeface="Times New Roman" panose="02020603050405020304" pitchFamily="18" charset="0"/>
+              </a:rPr>
+              <a:t>Formatting</a:t>
+            </a:r>
+            <a:r>
+              <a:rPr lang="en-US" dirty="0">
+                <a:effectLst/>
+                <a:latin typeface="Calibri" panose="020F0502020204030204" pitchFamily="34" charset="0"/>
+                <a:ea typeface="Calibri" panose="020F0502020204030204" pitchFamily="34" charset="0"/>
+                <a:cs typeface="Times New Roman" panose="02020603050405020304" pitchFamily="18" charset="0"/>
+              </a:rPr>
+              <a:t> means writing electronic information on the disk so that the computer can recognize the disk as a valid storage device where data can be stored. </a:t>
+            </a:r>
+          </a:p>
+          <a:p>
+            <a:pPr marL="0" marR="0">
+              <a:lnSpc>
+                <a:spcPct val="115000"/>
+              </a:lnSpc>
+              <a:spcBef>
+                <a:spcPts val="0"/>
+              </a:spcBef>
+              <a:spcAft>
+                <a:spcPts val="1000"/>
+              </a:spcAft>
+            </a:pPr>
+            <a:r>
+              <a:rPr lang="en-US" dirty="0">
+                <a:effectLst/>
+                <a:latin typeface="Calibri" panose="020F0502020204030204" pitchFamily="34" charset="0"/>
+                <a:ea typeface="Calibri" panose="020F0502020204030204" pitchFamily="34" charset="0"/>
+                <a:cs typeface="Times New Roman" panose="02020603050405020304" pitchFamily="18" charset="0"/>
+              </a:rPr>
+              <a:t>Most floppy disks are already formatted when they are purchased. </a:t>
+            </a:r>
+          </a:p>
+          <a:p>
+            <a:pPr marL="0" marR="0">
+              <a:lnSpc>
+                <a:spcPct val="115000"/>
+              </a:lnSpc>
+              <a:spcBef>
+                <a:spcPts val="0"/>
+              </a:spcBef>
+              <a:spcAft>
+                <a:spcPts val="1000"/>
+              </a:spcAft>
+            </a:pPr>
+            <a:r>
+              <a:rPr lang="en-US" dirty="0">
+                <a:effectLst/>
+                <a:latin typeface="Calibri" panose="020F0502020204030204" pitchFamily="34" charset="0"/>
+                <a:ea typeface="Calibri" panose="020F0502020204030204" pitchFamily="34" charset="0"/>
+                <a:cs typeface="Times New Roman" panose="02020603050405020304" pitchFamily="18" charset="0"/>
+              </a:rPr>
+              <a:t>If a diskette is formatted after data has been stored to it, the information will be deleted.</a:t>
+            </a:r>
+          </a:p>
+        </p:txBody>
+      </p:sp>
+      <p:sp>
+        <p:nvSpPr>
+          <p:cNvPr id="6" name="Title 1">
+            <a:extLst>
+              <a:ext uri="{FF2B5EF4-FFF2-40B4-BE49-F238E27FC236}">
+                <a16:creationId xmlns:a16="http://schemas.microsoft.com/office/drawing/2014/main" id="{1FA7BFEA-FEC0-A1BA-43D3-3E9E0F713793}"/>
+              </a:ext>
+            </a:extLst>
+          </p:cNvPr>
+          <p:cNvSpPr txBox="1">
+            <a:spLocks/>
+          </p:cNvSpPr>
+          <p:nvPr/>
+        </p:nvSpPr>
+        <p:spPr>
+          <a:xfrm>
+            <a:off x="525718" y="775402"/>
+            <a:ext cx="5512288" cy="1644111"/>
+          </a:xfrm>
+          <a:prstGeom prst="rect">
+            <a:avLst/>
+          </a:prstGeom>
+        </p:spPr>
+        <p:txBody>
+          <a:bodyPr vert="horz" lIns="91440" tIns="45720" rIns="91440" bIns="45720" rtlCol="0" anchor="t">
+            <a:normAutofit/>
+          </a:bodyPr>
+          <a:lstStyle>
+            <a:lvl1pPr algn="l" defTabSz="914400" rtl="0" eaLnBrk="1" latinLnBrk="0" hangingPunct="1">
+              <a:lnSpc>
+                <a:spcPct val="100000"/>
+              </a:lnSpc>
+              <a:spcBef>
+                <a:spcPct val="0"/>
+              </a:spcBef>
+              <a:buNone/>
+              <a:defRPr sz="3600" i="1" kern="1200">
+                <a:solidFill>
+                  <a:schemeClr val="tx1"/>
+                </a:solidFill>
+                <a:latin typeface="+mj-lt"/>
+                <a:ea typeface="+mj-ea"/>
+                <a:cs typeface="+mj-cs"/>
+              </a:defRPr>
+            </a:lvl1pPr>
+          </a:lstStyle>
+          <a:p>
+            <a:pPr marL="0" marR="0">
+              <a:spcAft>
+                <a:spcPts val="1000"/>
+              </a:spcAft>
+            </a:pPr>
+            <a:r>
+              <a:rPr lang="en-US" dirty="0">
+                <a:effectLst/>
+              </a:rPr>
+              <a:t>Floppy disk</a:t>
+            </a:r>
+          </a:p>
+        </p:txBody>
+      </p:sp>
+    </p:spTree>
+    <p:extLst>
+      <p:ext uri="{BB962C8B-B14F-4D97-AF65-F5344CB8AC3E}">
+        <p14:creationId xmlns:p14="http://schemas.microsoft.com/office/powerpoint/2010/main" val="2560301912"/>
+      </p:ext>
+    </p:extLst>
+  </p:cSld>
+  <p:clrMapOvr>
+    <a:masterClrMapping/>
+  </p:clrMapOvr>
+</p:sld>
+</file>
+
 <file path=ppt/slides/slide8.xml><?xml version="1.0" encoding="utf-8"?>
 <p:sld xmlns:a="http://schemas.openxmlformats.org/drawingml/2006/main" xmlns:r="http://schemas.openxmlformats.org/officeDocument/2006/relationships" xmlns:p="http://schemas.openxmlformats.org/presentationml/2006/main">
   <p:cSld>
@@ -9427,148 +9318,22 @@
       </p:grpSpPr>
       <p:sp>
         <p:nvSpPr>
-          <p:cNvPr id="3" name="Content Placeholder 2">
-            <a:extLst>
-              <a:ext uri="{FF2B5EF4-FFF2-40B4-BE49-F238E27FC236}">
-                <a16:creationId xmlns:a16="http://schemas.microsoft.com/office/drawing/2014/main" id="{C337FF09-4E78-733E-8BD3-C1A3E66F611F}"/>
-              </a:ext>
-            </a:extLst>
-          </p:cNvPr>
-          <p:cNvSpPr>
-            <a:spLocks noGrp="1"/>
-          </p:cNvSpPr>
-          <p:nvPr>
-            <p:ph idx="1"/>
-          </p:nvPr>
+          <p:cNvPr id="6" name="Title 1">
+            <a:extLst>
+              <a:ext uri="{FF2B5EF4-FFF2-40B4-BE49-F238E27FC236}">
+                <a16:creationId xmlns:a16="http://schemas.microsoft.com/office/drawing/2014/main" id="{1FA7BFEA-FEC0-A1BA-43D3-3E9E0F713793}"/>
+              </a:ext>
+            </a:extLst>
+          </p:cNvPr>
+          <p:cNvSpPr txBox="1">
+            <a:spLocks/>
+          </p:cNvSpPr>
+          <p:nvPr/>
         </p:nvSpPr>
         <p:spPr>
           <a:xfrm>
-            <a:off x="525717" y="2796427"/>
-            <a:ext cx="7288247" cy="3274503"/>
-          </a:xfrm>
-        </p:spPr>
-        <p:txBody>
-          <a:bodyPr>
-            <a:noAutofit/>
-          </a:bodyPr>
-          <a:lstStyle/>
-          <a:p>
-            <a:pPr marL="0" marR="0">
-              <a:lnSpc>
-                <a:spcPct val="115000"/>
-              </a:lnSpc>
-              <a:spcBef>
-                <a:spcPts val="0"/>
-              </a:spcBef>
-              <a:spcAft>
-                <a:spcPts val="1000"/>
-              </a:spcAft>
-            </a:pPr>
-            <a:r>
-              <a:rPr lang="en-US" dirty="0">
-                <a:effectLst/>
-                <a:latin typeface="Calibri" panose="020F0502020204030204" pitchFamily="34" charset="0"/>
-                <a:ea typeface="Calibri" panose="020F0502020204030204" pitchFamily="34" charset="0"/>
-                <a:cs typeface="Times New Roman" panose="02020603050405020304" pitchFamily="18" charset="0"/>
-              </a:rPr>
-              <a:t>Before data is stored on a floppy disk, it needs to be formatted. </a:t>
-            </a:r>
-          </a:p>
-          <a:p>
-            <a:pPr marL="0" marR="0">
-              <a:lnSpc>
-                <a:spcPct val="115000"/>
-              </a:lnSpc>
-              <a:spcBef>
-                <a:spcPts val="0"/>
-              </a:spcBef>
-              <a:spcAft>
-                <a:spcPts val="1000"/>
-              </a:spcAft>
-            </a:pPr>
-            <a:r>
-              <a:rPr lang="en-US" u="sng" dirty="0">
-                <a:effectLst/>
-                <a:latin typeface="Calibri" panose="020F0502020204030204" pitchFamily="34" charset="0"/>
-                <a:ea typeface="Calibri" panose="020F0502020204030204" pitchFamily="34" charset="0"/>
-                <a:cs typeface="Times New Roman" panose="02020603050405020304" pitchFamily="18" charset="0"/>
-              </a:rPr>
-              <a:t>Formatting</a:t>
-            </a:r>
-            <a:r>
-              <a:rPr lang="en-US" dirty="0">
-                <a:effectLst/>
-                <a:latin typeface="Calibri" panose="020F0502020204030204" pitchFamily="34" charset="0"/>
-                <a:ea typeface="Calibri" panose="020F0502020204030204" pitchFamily="34" charset="0"/>
-                <a:cs typeface="Times New Roman" panose="02020603050405020304" pitchFamily="18" charset="0"/>
-              </a:rPr>
-              <a:t> means writing electronic information on the disk so that the computer can recognize the disk as a valid storage device where data can be stored. </a:t>
-            </a:r>
-          </a:p>
-          <a:p>
-            <a:pPr marL="0" marR="0">
-              <a:lnSpc>
-                <a:spcPct val="115000"/>
-              </a:lnSpc>
-              <a:spcBef>
-                <a:spcPts val="0"/>
-              </a:spcBef>
-              <a:spcAft>
-                <a:spcPts val="1000"/>
-              </a:spcAft>
-            </a:pPr>
-            <a:r>
-              <a:rPr lang="en-US" dirty="0">
-                <a:effectLst/>
-                <a:latin typeface="Calibri" panose="020F0502020204030204" pitchFamily="34" charset="0"/>
-                <a:ea typeface="Calibri" panose="020F0502020204030204" pitchFamily="34" charset="0"/>
-                <a:cs typeface="Times New Roman" panose="02020603050405020304" pitchFamily="18" charset="0"/>
-              </a:rPr>
-              <a:t>Most floppy disks are already formatted when they are purchased. </a:t>
-            </a:r>
-          </a:p>
-          <a:p>
-            <a:pPr marL="0" marR="0">
-              <a:lnSpc>
-                <a:spcPct val="115000"/>
-              </a:lnSpc>
-              <a:spcBef>
-                <a:spcPts val="0"/>
-              </a:spcBef>
-              <a:spcAft>
-                <a:spcPts val="1000"/>
-              </a:spcAft>
-            </a:pPr>
-            <a:r>
-              <a:rPr lang="en-US" dirty="0">
-                <a:effectLst/>
-                <a:latin typeface="Calibri" panose="020F0502020204030204" pitchFamily="34" charset="0"/>
-                <a:ea typeface="Calibri" panose="020F0502020204030204" pitchFamily="34" charset="0"/>
-                <a:cs typeface="Times New Roman" panose="02020603050405020304" pitchFamily="18" charset="0"/>
-              </a:rPr>
-              <a:t>If a diskette is formatted after data has been stored to it, the information will be deleted.</a:t>
-            </a:r>
-          </a:p>
-        </p:txBody>
-      </p:sp>
-      <p:sp>
-        <p:nvSpPr>
-          <p:cNvPr id="6" name="Title 1">
-            <a:extLst>
-              <a:ext uri="{FF2B5EF4-FFF2-40B4-BE49-F238E27FC236}">
-                <a16:creationId xmlns:a16="http://schemas.microsoft.com/office/drawing/2014/main" id="{1FA7BFEA-FEC0-A1BA-43D3-3E9E0F713793}"/>
-              </a:ext>
-            </a:extLst>
-          </p:cNvPr>
-          <p:cNvSpPr txBox="1">
-            <a:spLocks/>
-          </p:cNvSpPr>
-          <p:nvPr/>
-        </p:nvSpPr>
-        <p:spPr>
-          <a:xfrm>
-            <a:off x="525718" y="775402"/>
-            <a:ext cx="5512288" cy="1644111"/>
+            <a:off x="525718" y="775403"/>
+            <a:ext cx="2556650" cy="769150"/>
           </a:xfrm>
           <a:prstGeom prst="rect">
             <a:avLst/>
@@ -9604,10 +9369,170 @@
               </a:spcAft>
             </a:pPr>
             <a:r>
+              <a:rPr lang="en-US" dirty="0"/>
+              <a:t>Hard</a:t>
+            </a:r>
+            <a:r>
               <a:rPr lang="en-US" dirty="0">
                 <a:effectLst/>
               </a:rPr>
-              <a:t>Floppy disk</a:t>
+              <a:t> disk</a:t>
+            </a:r>
+          </a:p>
+        </p:txBody>
+      </p:sp>
+      <p:sp>
+        <p:nvSpPr>
+          <p:cNvPr id="3" name="Content Placeholder 2">
+            <a:extLst>
+              <a:ext uri="{FF2B5EF4-FFF2-40B4-BE49-F238E27FC236}">
+                <a16:creationId xmlns:a16="http://schemas.microsoft.com/office/drawing/2014/main" id="{C337FF09-4E78-733E-8BD3-C1A3E66F611F}"/>
+              </a:ext>
+            </a:extLst>
+          </p:cNvPr>
+          <p:cNvSpPr>
+            <a:spLocks noGrp="1"/>
+          </p:cNvSpPr>
+          <p:nvPr>
+            <p:ph idx="1"/>
+          </p:nvPr>
+        </p:nvSpPr>
+        <p:spPr>
+          <a:xfrm>
+            <a:off x="5486399" y="848338"/>
+            <a:ext cx="6435215" cy="5963944"/>
+          </a:xfrm>
+        </p:spPr>
+        <p:txBody>
+          <a:bodyPr vert="horz" lIns="91440" tIns="45720" rIns="91440" bIns="45720" rtlCol="0">
+            <a:noAutofit/>
+          </a:bodyPr>
+          <a:lstStyle/>
+          <a:p>
+            <a:pPr lvl="1">
+              <a:lnSpc>
+                <a:spcPct val="100000"/>
+              </a:lnSpc>
+              <a:spcBef>
+                <a:spcPts val="0"/>
+              </a:spcBef>
+              <a:spcAft>
+                <a:spcPts val="1000"/>
+              </a:spcAft>
+            </a:pPr>
+            <a:r>
+              <a:rPr lang="en-US" sz="2300" dirty="0">
+                <a:effectLst/>
+              </a:rPr>
+              <a:t>A hard disk is a thin but rigid, inflexible disk made of highly polished metal.</a:t>
+            </a:r>
+          </a:p>
+          <a:p>
+            <a:pPr lvl="1">
+              <a:lnSpc>
+                <a:spcPct val="100000"/>
+              </a:lnSpc>
+              <a:spcBef>
+                <a:spcPts val="0"/>
+              </a:spcBef>
+              <a:spcAft>
+                <a:spcPts val="1000"/>
+              </a:spcAft>
+            </a:pPr>
+            <a:r>
+              <a:rPr lang="en-US" sz="2300" dirty="0">
+                <a:effectLst/>
+              </a:rPr>
+              <a:t> The surface of each side of the disk (also called platters) is covered with a substance that can be magnetized. </a:t>
+            </a:r>
+          </a:p>
+          <a:p>
+            <a:pPr lvl="1">
+              <a:lnSpc>
+                <a:spcPct val="100000"/>
+              </a:lnSpc>
+              <a:spcBef>
+                <a:spcPts val="0"/>
+              </a:spcBef>
+              <a:spcAft>
+                <a:spcPts val="1000"/>
+              </a:spcAft>
+            </a:pPr>
+            <a:r>
+              <a:rPr lang="en-US" sz="2300" dirty="0">
+                <a:effectLst/>
+              </a:rPr>
+              <a:t>As of April 2009, the highest capacity HDDs is 2 </a:t>
+            </a:r>
+            <a:r>
+              <a:rPr lang="en-US" sz="2300" u="none" strike="noStrike" dirty="0">
+                <a:effectLst/>
+                <a:hlinkClick r:id="rId2" tooltip="Terabytes"/>
+              </a:rPr>
+              <a:t>TB</a:t>
+            </a:r>
+            <a:r>
+              <a:rPr lang="en-US" sz="2300" dirty="0">
+                <a:effectLst/>
+              </a:rPr>
+              <a:t>.</a:t>
+            </a:r>
+          </a:p>
+          <a:p>
+            <a:pPr lvl="1">
+              <a:lnSpc>
+                <a:spcPct val="100000"/>
+              </a:lnSpc>
+              <a:spcBef>
+                <a:spcPts val="0"/>
+              </a:spcBef>
+              <a:spcAft>
+                <a:spcPts val="1000"/>
+              </a:spcAft>
+            </a:pPr>
+            <a:r>
+              <a:rPr lang="en-US" sz="2300" dirty="0">
+                <a:effectLst/>
+              </a:rPr>
+              <a:t>There are different types of disk: moveable head, fixed head and external. </a:t>
+            </a:r>
+          </a:p>
+          <a:p>
+            <a:pPr lvl="1">
+              <a:lnSpc>
+                <a:spcPct val="100000"/>
+              </a:lnSpc>
+              <a:spcBef>
+                <a:spcPts val="0"/>
+              </a:spcBef>
+              <a:spcAft>
+                <a:spcPts val="1000"/>
+              </a:spcAft>
+            </a:pPr>
+            <a:r>
+              <a:rPr lang="en-US" sz="2300" dirty="0">
+                <a:effectLst/>
+              </a:rPr>
+              <a:t>Moveable head hard disks have one read/write head per disk.</a:t>
+            </a:r>
+          </a:p>
+          <a:p>
+            <a:pPr lvl="1">
+              <a:lnSpc>
+                <a:spcPct val="100000"/>
+              </a:lnSpc>
+              <a:spcBef>
+                <a:spcPts val="0"/>
+              </a:spcBef>
+              <a:spcAft>
+                <a:spcPts val="1000"/>
+              </a:spcAft>
+            </a:pPr>
+            <a:r>
+              <a:rPr lang="en-US" sz="2300" dirty="0">
+                <a:effectLst/>
+              </a:rPr>
+              <a:t>Fixed head disks have a read/write head for every track on the disk. </a:t>
             </a:r>
           </a:p>
         </p:txBody>
@@ -9615,7 +9540,7 @@
     </p:spTree>
     <p:extLst>
       <p:ext uri="{BB962C8B-B14F-4D97-AF65-F5344CB8AC3E}">
-        <p14:creationId xmlns:p14="http://schemas.microsoft.com/office/powerpoint/2010/main" val="2560301912"/>
+        <p14:creationId xmlns:p14="http://schemas.microsoft.com/office/powerpoint/2010/main" val="1466661282"/>
       </p:ext>
     </p:extLst>
   </p:cSld>
@@ -9644,6 +9569,165 @@
       </p:grpSpPr>
       <p:sp>
         <p:nvSpPr>
+          <p:cNvPr id="3" name="Content Placeholder 2">
+            <a:extLst>
+              <a:ext uri="{FF2B5EF4-FFF2-40B4-BE49-F238E27FC236}">
+                <a16:creationId xmlns:a16="http://schemas.microsoft.com/office/drawing/2014/main" id="{C337FF09-4E78-733E-8BD3-C1A3E66F611F}"/>
+              </a:ext>
+            </a:extLst>
+          </p:cNvPr>
+          <p:cNvSpPr>
+            <a:spLocks noGrp="1"/>
+          </p:cNvSpPr>
+          <p:nvPr>
+            <p:ph idx="1"/>
+          </p:nvPr>
+        </p:nvSpPr>
+        <p:spPr>
+          <a:xfrm>
+            <a:off x="525717" y="2796427"/>
+            <a:ext cx="10348609" cy="3702847"/>
+          </a:xfrm>
+        </p:spPr>
+        <p:txBody>
+          <a:bodyPr>
+            <a:noAutofit/>
+          </a:bodyPr>
+          <a:lstStyle/>
+          <a:p>
+            <a:pPr marL="0" marR="0">
+              <a:lnSpc>
+                <a:spcPct val="115000"/>
+              </a:lnSpc>
+              <a:spcBef>
+                <a:spcPts val="0"/>
+              </a:spcBef>
+              <a:spcAft>
+                <a:spcPts val="1000"/>
+              </a:spcAft>
+            </a:pPr>
+            <a:r>
+              <a:rPr lang="en-US" sz="2500" dirty="0">
+                <a:effectLst/>
+                <a:latin typeface="Calibri" panose="020F0502020204030204" pitchFamily="34" charset="0"/>
+                <a:ea typeface="Calibri" panose="020F0502020204030204" pitchFamily="34" charset="0"/>
+                <a:cs typeface="Times New Roman" panose="02020603050405020304" pitchFamily="18" charset="0"/>
+              </a:rPr>
+              <a:t>The </a:t>
+            </a:r>
+            <a:r>
+              <a:rPr lang="en-US" sz="2500" b="1" dirty="0">
+                <a:effectLst/>
+                <a:latin typeface="Calibri" panose="020F0502020204030204" pitchFamily="34" charset="0"/>
+                <a:ea typeface="Calibri" panose="020F0502020204030204" pitchFamily="34" charset="0"/>
+                <a:cs typeface="Times New Roman" panose="02020603050405020304" pitchFamily="18" charset="0"/>
+              </a:rPr>
+              <a:t>access time</a:t>
+            </a:r>
+            <a:r>
+              <a:rPr lang="en-US" sz="2500" dirty="0">
+                <a:effectLst/>
+                <a:latin typeface="Calibri" panose="020F0502020204030204" pitchFamily="34" charset="0"/>
+                <a:ea typeface="Calibri" panose="020F0502020204030204" pitchFamily="34" charset="0"/>
+                <a:cs typeface="Times New Roman" panose="02020603050405020304" pitchFamily="18" charset="0"/>
+              </a:rPr>
+              <a:t> (</a:t>
+            </a:r>
+            <a:r>
+              <a:rPr lang="en-US" sz="2500" u="sng" dirty="0">
+                <a:effectLst/>
+                <a:latin typeface="Calibri" panose="020F0502020204030204" pitchFamily="34" charset="0"/>
+                <a:ea typeface="Calibri" panose="020F0502020204030204" pitchFamily="34" charset="0"/>
+                <a:cs typeface="Times New Roman" panose="02020603050405020304" pitchFamily="18" charset="0"/>
+              </a:rPr>
+              <a:t>time to get data</a:t>
+            </a:r>
+            <a:r>
+              <a:rPr lang="en-US" sz="2500" dirty="0">
+                <a:effectLst/>
+                <a:latin typeface="Calibri" panose="020F0502020204030204" pitchFamily="34" charset="0"/>
+                <a:ea typeface="Calibri" panose="020F0502020204030204" pitchFamily="34" charset="0"/>
+                <a:cs typeface="Times New Roman" panose="02020603050405020304" pitchFamily="18" charset="0"/>
+              </a:rPr>
+              <a:t>) from a spinning disk with one read/write head is a combination of:</a:t>
+            </a:r>
+          </a:p>
+          <a:p>
+            <a:pPr marL="342900" marR="0" lvl="0" indent="-342900">
+              <a:lnSpc>
+                <a:spcPct val="115000"/>
+              </a:lnSpc>
+              <a:spcBef>
+                <a:spcPts val="0"/>
+              </a:spcBef>
+              <a:spcAft>
+                <a:spcPts val="1000"/>
+              </a:spcAft>
+              <a:buFont typeface="Symbol" panose="05050102010706020507" pitchFamily="18" charset="2"/>
+              <a:buChar char=""/>
+            </a:pPr>
+            <a:r>
+              <a:rPr lang="en-US" sz="2500" dirty="0">
+                <a:effectLst/>
+                <a:latin typeface="Calibri" panose="020F0502020204030204" pitchFamily="34" charset="0"/>
+                <a:ea typeface="Calibri" panose="020F0502020204030204" pitchFamily="34" charset="0"/>
+                <a:cs typeface="Times New Roman" panose="02020603050405020304" pitchFamily="18" charset="0"/>
+              </a:rPr>
+              <a:t>Seek time – how long it takes the head to get to the right track;</a:t>
+            </a:r>
+          </a:p>
+          <a:p>
+            <a:pPr marL="342900" marR="0" lvl="0" indent="-342900">
+              <a:lnSpc>
+                <a:spcPct val="115000"/>
+              </a:lnSpc>
+              <a:spcBef>
+                <a:spcPts val="0"/>
+              </a:spcBef>
+              <a:spcAft>
+                <a:spcPts val="1000"/>
+              </a:spcAft>
+              <a:buFont typeface="Symbol" panose="05050102010706020507" pitchFamily="18" charset="2"/>
+              <a:buChar char=""/>
+            </a:pPr>
+            <a:r>
+              <a:rPr lang="en-US" sz="2500" dirty="0">
+                <a:effectLst/>
+                <a:latin typeface="Calibri" panose="020F0502020204030204" pitchFamily="34" charset="0"/>
+                <a:ea typeface="Calibri" panose="020F0502020204030204" pitchFamily="34" charset="0"/>
+                <a:cs typeface="Times New Roman" panose="02020603050405020304" pitchFamily="18" charset="0"/>
+              </a:rPr>
+              <a:t>Rotational delay or latency time – how long it takes for the data to rotate under the head; and</a:t>
+            </a:r>
+          </a:p>
+          <a:p>
+            <a:pPr marL="342900" marR="0" lvl="0" indent="-342900">
+              <a:lnSpc>
+                <a:spcPct val="115000"/>
+              </a:lnSpc>
+              <a:spcBef>
+                <a:spcPts val="0"/>
+              </a:spcBef>
+              <a:spcAft>
+                <a:spcPts val="1000"/>
+              </a:spcAft>
+              <a:buFont typeface="Symbol" panose="05050102010706020507" pitchFamily="18" charset="2"/>
+              <a:buChar char=""/>
+            </a:pPr>
+            <a:r>
+              <a:rPr lang="en-US" sz="2500" dirty="0">
+                <a:effectLst/>
+                <a:latin typeface="Calibri" panose="020F0502020204030204" pitchFamily="34" charset="0"/>
+                <a:ea typeface="Calibri" panose="020F0502020204030204" pitchFamily="34" charset="0"/>
+                <a:cs typeface="Times New Roman" panose="02020603050405020304" pitchFamily="18" charset="0"/>
+              </a:rPr>
+              <a:t>Transmission time – the time taken to read the data and transmit it to the CPU.</a:t>
+            </a:r>
+          </a:p>
+        </p:txBody>
+      </p:sp>
+      <p:sp>
+        <p:nvSpPr>
           <p:cNvPr id="6" name="Title 1">
             <a:extLst>
               <a:ext uri="{FF2B5EF4-FFF2-40B4-BE49-F238E27FC236}">
@@ -9658,8 +9742,8 @@
         </p:nvSpPr>
         <p:spPr>
           <a:xfrm>
-            <a:off x="525718" y="775403"/>
-            <a:ext cx="2556650" cy="769150"/>
+            <a:off x="525718" y="775402"/>
+            <a:ext cx="5512288" cy="1644111"/>
           </a:xfrm>
           <a:prstGeom prst="rect">
             <a:avLst/>
@@ -9695,170 +9779,10 @@
               </a:spcAft>
             </a:pPr>
             <a:r>
-              <a:rPr lang="en-US" dirty="0"/>
-              <a:t>Hard</a:t>
-            </a:r>
-            <a:r>
               <a:rPr lang="en-US" dirty="0">
                 <a:effectLst/>
               </a:rPr>
-              <a:t> disk</a:t>
-            </a:r>
-          </a:p>
-        </p:txBody>
-      </p:sp>
-      <p:sp>
-        <p:nvSpPr>
-          <p:cNvPr id="3" name="Content Placeholder 2">
-            <a:extLst>
-              <a:ext uri="{FF2B5EF4-FFF2-40B4-BE49-F238E27FC236}">
-                <a16:creationId xmlns:a16="http://schemas.microsoft.com/office/drawing/2014/main" id="{C337FF09-4E78-733E-8BD3-C1A3E66F611F}"/>
-              </a:ext>
-            </a:extLst>
-          </p:cNvPr>
-          <p:cNvSpPr>
-            <a:spLocks noGrp="1"/>
-          </p:cNvSpPr>
-          <p:nvPr>
-            <p:ph idx="1"/>
-          </p:nvPr>
-        </p:nvSpPr>
-        <p:spPr>
-          <a:xfrm>
-            <a:off x="5486399" y="848338"/>
-            <a:ext cx="6435215" cy="5963944"/>
-          </a:xfrm>
-        </p:spPr>
-        <p:txBody>
-          <a:bodyPr vert="horz" lIns="91440" tIns="45720" rIns="91440" bIns="45720" rtlCol="0">
-            <a:noAutofit/>
-          </a:bodyPr>
-          <a:lstStyle/>
-          <a:p>
-            <a:pPr lvl="1">
-              <a:lnSpc>
-                <a:spcPct val="100000"/>
-              </a:lnSpc>
-              <a:spcBef>
-                <a:spcPts val="0"/>
-              </a:spcBef>
-              <a:spcAft>
-                <a:spcPts val="1000"/>
-              </a:spcAft>
-            </a:pPr>
-            <a:r>
-              <a:rPr lang="en-US" sz="2300" dirty="0">
-                <a:effectLst/>
-              </a:rPr>
-              <a:t>A hard disk is a thin but rigid, inflexible disk made of highly polished metal.</a:t>
-            </a:r>
-          </a:p>
-          <a:p>
-            <a:pPr lvl="1">
-              <a:lnSpc>
-                <a:spcPct val="100000"/>
-              </a:lnSpc>
-              <a:spcBef>
-                <a:spcPts val="0"/>
-              </a:spcBef>
-              <a:spcAft>
-                <a:spcPts val="1000"/>
-              </a:spcAft>
-            </a:pPr>
-            <a:r>
-              <a:rPr lang="en-US" sz="2300" dirty="0">
-                <a:effectLst/>
-              </a:rPr>
-              <a:t> The surface of each side of the disk (also called platters) is covered with a substance that can be magnetized. </a:t>
-            </a:r>
-          </a:p>
-          <a:p>
-            <a:pPr lvl="1">
-              <a:lnSpc>
-                <a:spcPct val="100000"/>
-              </a:lnSpc>
-              <a:spcBef>
-                <a:spcPts val="0"/>
-              </a:spcBef>
-              <a:spcAft>
-                <a:spcPts val="1000"/>
-              </a:spcAft>
-            </a:pPr>
-            <a:r>
-              <a:rPr lang="en-US" sz="2300" dirty="0">
-                <a:effectLst/>
-              </a:rPr>
-              <a:t>As of April 2009, the highest capacity HDDs is 2 </a:t>
-            </a:r>
-            <a:r>
-              <a:rPr lang="en-US" sz="2300" u="none" strike="noStrike" dirty="0">
-                <a:effectLst/>
-                <a:hlinkClick r:id="rId2" tooltip="Terabytes"/>
-              </a:rPr>
-              <a:t>TB</a:t>
-            </a:r>
-            <a:r>
-              <a:rPr lang="en-US" sz="2300" dirty="0">
-                <a:effectLst/>
-              </a:rPr>
-              <a:t>.</a:t>
-            </a:r>
-          </a:p>
-          <a:p>
-            <a:pPr lvl="1">
-              <a:lnSpc>
-                <a:spcPct val="100000"/>
-              </a:lnSpc>
-              <a:spcBef>
-                <a:spcPts val="0"/>
-              </a:spcBef>
-              <a:spcAft>
-                <a:spcPts val="1000"/>
-              </a:spcAft>
-            </a:pPr>
-            <a:r>
-              <a:rPr lang="en-US" sz="2300" dirty="0">
-                <a:effectLst/>
-              </a:rPr>
-              <a:t>There are different types of disk: moveable head, fixed head and external. </a:t>
-            </a:r>
-          </a:p>
-          <a:p>
-            <a:pPr lvl="1">
-              <a:lnSpc>
-                <a:spcPct val="100000"/>
-              </a:lnSpc>
-              <a:spcBef>
-                <a:spcPts val="0"/>
-              </a:spcBef>
-              <a:spcAft>
-                <a:spcPts val="1000"/>
-              </a:spcAft>
-            </a:pPr>
-            <a:r>
-              <a:rPr lang="en-US" sz="2300" dirty="0">
-                <a:effectLst/>
-              </a:rPr>
-              <a:t>Moveable head hard disks have one read/write head per disk.</a:t>
-            </a:r>
-          </a:p>
-          <a:p>
-            <a:pPr lvl="1">
-              <a:lnSpc>
-                <a:spcPct val="100000"/>
-              </a:lnSpc>
-              <a:spcBef>
-                <a:spcPts val="0"/>
-              </a:spcBef>
-              <a:spcAft>
-                <a:spcPts val="1000"/>
-              </a:spcAft>
-            </a:pPr>
-            <a:r>
-              <a:rPr lang="en-US" sz="2300" dirty="0">
-                <a:effectLst/>
-              </a:rPr>
-              <a:t>Fixed head disks have a read/write head for every track on the disk. </a:t>
+              <a:t>Hard disk</a:t>
             </a:r>
           </a:p>
         </p:txBody>
@@ -9866,7 +9790,7 @@
     </p:spTree>
     <p:extLst>
       <p:ext uri="{BB962C8B-B14F-4D97-AF65-F5344CB8AC3E}">
-        <p14:creationId xmlns:p14="http://schemas.microsoft.com/office/powerpoint/2010/main" val="1466661282"/>
+        <p14:creationId xmlns:p14="http://schemas.microsoft.com/office/powerpoint/2010/main" val="2970740834"/>
       </p:ext>
     </p:extLst>
   </p:cSld>
